--- a/RAP Presentationen/Tag4.2 - UnmanagedQuery_DE.pptx
+++ b/RAP Presentationen/Tag4.2 - UnmanagedQuery_DE.pptx
@@ -4,23 +4,29 @@
   <p:sldMasterIdLst>
     <p:sldMasterId id="2147483648" r:id="rId1"/>
   </p:sldMasterIdLst>
+  <p:notesMasterIdLst>
+    <p:notesMasterId r:id="rId21"/>
+  </p:notesMasterIdLst>
   <p:sldIdLst>
     <p:sldId id="256" r:id="rId2"/>
     <p:sldId id="260" r:id="rId3"/>
-    <p:sldId id="261" r:id="rId4"/>
-    <p:sldId id="263" r:id="rId5"/>
-    <p:sldId id="264" r:id="rId6"/>
-    <p:sldId id="265" r:id="rId7"/>
-    <p:sldId id="266" r:id="rId8"/>
-    <p:sldId id="267" r:id="rId9"/>
-    <p:sldId id="257" r:id="rId10"/>
-    <p:sldId id="258" r:id="rId11"/>
-    <p:sldId id="259" r:id="rId12"/>
-    <p:sldId id="262" r:id="rId13"/>
-    <p:sldId id="268" r:id="rId14"/>
-    <p:sldId id="269" r:id="rId15"/>
-    <p:sldId id="270" r:id="rId16"/>
-    <p:sldId id="338" r:id="rId17"/>
+    <p:sldId id="339" r:id="rId4"/>
+    <p:sldId id="261" r:id="rId5"/>
+    <p:sldId id="263" r:id="rId6"/>
+    <p:sldId id="264" r:id="rId7"/>
+    <p:sldId id="265" r:id="rId8"/>
+    <p:sldId id="266" r:id="rId9"/>
+    <p:sldId id="267" r:id="rId10"/>
+    <p:sldId id="257" r:id="rId11"/>
+    <p:sldId id="342" r:id="rId12"/>
+    <p:sldId id="258" r:id="rId13"/>
+    <p:sldId id="340" r:id="rId14"/>
+    <p:sldId id="341" r:id="rId15"/>
+    <p:sldId id="262" r:id="rId16"/>
+    <p:sldId id="268" r:id="rId17"/>
+    <p:sldId id="269" r:id="rId18"/>
+    <p:sldId id="270" r:id="rId19"/>
+    <p:sldId id="338" r:id="rId20"/>
   </p:sldIdLst>
   <p:sldSz cx="12192000" cy="6858000"/>
   <p:notesSz cx="6858000" cy="9144000"/>
@@ -127,6 +133,1890 @@
 </p:presentation>
 </file>
 
+<file path=ppt/notesMasters/notesMaster1.xml><?xml version="1.0" encoding="utf-8"?>
+<p:notesMaster xmlns:a="http://schemas.openxmlformats.org/drawingml/2006/main" xmlns:r="http://schemas.openxmlformats.org/officeDocument/2006/relationships" xmlns:p="http://schemas.openxmlformats.org/presentationml/2006/main">
+  <p:cSld>
+    <p:bg>
+      <p:bgRef idx="1001">
+        <a:schemeClr val="bg1"/>
+      </p:bgRef>
+    </p:bg>
+    <p:spTree>
+      <p:nvGrpSpPr>
+        <p:cNvPr id="1" name=""/>
+        <p:cNvGrpSpPr/>
+        <p:nvPr/>
+      </p:nvGrpSpPr>
+      <p:grpSpPr>
+        <a:xfrm>
+          <a:off x="0" y="0"/>
+          <a:ext cx="0" cy="0"/>
+          <a:chOff x="0" y="0"/>
+          <a:chExt cx="0" cy="0"/>
+        </a:xfrm>
+      </p:grpSpPr>
+      <p:sp>
+        <p:nvSpPr>
+          <p:cNvPr id="2" name="Kopfzeilenplatzhalter 1"/>
+          <p:cNvSpPr>
+            <a:spLocks noGrp="1"/>
+          </p:cNvSpPr>
+          <p:nvPr>
+            <p:ph type="hdr" sz="quarter"/>
+          </p:nvPr>
+        </p:nvSpPr>
+        <p:spPr>
+          <a:xfrm>
+            <a:off x="0" y="0"/>
+            <a:ext cx="2971800" cy="458788"/>
+          </a:xfrm>
+          <a:prstGeom prst="rect">
+            <a:avLst/>
+          </a:prstGeom>
+        </p:spPr>
+        <p:txBody>
+          <a:bodyPr vert="horz" lIns="91440" tIns="45720" rIns="91440" bIns="45720" rtlCol="0"/>
+          <a:lstStyle>
+            <a:lvl1pPr algn="l">
+              <a:defRPr sz="1200"/>
+            </a:lvl1pPr>
+          </a:lstStyle>
+          <a:p>
+            <a:endParaRPr lang="de-DE"/>
+          </a:p>
+        </p:txBody>
+      </p:sp>
+      <p:sp>
+        <p:nvSpPr>
+          <p:cNvPr id="3" name="Datumsplatzhalter 2"/>
+          <p:cNvSpPr>
+            <a:spLocks noGrp="1"/>
+          </p:cNvSpPr>
+          <p:nvPr>
+            <p:ph type="dt" idx="1"/>
+          </p:nvPr>
+        </p:nvSpPr>
+        <p:spPr>
+          <a:xfrm>
+            <a:off x="3884613" y="0"/>
+            <a:ext cx="2971800" cy="458788"/>
+          </a:xfrm>
+          <a:prstGeom prst="rect">
+            <a:avLst/>
+          </a:prstGeom>
+        </p:spPr>
+        <p:txBody>
+          <a:bodyPr vert="horz" lIns="91440" tIns="45720" rIns="91440" bIns="45720" rtlCol="0"/>
+          <a:lstStyle>
+            <a:lvl1pPr algn="r">
+              <a:defRPr sz="1200"/>
+            </a:lvl1pPr>
+          </a:lstStyle>
+          <a:p>
+            <a:fld id="{955AD030-E048-484F-ACD2-0C257453AAB0}" type="datetimeFigureOut">
+              <a:rPr lang="de-DE" smtClean="0"/>
+              <a:t>04.07.2024</a:t>
+            </a:fld>
+            <a:endParaRPr lang="de-DE"/>
+          </a:p>
+        </p:txBody>
+      </p:sp>
+      <p:sp>
+        <p:nvSpPr>
+          <p:cNvPr id="4" name="Folienbildplatzhalter 3"/>
+          <p:cNvSpPr>
+            <a:spLocks noGrp="1" noRot="1" noChangeAspect="1"/>
+          </p:cNvSpPr>
+          <p:nvPr>
+            <p:ph type="sldImg" idx="2"/>
+          </p:nvPr>
+        </p:nvSpPr>
+        <p:spPr>
+          <a:xfrm>
+            <a:off x="685800" y="1143000"/>
+            <a:ext cx="5486400" cy="3086100"/>
+          </a:xfrm>
+          <a:prstGeom prst="rect">
+            <a:avLst/>
+          </a:prstGeom>
+          <a:noFill/>
+          <a:ln w="12700">
+            <a:solidFill>
+              <a:prstClr val="black"/>
+            </a:solidFill>
+          </a:ln>
+        </p:spPr>
+        <p:txBody>
+          <a:bodyPr vert="horz" lIns="91440" tIns="45720" rIns="91440" bIns="45720" rtlCol="0" anchor="ctr"/>
+          <a:lstStyle/>
+          <a:p>
+            <a:endParaRPr lang="de-DE"/>
+          </a:p>
+        </p:txBody>
+      </p:sp>
+      <p:sp>
+        <p:nvSpPr>
+          <p:cNvPr id="5" name="Notizenplatzhalter 4"/>
+          <p:cNvSpPr>
+            <a:spLocks noGrp="1"/>
+          </p:cNvSpPr>
+          <p:nvPr>
+            <p:ph type="body" sz="quarter" idx="3"/>
+          </p:nvPr>
+        </p:nvSpPr>
+        <p:spPr>
+          <a:xfrm>
+            <a:off x="685800" y="4400550"/>
+            <a:ext cx="5486400" cy="3600450"/>
+          </a:xfrm>
+          <a:prstGeom prst="rect">
+            <a:avLst/>
+          </a:prstGeom>
+        </p:spPr>
+        <p:txBody>
+          <a:bodyPr vert="horz" lIns="91440" tIns="45720" rIns="91440" bIns="45720" rtlCol="0"/>
+          <a:lstStyle/>
+          <a:p>
+            <a:pPr lvl="0"/>
+            <a:r>
+              <a:rPr lang="de-DE"/>
+              <a:t>Mastertextformat bearbeiten</a:t>
+            </a:r>
+          </a:p>
+          <a:p>
+            <a:pPr lvl="1"/>
+            <a:r>
+              <a:rPr lang="de-DE"/>
+              <a:t>Zweite Ebene</a:t>
+            </a:r>
+          </a:p>
+          <a:p>
+            <a:pPr lvl="2"/>
+            <a:r>
+              <a:rPr lang="de-DE"/>
+              <a:t>Dritte Ebene</a:t>
+            </a:r>
+          </a:p>
+          <a:p>
+            <a:pPr lvl="3"/>
+            <a:r>
+              <a:rPr lang="de-DE"/>
+              <a:t>Vierte Ebene</a:t>
+            </a:r>
+          </a:p>
+          <a:p>
+            <a:pPr lvl="4"/>
+            <a:r>
+              <a:rPr lang="de-DE"/>
+              <a:t>Fünfte Ebene</a:t>
+            </a:r>
+          </a:p>
+        </p:txBody>
+      </p:sp>
+      <p:sp>
+        <p:nvSpPr>
+          <p:cNvPr id="6" name="Fußzeilenplatzhalter 5"/>
+          <p:cNvSpPr>
+            <a:spLocks noGrp="1"/>
+          </p:cNvSpPr>
+          <p:nvPr>
+            <p:ph type="ftr" sz="quarter" idx="4"/>
+          </p:nvPr>
+        </p:nvSpPr>
+        <p:spPr>
+          <a:xfrm>
+            <a:off x="0" y="8685213"/>
+            <a:ext cx="2971800" cy="458787"/>
+          </a:xfrm>
+          <a:prstGeom prst="rect">
+            <a:avLst/>
+          </a:prstGeom>
+        </p:spPr>
+        <p:txBody>
+          <a:bodyPr vert="horz" lIns="91440" tIns="45720" rIns="91440" bIns="45720" rtlCol="0" anchor="b"/>
+          <a:lstStyle>
+            <a:lvl1pPr algn="l">
+              <a:defRPr sz="1200"/>
+            </a:lvl1pPr>
+          </a:lstStyle>
+          <a:p>
+            <a:endParaRPr lang="de-DE"/>
+          </a:p>
+        </p:txBody>
+      </p:sp>
+      <p:sp>
+        <p:nvSpPr>
+          <p:cNvPr id="7" name="Foliennummernplatzhalter 6"/>
+          <p:cNvSpPr>
+            <a:spLocks noGrp="1"/>
+          </p:cNvSpPr>
+          <p:nvPr>
+            <p:ph type="sldNum" sz="quarter" idx="5"/>
+          </p:nvPr>
+        </p:nvSpPr>
+        <p:spPr>
+          <a:xfrm>
+            <a:off x="3884613" y="8685213"/>
+            <a:ext cx="2971800" cy="458787"/>
+          </a:xfrm>
+          <a:prstGeom prst="rect">
+            <a:avLst/>
+          </a:prstGeom>
+        </p:spPr>
+        <p:txBody>
+          <a:bodyPr vert="horz" lIns="91440" tIns="45720" rIns="91440" bIns="45720" rtlCol="0" anchor="b"/>
+          <a:lstStyle>
+            <a:lvl1pPr algn="r">
+              <a:defRPr sz="1200"/>
+            </a:lvl1pPr>
+          </a:lstStyle>
+          <a:p>
+            <a:fld id="{609B6B1F-E26A-4625-8D10-76CEED6060F4}" type="slidenum">
+              <a:rPr lang="de-DE" smtClean="0"/>
+              <a:t>‹Nr.›</a:t>
+            </a:fld>
+            <a:endParaRPr lang="de-DE"/>
+          </a:p>
+        </p:txBody>
+      </p:sp>
+    </p:spTree>
+    <p:extLst>
+      <p:ext uri="{BB962C8B-B14F-4D97-AF65-F5344CB8AC3E}">
+        <p14:creationId xmlns:p14="http://schemas.microsoft.com/office/powerpoint/2010/main" val="3603972829"/>
+      </p:ext>
+    </p:extLst>
+  </p:cSld>
+  <p:clrMap bg1="lt1" tx1="dk1" bg2="lt2" tx2="dk2" accent1="accent1" accent2="accent2" accent3="accent3" accent4="accent4" accent5="accent5" accent6="accent6" hlink="hlink" folHlink="folHlink"/>
+  <p:notesStyle>
+    <a:lvl1pPr marL="0" algn="l" defTabSz="914400" rtl="0" eaLnBrk="1" latinLnBrk="0" hangingPunct="1">
+      <a:defRPr sz="1200" kern="1200">
+        <a:solidFill>
+          <a:schemeClr val="tx1"/>
+        </a:solidFill>
+        <a:latin typeface="+mn-lt"/>
+        <a:ea typeface="+mn-ea"/>
+        <a:cs typeface="+mn-cs"/>
+      </a:defRPr>
+    </a:lvl1pPr>
+    <a:lvl2pPr marL="457200" algn="l" defTabSz="914400" rtl="0" eaLnBrk="1" latinLnBrk="0" hangingPunct="1">
+      <a:defRPr sz="1200" kern="1200">
+        <a:solidFill>
+          <a:schemeClr val="tx1"/>
+        </a:solidFill>
+        <a:latin typeface="+mn-lt"/>
+        <a:ea typeface="+mn-ea"/>
+        <a:cs typeface="+mn-cs"/>
+      </a:defRPr>
+    </a:lvl2pPr>
+    <a:lvl3pPr marL="914400" algn="l" defTabSz="914400" rtl="0" eaLnBrk="1" latinLnBrk="0" hangingPunct="1">
+      <a:defRPr sz="1200" kern="1200">
+        <a:solidFill>
+          <a:schemeClr val="tx1"/>
+        </a:solidFill>
+        <a:latin typeface="+mn-lt"/>
+        <a:ea typeface="+mn-ea"/>
+        <a:cs typeface="+mn-cs"/>
+      </a:defRPr>
+    </a:lvl3pPr>
+    <a:lvl4pPr marL="1371600" algn="l" defTabSz="914400" rtl="0" eaLnBrk="1" latinLnBrk="0" hangingPunct="1">
+      <a:defRPr sz="1200" kern="1200">
+        <a:solidFill>
+          <a:schemeClr val="tx1"/>
+        </a:solidFill>
+        <a:latin typeface="+mn-lt"/>
+        <a:ea typeface="+mn-ea"/>
+        <a:cs typeface="+mn-cs"/>
+      </a:defRPr>
+    </a:lvl4pPr>
+    <a:lvl5pPr marL="1828800" algn="l" defTabSz="914400" rtl="0" eaLnBrk="1" latinLnBrk="0" hangingPunct="1">
+      <a:defRPr sz="1200" kern="1200">
+        <a:solidFill>
+          <a:schemeClr val="tx1"/>
+        </a:solidFill>
+        <a:latin typeface="+mn-lt"/>
+        <a:ea typeface="+mn-ea"/>
+        <a:cs typeface="+mn-cs"/>
+      </a:defRPr>
+    </a:lvl5pPr>
+    <a:lvl6pPr marL="2286000" algn="l" defTabSz="914400" rtl="0" eaLnBrk="1" latinLnBrk="0" hangingPunct="1">
+      <a:defRPr sz="1200" kern="1200">
+        <a:solidFill>
+          <a:schemeClr val="tx1"/>
+        </a:solidFill>
+        <a:latin typeface="+mn-lt"/>
+        <a:ea typeface="+mn-ea"/>
+        <a:cs typeface="+mn-cs"/>
+      </a:defRPr>
+    </a:lvl6pPr>
+    <a:lvl7pPr marL="2743200" algn="l" defTabSz="914400" rtl="0" eaLnBrk="1" latinLnBrk="0" hangingPunct="1">
+      <a:defRPr sz="1200" kern="1200">
+        <a:solidFill>
+          <a:schemeClr val="tx1"/>
+        </a:solidFill>
+        <a:latin typeface="+mn-lt"/>
+        <a:ea typeface="+mn-ea"/>
+        <a:cs typeface="+mn-cs"/>
+      </a:defRPr>
+    </a:lvl7pPr>
+    <a:lvl8pPr marL="3200400" algn="l" defTabSz="914400" rtl="0" eaLnBrk="1" latinLnBrk="0" hangingPunct="1">
+      <a:defRPr sz="1200" kern="1200">
+        <a:solidFill>
+          <a:schemeClr val="tx1"/>
+        </a:solidFill>
+        <a:latin typeface="+mn-lt"/>
+        <a:ea typeface="+mn-ea"/>
+        <a:cs typeface="+mn-cs"/>
+      </a:defRPr>
+    </a:lvl8pPr>
+    <a:lvl9pPr marL="3657600" algn="l" defTabSz="914400" rtl="0" eaLnBrk="1" latinLnBrk="0" hangingPunct="1">
+      <a:defRPr sz="1200" kern="1200">
+        <a:solidFill>
+          <a:schemeClr val="tx1"/>
+        </a:solidFill>
+        <a:latin typeface="+mn-lt"/>
+        <a:ea typeface="+mn-ea"/>
+        <a:cs typeface="+mn-cs"/>
+      </a:defRPr>
+    </a:lvl9pPr>
+  </p:notesStyle>
+</p:notesMaster>
+</file>
+
+<file path=ppt/notesSlides/notesSlide1.xml><?xml version="1.0" encoding="utf-8"?>
+<p:notes xmlns:a="http://schemas.openxmlformats.org/drawingml/2006/main" xmlns:r="http://schemas.openxmlformats.org/officeDocument/2006/relationships" xmlns:p="http://schemas.openxmlformats.org/presentationml/2006/main">
+  <p:cSld>
+    <p:spTree>
+      <p:nvGrpSpPr>
+        <p:cNvPr id="1" name=""/>
+        <p:cNvGrpSpPr/>
+        <p:nvPr/>
+      </p:nvGrpSpPr>
+      <p:grpSpPr>
+        <a:xfrm>
+          <a:off x="0" y="0"/>
+          <a:ext cx="0" cy="0"/>
+          <a:chOff x="0" y="0"/>
+          <a:chExt cx="0" cy="0"/>
+        </a:xfrm>
+      </p:grpSpPr>
+      <p:sp>
+        <p:nvSpPr>
+          <p:cNvPr id="2" name="Folienbildplatzhalter 1"/>
+          <p:cNvSpPr>
+            <a:spLocks noGrp="1" noRot="1" noChangeAspect="1"/>
+          </p:cNvSpPr>
+          <p:nvPr>
+            <p:ph type="sldImg"/>
+          </p:nvPr>
+        </p:nvSpPr>
+        <p:spPr/>
+      </p:sp>
+      <p:sp>
+        <p:nvSpPr>
+          <p:cNvPr id="3" name="Notizenplatzhalter 2"/>
+          <p:cNvSpPr>
+            <a:spLocks noGrp="1"/>
+          </p:cNvSpPr>
+          <p:nvPr>
+            <p:ph type="body" idx="1"/>
+          </p:nvPr>
+        </p:nvSpPr>
+        <p:spPr/>
+        <p:txBody>
+          <a:bodyPr/>
+          <a:lstStyle/>
+          <a:p>
+            <a:r>
+              <a:rPr lang="de-DE" dirty="0"/>
+              <a:t>Ein Service </a:t>
+            </a:r>
+            <a:r>
+              <a:rPr lang="de-DE" dirty="0" err="1"/>
+              <a:t>Consumption</a:t>
+            </a:r>
+            <a:r>
+              <a:rPr lang="de-DE" dirty="0"/>
+              <a:t> Model ist ein Satz von Artefakten, die in den ABAP Development Tools auf der Grundlage einer $</a:t>
+            </a:r>
+            <a:r>
+              <a:rPr lang="de-DE" dirty="0" err="1"/>
+              <a:t>metadata</a:t>
+            </a:r>
+            <a:r>
+              <a:rPr lang="de-DE" dirty="0"/>
+              <a:t>-Datei oder einer WSDL-Datei generiert werden und dazu dienen, einen generischen Client für die Remote-Service-Nutzung bereitzustellen.</a:t>
+            </a:r>
+          </a:p>
+        </p:txBody>
+      </p:sp>
+      <p:sp>
+        <p:nvSpPr>
+          <p:cNvPr id="4" name="Foliennummernplatzhalter 3"/>
+          <p:cNvSpPr>
+            <a:spLocks noGrp="1"/>
+          </p:cNvSpPr>
+          <p:nvPr>
+            <p:ph type="sldNum" sz="quarter" idx="5"/>
+          </p:nvPr>
+        </p:nvSpPr>
+        <p:spPr/>
+        <p:txBody>
+          <a:bodyPr/>
+          <a:lstStyle/>
+          <a:p>
+            <a:fld id="{609B6B1F-E26A-4625-8D10-76CEED6060F4}" type="slidenum">
+              <a:rPr lang="de-DE" smtClean="0"/>
+              <a:t>6</a:t>
+            </a:fld>
+            <a:endParaRPr lang="de-DE"/>
+          </a:p>
+        </p:txBody>
+      </p:sp>
+    </p:spTree>
+    <p:extLst>
+      <p:ext uri="{BB962C8B-B14F-4D97-AF65-F5344CB8AC3E}">
+        <p14:creationId xmlns:p14="http://schemas.microsoft.com/office/powerpoint/2010/main" val="615003220"/>
+      </p:ext>
+    </p:extLst>
+  </p:cSld>
+  <p:clrMapOvr>
+    <a:masterClrMapping/>
+  </p:clrMapOvr>
+</p:notes>
+</file>
+
+<file path=ppt/notesSlides/notesSlide2.xml><?xml version="1.0" encoding="utf-8"?>
+<p:notes xmlns:a="http://schemas.openxmlformats.org/drawingml/2006/main" xmlns:r="http://schemas.openxmlformats.org/officeDocument/2006/relationships" xmlns:p="http://schemas.openxmlformats.org/presentationml/2006/main">
+  <p:cSld>
+    <p:spTree>
+      <p:nvGrpSpPr>
+        <p:cNvPr id="1" name=""/>
+        <p:cNvGrpSpPr/>
+        <p:nvPr/>
+      </p:nvGrpSpPr>
+      <p:grpSpPr>
+        <a:xfrm>
+          <a:off x="0" y="0"/>
+          <a:ext cx="0" cy="0"/>
+          <a:chOff x="0" y="0"/>
+          <a:chExt cx="0" cy="0"/>
+        </a:xfrm>
+      </p:grpSpPr>
+      <p:sp>
+        <p:nvSpPr>
+          <p:cNvPr id="2" name="Folienbildplatzhalter 1"/>
+          <p:cNvSpPr>
+            <a:spLocks noGrp="1" noRot="1" noChangeAspect="1"/>
+          </p:cNvSpPr>
+          <p:nvPr>
+            <p:ph type="sldImg"/>
+          </p:nvPr>
+        </p:nvSpPr>
+        <p:spPr/>
+      </p:sp>
+      <p:sp>
+        <p:nvSpPr>
+          <p:cNvPr id="3" name="Notizenplatzhalter 2"/>
+          <p:cNvSpPr>
+            <a:spLocks noGrp="1"/>
+          </p:cNvSpPr>
+          <p:nvPr>
+            <p:ph type="body" idx="1"/>
+          </p:nvPr>
+        </p:nvSpPr>
+        <p:spPr/>
+        <p:txBody>
+          <a:bodyPr/>
+          <a:lstStyle/>
+          <a:p>
+            <a:r>
+              <a:rPr lang="de-DE" dirty="0"/>
+              <a:t>Neue ABAP Class anlegen und Interface</a:t>
+            </a:r>
+          </a:p>
+          <a:p>
+            <a:r>
+              <a:rPr lang="de-DE" dirty="0"/>
+              <a:t>IF_RAP_QUERY_PROVIDER hinzufügen</a:t>
+            </a:r>
+          </a:p>
+        </p:txBody>
+      </p:sp>
+      <p:sp>
+        <p:nvSpPr>
+          <p:cNvPr id="4" name="Foliennummernplatzhalter 3"/>
+          <p:cNvSpPr>
+            <a:spLocks noGrp="1"/>
+          </p:cNvSpPr>
+          <p:nvPr>
+            <p:ph type="sldNum" sz="quarter" idx="5"/>
+          </p:nvPr>
+        </p:nvSpPr>
+        <p:spPr/>
+        <p:txBody>
+          <a:bodyPr/>
+          <a:lstStyle/>
+          <a:p>
+            <a:fld id="{609B6B1F-E26A-4625-8D10-76CEED6060F4}" type="slidenum">
+              <a:rPr lang="de-DE" smtClean="0"/>
+              <a:t>10</a:t>
+            </a:fld>
+            <a:endParaRPr lang="de-DE"/>
+          </a:p>
+        </p:txBody>
+      </p:sp>
+    </p:spTree>
+    <p:extLst>
+      <p:ext uri="{BB962C8B-B14F-4D97-AF65-F5344CB8AC3E}">
+        <p14:creationId xmlns:p14="http://schemas.microsoft.com/office/powerpoint/2010/main" val="495265407"/>
+      </p:ext>
+    </p:extLst>
+  </p:cSld>
+  <p:clrMapOvr>
+    <a:masterClrMapping/>
+  </p:clrMapOvr>
+</p:notes>
+</file>
+
+<file path=ppt/notesSlides/notesSlide3.xml><?xml version="1.0" encoding="utf-8"?>
+<p:notes xmlns:a="http://schemas.openxmlformats.org/drawingml/2006/main" xmlns:r="http://schemas.openxmlformats.org/officeDocument/2006/relationships" xmlns:p="http://schemas.openxmlformats.org/presentationml/2006/main">
+  <p:cSld>
+    <p:spTree>
+      <p:nvGrpSpPr>
+        <p:cNvPr id="1" name=""/>
+        <p:cNvGrpSpPr/>
+        <p:nvPr/>
+      </p:nvGrpSpPr>
+      <p:grpSpPr>
+        <a:xfrm>
+          <a:off x="0" y="0"/>
+          <a:ext cx="0" cy="0"/>
+          <a:chOff x="0" y="0"/>
+          <a:chExt cx="0" cy="0"/>
+        </a:xfrm>
+      </p:grpSpPr>
+      <p:sp>
+        <p:nvSpPr>
+          <p:cNvPr id="2" name="Folienbildplatzhalter 1"/>
+          <p:cNvSpPr>
+            <a:spLocks noGrp="1" noRot="1" noChangeAspect="1"/>
+          </p:cNvSpPr>
+          <p:nvPr>
+            <p:ph type="sldImg"/>
+          </p:nvPr>
+        </p:nvSpPr>
+        <p:spPr/>
+      </p:sp>
+      <p:sp>
+        <p:nvSpPr>
+          <p:cNvPr id="3" name="Notizenplatzhalter 2"/>
+          <p:cNvSpPr>
+            <a:spLocks noGrp="1"/>
+          </p:cNvSpPr>
+          <p:nvPr>
+            <p:ph type="body" idx="1"/>
+          </p:nvPr>
+        </p:nvSpPr>
+        <p:spPr/>
+        <p:txBody>
+          <a:bodyPr/>
+          <a:lstStyle/>
+          <a:p>
+            <a:pPr marL="0" marR="0" lvl="0" indent="0" algn="l" defTabSz="914400" rtl="0" eaLnBrk="1" fontAlgn="auto" latinLnBrk="0" hangingPunct="1">
+              <a:lnSpc>
+                <a:spcPct val="100000"/>
+              </a:lnSpc>
+              <a:spcBef>
+                <a:spcPts val="0"/>
+              </a:spcBef>
+              <a:spcAft>
+                <a:spcPts val="0"/>
+              </a:spcAft>
+              <a:buClrTx/>
+              <a:buSzTx/>
+              <a:buFontTx/>
+              <a:buNone/>
+              <a:tabLst/>
+              <a:defRPr/>
+            </a:pPr>
+            <a:r>
+              <a:rPr lang="de-DE" sz="1200" dirty="0">
+                <a:latin typeface="Arial"/>
+                <a:cs typeface="Arial"/>
+              </a:rPr>
+              <a:t>Eine benutzerdefinierte CDS-Entity definiert die Elemente und ihre Typen, die im lokalen </a:t>
+            </a:r>
+            <a:r>
+              <a:rPr lang="de-DE" sz="1200" dirty="0" err="1">
+                <a:latin typeface="Arial"/>
+                <a:cs typeface="Arial"/>
+              </a:rPr>
+              <a:t>OData</a:t>
+            </a:r>
+            <a:r>
+              <a:rPr lang="de-DE" sz="1200" dirty="0">
+                <a:latin typeface="Arial"/>
+                <a:cs typeface="Arial"/>
+              </a:rPr>
+              <a:t>-Dienst verwendet werden sollen.</a:t>
+            </a:r>
+          </a:p>
+          <a:p>
+            <a:pPr marL="0" marR="0" lvl="0" indent="0" algn="l" defTabSz="914400" rtl="0" eaLnBrk="1" fontAlgn="auto" latinLnBrk="0" hangingPunct="1">
+              <a:lnSpc>
+                <a:spcPct val="100000"/>
+              </a:lnSpc>
+              <a:spcBef>
+                <a:spcPts val="0"/>
+              </a:spcBef>
+              <a:spcAft>
+                <a:spcPts val="0"/>
+              </a:spcAft>
+              <a:buClrTx/>
+              <a:buSzTx/>
+              <a:buFontTx/>
+              <a:buNone/>
+              <a:tabLst/>
+              <a:defRPr/>
+            </a:pPr>
+            <a:r>
+              <a:rPr lang="de-DE" sz="1200" dirty="0">
+                <a:latin typeface="Arial"/>
+                <a:cs typeface="Arial"/>
+              </a:rPr>
+              <a:t>Eine benutzerdefinierte CDS-Entity definiert Eigenschaften ähnlich wie ein normaler CDS-View, aber anstatt die Daten aus einer Datenbank zu lesen, verwendet die benutzerdefinierte Entity eine ABAP-Klasse, die eine bestimmte Schnittstelle implementiert.</a:t>
+            </a:r>
+          </a:p>
+          <a:p>
+            <a:pPr marL="0" marR="0" lvl="0" indent="0" algn="l" defTabSz="914400" rtl="0" eaLnBrk="1" fontAlgn="auto" latinLnBrk="0" hangingPunct="1">
+              <a:lnSpc>
+                <a:spcPct val="100000"/>
+              </a:lnSpc>
+              <a:spcBef>
+                <a:spcPts val="0"/>
+              </a:spcBef>
+              <a:spcAft>
+                <a:spcPts val="0"/>
+              </a:spcAft>
+              <a:buClrTx/>
+              <a:buSzTx/>
+              <a:buFontTx/>
+              <a:buNone/>
+              <a:tabLst/>
+              <a:defRPr/>
+            </a:pPr>
+            <a:endParaRPr lang="de-DE" sz="1200" dirty="0">
+              <a:latin typeface="Arial"/>
+              <a:cs typeface="Arial"/>
+            </a:endParaRPr>
+          </a:p>
+          <a:p>
+            <a:pPr marL="0" marR="0" lvl="0" indent="0" algn="l" defTabSz="914400" rtl="0" eaLnBrk="1" fontAlgn="auto" latinLnBrk="0" hangingPunct="1">
+              <a:lnSpc>
+                <a:spcPct val="100000"/>
+              </a:lnSpc>
+              <a:spcBef>
+                <a:spcPts val="0"/>
+              </a:spcBef>
+              <a:spcAft>
+                <a:spcPts val="0"/>
+              </a:spcAft>
+              <a:buClrTx/>
+              <a:buSzTx/>
+              <a:buFontTx/>
+              <a:buNone/>
+              <a:tabLst/>
+              <a:defRPr/>
+            </a:pPr>
+            <a:r>
+              <a:rPr lang="de-DE" sz="1200" dirty="0">
+                <a:latin typeface="Arial"/>
+                <a:cs typeface="Arial"/>
+              </a:rPr>
+              <a:t>Weil die Query durch ABAP Klasse implementiert ist, können wir beliebigen Code ausführen um Daten zu selektieren. Zum Beispiel auch aus einem Remote Data Service.</a:t>
+            </a:r>
+          </a:p>
+          <a:p>
+            <a:pPr marL="0" marR="0" lvl="0" indent="0" algn="l" defTabSz="914400" rtl="0" eaLnBrk="1" fontAlgn="auto" latinLnBrk="0" hangingPunct="1">
+              <a:lnSpc>
+                <a:spcPct val="100000"/>
+              </a:lnSpc>
+              <a:spcBef>
+                <a:spcPts val="0"/>
+              </a:spcBef>
+              <a:spcAft>
+                <a:spcPts val="0"/>
+              </a:spcAft>
+              <a:buClrTx/>
+              <a:buSzTx/>
+              <a:buFontTx/>
+              <a:buNone/>
+              <a:tabLst/>
+              <a:defRPr/>
+            </a:pPr>
+            <a:r>
+              <a:rPr lang="de-DE" sz="1200" dirty="0">
+                <a:latin typeface="Arial"/>
+                <a:cs typeface="Arial"/>
+              </a:rPr>
+              <a:t>.</a:t>
+            </a:r>
+          </a:p>
+          <a:p>
+            <a:pPr marL="0" marR="0" lvl="0" indent="0" algn="l" defTabSz="914400" rtl="0" eaLnBrk="1" fontAlgn="auto" latinLnBrk="0" hangingPunct="1">
+              <a:lnSpc>
+                <a:spcPct val="100000"/>
+              </a:lnSpc>
+              <a:spcBef>
+                <a:spcPts val="0"/>
+              </a:spcBef>
+              <a:spcAft>
+                <a:spcPts val="0"/>
+              </a:spcAft>
+              <a:buClrTx/>
+              <a:buSzTx/>
+              <a:buFontTx/>
+              <a:buNone/>
+              <a:tabLst/>
+              <a:defRPr/>
+            </a:pPr>
+            <a:r>
+              <a:rPr lang="de-DE" sz="1200" dirty="0">
+                <a:latin typeface="Arial"/>
+                <a:cs typeface="Arial"/>
+              </a:rPr>
+              <a:t>Custom CDS </a:t>
+            </a:r>
+            <a:r>
+              <a:rPr lang="de-DE" sz="1200" dirty="0" err="1">
+                <a:latin typeface="Arial"/>
+                <a:cs typeface="Arial"/>
+              </a:rPr>
+              <a:t>Entities</a:t>
+            </a:r>
+            <a:r>
+              <a:rPr lang="de-DE" sz="1200" dirty="0">
+                <a:latin typeface="Arial"/>
+                <a:cs typeface="Arial"/>
+              </a:rPr>
+              <a:t> liegen auf </a:t>
+            </a:r>
+            <a:r>
+              <a:rPr lang="de-DE" sz="1200" dirty="0" err="1">
+                <a:latin typeface="Arial"/>
+                <a:cs typeface="Arial"/>
+              </a:rPr>
+              <a:t>demselbenLevel</a:t>
+            </a:r>
+            <a:r>
+              <a:rPr lang="de-DE" sz="1200" dirty="0">
+                <a:latin typeface="Arial"/>
+                <a:cs typeface="Arial"/>
+              </a:rPr>
+              <a:t> wie </a:t>
+            </a:r>
+            <a:r>
+              <a:rPr lang="de-DE" sz="1200" dirty="0" err="1">
+                <a:latin typeface="Arial"/>
+                <a:cs typeface="Arial"/>
+              </a:rPr>
+              <a:t>Projection</a:t>
+            </a:r>
+            <a:r>
+              <a:rPr lang="de-DE" sz="1200" dirty="0">
+                <a:latin typeface="Arial"/>
+                <a:cs typeface="Arial"/>
+              </a:rPr>
+              <a:t> Views</a:t>
+            </a:r>
+            <a:endParaRPr lang="de-DE" dirty="0"/>
+          </a:p>
+        </p:txBody>
+      </p:sp>
+      <p:sp>
+        <p:nvSpPr>
+          <p:cNvPr id="4" name="Foliennummernplatzhalter 3"/>
+          <p:cNvSpPr>
+            <a:spLocks noGrp="1"/>
+          </p:cNvSpPr>
+          <p:nvPr>
+            <p:ph type="sldNum" sz="quarter" idx="5"/>
+          </p:nvPr>
+        </p:nvSpPr>
+        <p:spPr/>
+        <p:txBody>
+          <a:bodyPr/>
+          <a:lstStyle/>
+          <a:p>
+            <a:fld id="{609B6B1F-E26A-4625-8D10-76CEED6060F4}" type="slidenum">
+              <a:rPr lang="de-DE" smtClean="0"/>
+              <a:t>11</a:t>
+            </a:fld>
+            <a:endParaRPr lang="de-DE"/>
+          </a:p>
+        </p:txBody>
+      </p:sp>
+    </p:spTree>
+    <p:extLst>
+      <p:ext uri="{BB962C8B-B14F-4D97-AF65-F5344CB8AC3E}">
+        <p14:creationId xmlns:p14="http://schemas.microsoft.com/office/powerpoint/2010/main" val="1965088"/>
+      </p:ext>
+    </p:extLst>
+  </p:cSld>
+  <p:clrMapOvr>
+    <a:masterClrMapping/>
+  </p:clrMapOvr>
+</p:notes>
+</file>
+
+<file path=ppt/notesSlides/notesSlide4.xml><?xml version="1.0" encoding="utf-8"?>
+<p:notes xmlns:a="http://schemas.openxmlformats.org/drawingml/2006/main" xmlns:r="http://schemas.openxmlformats.org/officeDocument/2006/relationships" xmlns:p="http://schemas.openxmlformats.org/presentationml/2006/main">
+  <p:cSld>
+    <p:spTree>
+      <p:nvGrpSpPr>
+        <p:cNvPr id="1" name=""/>
+        <p:cNvGrpSpPr/>
+        <p:nvPr/>
+      </p:nvGrpSpPr>
+      <p:grpSpPr>
+        <a:xfrm>
+          <a:off x="0" y="0"/>
+          <a:ext cx="0" cy="0"/>
+          <a:chOff x="0" y="0"/>
+          <a:chExt cx="0" cy="0"/>
+        </a:xfrm>
+      </p:grpSpPr>
+      <p:sp>
+        <p:nvSpPr>
+          <p:cNvPr id="2" name="Folienbildplatzhalter 1"/>
+          <p:cNvSpPr>
+            <a:spLocks noGrp="1" noRot="1" noChangeAspect="1"/>
+          </p:cNvSpPr>
+          <p:nvPr>
+            <p:ph type="sldImg"/>
+          </p:nvPr>
+        </p:nvSpPr>
+        <p:spPr/>
+      </p:sp>
+      <p:sp>
+        <p:nvSpPr>
+          <p:cNvPr id="3" name="Notizenplatzhalter 2"/>
+          <p:cNvSpPr>
+            <a:spLocks noGrp="1"/>
+          </p:cNvSpPr>
+          <p:nvPr>
+            <p:ph type="body" idx="1"/>
+          </p:nvPr>
+        </p:nvSpPr>
+        <p:spPr/>
+        <p:txBody>
+          <a:bodyPr/>
+          <a:lstStyle/>
+          <a:p>
+            <a:pPr marL="0" marR="0" lvl="0" indent="0" algn="l" defTabSz="914400" rtl="0" eaLnBrk="1" fontAlgn="auto" latinLnBrk="0" hangingPunct="1">
+              <a:lnSpc>
+                <a:spcPct val="100000"/>
+              </a:lnSpc>
+              <a:spcBef>
+                <a:spcPts val="0"/>
+              </a:spcBef>
+              <a:spcAft>
+                <a:spcPts val="0"/>
+              </a:spcAft>
+              <a:buClrTx/>
+              <a:buSzTx/>
+              <a:buFontTx/>
+              <a:buNone/>
+              <a:tabLst/>
+              <a:defRPr/>
+            </a:pPr>
+            <a:r>
+              <a:rPr lang="de-DE" sz="1200" dirty="0">
+                <a:latin typeface="Arial"/>
+                <a:cs typeface="Arial"/>
+              </a:rPr>
+              <a:t>Eine benutzerdefinierte CDS-Entity definiert die Elemente und ihre Typen, die im lokalen </a:t>
+            </a:r>
+            <a:r>
+              <a:rPr lang="de-DE" sz="1200" dirty="0" err="1">
+                <a:latin typeface="Arial"/>
+                <a:cs typeface="Arial"/>
+              </a:rPr>
+              <a:t>OData</a:t>
+            </a:r>
+            <a:r>
+              <a:rPr lang="de-DE" sz="1200" dirty="0">
+                <a:latin typeface="Arial"/>
+                <a:cs typeface="Arial"/>
+              </a:rPr>
+              <a:t>-Dienst verwendet werden sollen.</a:t>
+            </a:r>
+          </a:p>
+          <a:p>
+            <a:pPr marL="0" marR="0" lvl="0" indent="0" algn="l" defTabSz="914400" rtl="0" eaLnBrk="1" fontAlgn="auto" latinLnBrk="0" hangingPunct="1">
+              <a:lnSpc>
+                <a:spcPct val="100000"/>
+              </a:lnSpc>
+              <a:spcBef>
+                <a:spcPts val="0"/>
+              </a:spcBef>
+              <a:spcAft>
+                <a:spcPts val="0"/>
+              </a:spcAft>
+              <a:buClrTx/>
+              <a:buSzTx/>
+              <a:buFontTx/>
+              <a:buNone/>
+              <a:tabLst/>
+              <a:defRPr/>
+            </a:pPr>
+            <a:r>
+              <a:rPr lang="de-DE" sz="1200" dirty="0">
+                <a:latin typeface="Arial"/>
+                <a:cs typeface="Arial"/>
+              </a:rPr>
+              <a:t>Eine benutzerdefinierte CDS-Entity definiert Eigenschaften ähnlich wie ein normaler CDS-View, aber anstatt die Daten aus einer Datenbank zu lesen, verwendet die benutzerdefinierte Entity eine ABAP-Klasse, die eine bestimmte Schnittstelle implementiert.</a:t>
+            </a:r>
+          </a:p>
+          <a:p>
+            <a:pPr marL="0" marR="0" lvl="0" indent="0" algn="l" defTabSz="914400" rtl="0" eaLnBrk="1" fontAlgn="auto" latinLnBrk="0" hangingPunct="1">
+              <a:lnSpc>
+                <a:spcPct val="100000"/>
+              </a:lnSpc>
+              <a:spcBef>
+                <a:spcPts val="0"/>
+              </a:spcBef>
+              <a:spcAft>
+                <a:spcPts val="0"/>
+              </a:spcAft>
+              <a:buClrTx/>
+              <a:buSzTx/>
+              <a:buFontTx/>
+              <a:buNone/>
+              <a:tabLst/>
+              <a:defRPr/>
+            </a:pPr>
+            <a:endParaRPr lang="de-DE" sz="1200" dirty="0">
+              <a:latin typeface="Arial"/>
+              <a:cs typeface="Arial"/>
+            </a:endParaRPr>
+          </a:p>
+          <a:p>
+            <a:pPr marL="0" marR="0" lvl="0" indent="0" algn="l" defTabSz="914400" rtl="0" eaLnBrk="1" fontAlgn="auto" latinLnBrk="0" hangingPunct="1">
+              <a:lnSpc>
+                <a:spcPct val="100000"/>
+              </a:lnSpc>
+              <a:spcBef>
+                <a:spcPts val="0"/>
+              </a:spcBef>
+              <a:spcAft>
+                <a:spcPts val="0"/>
+              </a:spcAft>
+              <a:buClrTx/>
+              <a:buSzTx/>
+              <a:buFontTx/>
+              <a:buNone/>
+              <a:tabLst/>
+              <a:defRPr/>
+            </a:pPr>
+            <a:r>
+              <a:rPr lang="de-DE" sz="1200" dirty="0">
+                <a:latin typeface="Arial"/>
+                <a:cs typeface="Arial"/>
+              </a:rPr>
+              <a:t>Weil die Query durch ABAP Klasse implementiert ist, können wir beliebigen Code ausführen um Daten zu selektieren. Zum Beispiel auch aus einem Remote Data Service.</a:t>
+            </a:r>
+          </a:p>
+          <a:p>
+            <a:pPr marL="0" marR="0" lvl="0" indent="0" algn="l" defTabSz="914400" rtl="0" eaLnBrk="1" fontAlgn="auto" latinLnBrk="0" hangingPunct="1">
+              <a:lnSpc>
+                <a:spcPct val="100000"/>
+              </a:lnSpc>
+              <a:spcBef>
+                <a:spcPts val="0"/>
+              </a:spcBef>
+              <a:spcAft>
+                <a:spcPts val="0"/>
+              </a:spcAft>
+              <a:buClrTx/>
+              <a:buSzTx/>
+              <a:buFontTx/>
+              <a:buNone/>
+              <a:tabLst/>
+              <a:defRPr/>
+            </a:pPr>
+            <a:r>
+              <a:rPr lang="de-DE" sz="1200" dirty="0">
+                <a:latin typeface="Arial"/>
+                <a:cs typeface="Arial"/>
+              </a:rPr>
+              <a:t>.</a:t>
+            </a:r>
+          </a:p>
+          <a:p>
+            <a:pPr marL="0" marR="0" lvl="0" indent="0" algn="l" defTabSz="914400" rtl="0" eaLnBrk="1" fontAlgn="auto" latinLnBrk="0" hangingPunct="1">
+              <a:lnSpc>
+                <a:spcPct val="100000"/>
+              </a:lnSpc>
+              <a:spcBef>
+                <a:spcPts val="0"/>
+              </a:spcBef>
+              <a:spcAft>
+                <a:spcPts val="0"/>
+              </a:spcAft>
+              <a:buClrTx/>
+              <a:buSzTx/>
+              <a:buFontTx/>
+              <a:buNone/>
+              <a:tabLst/>
+              <a:defRPr/>
+            </a:pPr>
+            <a:r>
+              <a:rPr lang="de-DE" sz="1200" dirty="0">
+                <a:latin typeface="Arial"/>
+                <a:cs typeface="Arial"/>
+              </a:rPr>
+              <a:t>Custom CDS </a:t>
+            </a:r>
+            <a:r>
+              <a:rPr lang="de-DE" sz="1200" dirty="0" err="1">
+                <a:latin typeface="Arial"/>
+                <a:cs typeface="Arial"/>
+              </a:rPr>
+              <a:t>Entities</a:t>
+            </a:r>
+            <a:r>
+              <a:rPr lang="de-DE" sz="1200" dirty="0">
+                <a:latin typeface="Arial"/>
+                <a:cs typeface="Arial"/>
+              </a:rPr>
+              <a:t> liegen auf </a:t>
+            </a:r>
+            <a:r>
+              <a:rPr lang="de-DE" sz="1200" dirty="0" err="1">
+                <a:latin typeface="Arial"/>
+                <a:cs typeface="Arial"/>
+              </a:rPr>
+              <a:t>demselbenLevel</a:t>
+            </a:r>
+            <a:r>
+              <a:rPr lang="de-DE" sz="1200" dirty="0">
+                <a:latin typeface="Arial"/>
+                <a:cs typeface="Arial"/>
+              </a:rPr>
+              <a:t> wie </a:t>
+            </a:r>
+            <a:r>
+              <a:rPr lang="de-DE" sz="1200" dirty="0" err="1">
+                <a:latin typeface="Arial"/>
+                <a:cs typeface="Arial"/>
+              </a:rPr>
+              <a:t>Projection</a:t>
+            </a:r>
+            <a:r>
+              <a:rPr lang="de-DE" sz="1200" dirty="0">
+                <a:latin typeface="Arial"/>
+                <a:cs typeface="Arial"/>
+              </a:rPr>
+              <a:t> Views</a:t>
+            </a:r>
+          </a:p>
+          <a:p>
+            <a:pPr marL="0" marR="0" lvl="0" indent="0" algn="l" defTabSz="914400" rtl="0" eaLnBrk="1" fontAlgn="auto" latinLnBrk="0" hangingPunct="1">
+              <a:lnSpc>
+                <a:spcPct val="100000"/>
+              </a:lnSpc>
+              <a:spcBef>
+                <a:spcPts val="0"/>
+              </a:spcBef>
+              <a:spcAft>
+                <a:spcPts val="0"/>
+              </a:spcAft>
+              <a:buClrTx/>
+              <a:buSzTx/>
+              <a:buFontTx/>
+              <a:buNone/>
+              <a:tabLst/>
+              <a:defRPr/>
+            </a:pPr>
+            <a:endParaRPr lang="de-DE" sz="1200" dirty="0">
+              <a:latin typeface="Arial"/>
+              <a:cs typeface="Arial"/>
+            </a:endParaRPr>
+          </a:p>
+          <a:p>
+            <a:pPr marL="0" marR="0" lvl="0" indent="0" algn="l" defTabSz="914400" rtl="0" eaLnBrk="1" fontAlgn="auto" latinLnBrk="0" hangingPunct="1">
+              <a:lnSpc>
+                <a:spcPct val="100000"/>
+              </a:lnSpc>
+              <a:spcBef>
+                <a:spcPts val="0"/>
+              </a:spcBef>
+              <a:spcAft>
+                <a:spcPts val="0"/>
+              </a:spcAft>
+              <a:buClrTx/>
+              <a:buSzTx/>
+              <a:buFontTx/>
+              <a:buNone/>
+              <a:tabLst/>
+              <a:defRPr/>
+            </a:pPr>
+            <a:endParaRPr lang="de-DE" sz="1200" dirty="0">
+              <a:latin typeface="Arial"/>
+              <a:cs typeface="Arial"/>
+            </a:endParaRPr>
+          </a:p>
+          <a:p>
+            <a:pPr marL="0" marR="0" lvl="0" indent="0" algn="l" defTabSz="914400" rtl="0" eaLnBrk="1" fontAlgn="auto" latinLnBrk="0" hangingPunct="1">
+              <a:lnSpc>
+                <a:spcPct val="100000"/>
+              </a:lnSpc>
+              <a:spcBef>
+                <a:spcPts val="0"/>
+              </a:spcBef>
+              <a:spcAft>
+                <a:spcPts val="0"/>
+              </a:spcAft>
+              <a:buClrTx/>
+              <a:buSzTx/>
+              <a:buFontTx/>
+              <a:buNone/>
+              <a:tabLst/>
+              <a:defRPr/>
+            </a:pPr>
+            <a:r>
+              <a:rPr lang="de-DE" sz="1200" dirty="0">
+                <a:latin typeface="Arial"/>
+                <a:cs typeface="Arial"/>
+              </a:rPr>
+              <a:t>Feldliste aus Abstract Entity (welche generiert wurde bei Anlegen des Service </a:t>
+            </a:r>
+            <a:r>
+              <a:rPr lang="de-DE" sz="1200" dirty="0" err="1">
+                <a:latin typeface="Arial"/>
+                <a:cs typeface="Arial"/>
+              </a:rPr>
+              <a:t>Consumption</a:t>
+            </a:r>
+            <a:r>
+              <a:rPr lang="de-DE" sz="1200" dirty="0">
+                <a:latin typeface="Arial"/>
+                <a:cs typeface="Arial"/>
+              </a:rPr>
+              <a:t> Models) kann kopiert werden</a:t>
+            </a:r>
+            <a:endParaRPr lang="de-DE" dirty="0"/>
+          </a:p>
+        </p:txBody>
+      </p:sp>
+      <p:sp>
+        <p:nvSpPr>
+          <p:cNvPr id="4" name="Foliennummernplatzhalter 3"/>
+          <p:cNvSpPr>
+            <a:spLocks noGrp="1"/>
+          </p:cNvSpPr>
+          <p:nvPr>
+            <p:ph type="sldNum" sz="quarter" idx="5"/>
+          </p:nvPr>
+        </p:nvSpPr>
+        <p:spPr/>
+        <p:txBody>
+          <a:bodyPr/>
+          <a:lstStyle/>
+          <a:p>
+            <a:fld id="{609B6B1F-E26A-4625-8D10-76CEED6060F4}" type="slidenum">
+              <a:rPr lang="de-DE" smtClean="0"/>
+              <a:t>12</a:t>
+            </a:fld>
+            <a:endParaRPr lang="de-DE"/>
+          </a:p>
+        </p:txBody>
+      </p:sp>
+    </p:spTree>
+    <p:extLst>
+      <p:ext uri="{BB962C8B-B14F-4D97-AF65-F5344CB8AC3E}">
+        <p14:creationId xmlns:p14="http://schemas.microsoft.com/office/powerpoint/2010/main" val="577399782"/>
+      </p:ext>
+    </p:extLst>
+  </p:cSld>
+  <p:clrMapOvr>
+    <a:masterClrMapping/>
+  </p:clrMapOvr>
+</p:notes>
+</file>
+
+<file path=ppt/notesSlides/notesSlide5.xml><?xml version="1.0" encoding="utf-8"?>
+<p:notes xmlns:a="http://schemas.openxmlformats.org/drawingml/2006/main" xmlns:r="http://schemas.openxmlformats.org/officeDocument/2006/relationships" xmlns:p="http://schemas.openxmlformats.org/presentationml/2006/main">
+  <p:cSld>
+    <p:spTree>
+      <p:nvGrpSpPr>
+        <p:cNvPr id="1" name=""/>
+        <p:cNvGrpSpPr/>
+        <p:nvPr/>
+      </p:nvGrpSpPr>
+      <p:grpSpPr>
+        <a:xfrm>
+          <a:off x="0" y="0"/>
+          <a:ext cx="0" cy="0"/>
+          <a:chOff x="0" y="0"/>
+          <a:chExt cx="0" cy="0"/>
+        </a:xfrm>
+      </p:grpSpPr>
+      <p:sp>
+        <p:nvSpPr>
+          <p:cNvPr id="2" name="Folienbildplatzhalter 1"/>
+          <p:cNvSpPr>
+            <a:spLocks noGrp="1" noRot="1" noChangeAspect="1"/>
+          </p:cNvSpPr>
+          <p:nvPr>
+            <p:ph type="sldImg"/>
+          </p:nvPr>
+        </p:nvSpPr>
+        <p:spPr/>
+      </p:sp>
+      <p:sp>
+        <p:nvSpPr>
+          <p:cNvPr id="3" name="Notizenplatzhalter 2"/>
+          <p:cNvSpPr>
+            <a:spLocks noGrp="1"/>
+          </p:cNvSpPr>
+          <p:nvPr>
+            <p:ph type="body" idx="1"/>
+          </p:nvPr>
+        </p:nvSpPr>
+        <p:spPr/>
+        <p:txBody>
+          <a:bodyPr/>
+          <a:lstStyle/>
+          <a:p>
+            <a:pPr marL="0" marR="0" lvl="0" indent="0" algn="l" defTabSz="914400" rtl="0" eaLnBrk="1" fontAlgn="auto" latinLnBrk="0" hangingPunct="1">
+              <a:lnSpc>
+                <a:spcPct val="100000"/>
+              </a:lnSpc>
+              <a:spcBef>
+                <a:spcPts val="0"/>
+              </a:spcBef>
+              <a:spcAft>
+                <a:spcPts val="0"/>
+              </a:spcAft>
+              <a:buClrTx/>
+              <a:buSzTx/>
+              <a:buFontTx/>
+              <a:buNone/>
+              <a:tabLst/>
+              <a:defRPr/>
+            </a:pPr>
+            <a:r>
+              <a:rPr lang="en-US" sz="1200" dirty="0">
+                <a:latin typeface="Arial"/>
+                <a:cs typeface="Arial"/>
+              </a:rPr>
+              <a:t>A</a:t>
+            </a:r>
+            <a:r>
+              <a:rPr lang="en-US" sz="1200" spc="-140" dirty="0">
+                <a:latin typeface="Arial"/>
+                <a:cs typeface="Arial"/>
+              </a:rPr>
+              <a:t> </a:t>
+            </a:r>
+            <a:r>
+              <a:rPr lang="en-US" sz="1200" dirty="0">
+                <a:latin typeface="Arial"/>
+                <a:cs typeface="Arial"/>
+              </a:rPr>
+              <a:t>custom</a:t>
+            </a:r>
+            <a:r>
+              <a:rPr lang="en-US" sz="1200" spc="-40" dirty="0">
+                <a:latin typeface="Arial"/>
+                <a:cs typeface="Arial"/>
+              </a:rPr>
+              <a:t> </a:t>
+            </a:r>
+            <a:r>
+              <a:rPr lang="en-US" sz="1200" dirty="0">
+                <a:latin typeface="Arial"/>
+                <a:cs typeface="Arial"/>
+              </a:rPr>
+              <a:t>CDS</a:t>
+            </a:r>
+            <a:r>
+              <a:rPr lang="en-US" sz="1200" spc="-25" dirty="0">
+                <a:latin typeface="Arial"/>
+                <a:cs typeface="Arial"/>
+              </a:rPr>
+              <a:t> </a:t>
+            </a:r>
+            <a:r>
+              <a:rPr lang="en-US" sz="1200" dirty="0">
+                <a:latin typeface="Arial"/>
+                <a:cs typeface="Arial"/>
+              </a:rPr>
+              <a:t>entity</a:t>
+            </a:r>
+            <a:r>
+              <a:rPr lang="en-US" sz="1200" spc="-50" dirty="0">
+                <a:latin typeface="Arial"/>
+                <a:cs typeface="Arial"/>
+              </a:rPr>
+              <a:t> </a:t>
+            </a:r>
+            <a:r>
+              <a:rPr lang="en-US" sz="1200" dirty="0">
+                <a:latin typeface="Arial"/>
+                <a:cs typeface="Arial"/>
+              </a:rPr>
+              <a:t>defines</a:t>
+            </a:r>
+            <a:r>
+              <a:rPr lang="en-US" sz="1200" spc="-35" dirty="0">
+                <a:latin typeface="Arial"/>
+                <a:cs typeface="Arial"/>
+              </a:rPr>
+              <a:t> </a:t>
+            </a:r>
+            <a:r>
+              <a:rPr lang="en-US" sz="1200" dirty="0">
+                <a:latin typeface="Arial"/>
+                <a:cs typeface="Arial"/>
+              </a:rPr>
+              <a:t>the</a:t>
+            </a:r>
+            <a:r>
+              <a:rPr lang="en-US" sz="1200" spc="-50" dirty="0">
+                <a:latin typeface="Arial"/>
+                <a:cs typeface="Arial"/>
+              </a:rPr>
+              <a:t> </a:t>
+            </a:r>
+            <a:r>
+              <a:rPr lang="en-US" sz="1200" dirty="0">
+                <a:latin typeface="Arial"/>
+                <a:cs typeface="Arial"/>
+              </a:rPr>
+              <a:t>elements</a:t>
+            </a:r>
+            <a:r>
+              <a:rPr lang="en-US" sz="1200" spc="-35" dirty="0">
+                <a:latin typeface="Arial"/>
+                <a:cs typeface="Arial"/>
+              </a:rPr>
+              <a:t> </a:t>
+            </a:r>
+            <a:r>
+              <a:rPr lang="en-US" sz="1200" spc="-25" dirty="0">
+                <a:latin typeface="Arial"/>
+                <a:cs typeface="Arial"/>
+              </a:rPr>
+              <a:t>and </a:t>
+            </a:r>
+            <a:r>
+              <a:rPr lang="en-US" sz="1200" dirty="0">
+                <a:latin typeface="Arial"/>
+                <a:cs typeface="Arial"/>
+              </a:rPr>
+              <a:t>their</a:t>
+            </a:r>
+            <a:r>
+              <a:rPr lang="en-US" sz="1200" spc="-35" dirty="0">
+                <a:latin typeface="Arial"/>
+                <a:cs typeface="Arial"/>
+              </a:rPr>
+              <a:t> </a:t>
+            </a:r>
+            <a:r>
+              <a:rPr lang="en-US" sz="1200" dirty="0">
+                <a:latin typeface="Arial"/>
+                <a:cs typeface="Arial"/>
+              </a:rPr>
+              <a:t>types</a:t>
+            </a:r>
+            <a:r>
+              <a:rPr lang="en-US" sz="1200" spc="-45" dirty="0">
+                <a:latin typeface="Arial"/>
+                <a:cs typeface="Arial"/>
+              </a:rPr>
+              <a:t> </a:t>
+            </a:r>
+            <a:r>
+              <a:rPr lang="en-US" sz="1200" dirty="0">
+                <a:latin typeface="Arial"/>
+                <a:cs typeface="Arial"/>
+              </a:rPr>
+              <a:t>to</a:t>
+            </a:r>
+            <a:r>
+              <a:rPr lang="en-US" sz="1200" spc="-40" dirty="0">
+                <a:latin typeface="Arial"/>
+                <a:cs typeface="Arial"/>
+              </a:rPr>
+              <a:t> </a:t>
+            </a:r>
+            <a:r>
+              <a:rPr lang="en-US" sz="1200" dirty="0">
+                <a:latin typeface="Arial"/>
+                <a:cs typeface="Arial"/>
+              </a:rPr>
+              <a:t>be</a:t>
+            </a:r>
+            <a:r>
+              <a:rPr lang="en-US" sz="1200" spc="-30" dirty="0">
+                <a:latin typeface="Arial"/>
+                <a:cs typeface="Arial"/>
+              </a:rPr>
+              <a:t> </a:t>
+            </a:r>
+            <a:r>
+              <a:rPr lang="en-US" sz="1200" dirty="0">
+                <a:latin typeface="Arial"/>
+                <a:cs typeface="Arial"/>
+              </a:rPr>
+              <a:t>used</a:t>
+            </a:r>
+            <a:r>
+              <a:rPr lang="en-US" sz="1200" spc="-35" dirty="0">
+                <a:latin typeface="Arial"/>
+                <a:cs typeface="Arial"/>
+              </a:rPr>
+              <a:t> </a:t>
+            </a:r>
+            <a:r>
+              <a:rPr lang="en-US" sz="1200" dirty="0">
+                <a:latin typeface="Arial"/>
+                <a:cs typeface="Arial"/>
+              </a:rPr>
+              <a:t>in</a:t>
+            </a:r>
+            <a:r>
+              <a:rPr lang="en-US" sz="1200" spc="-35" dirty="0">
+                <a:latin typeface="Arial"/>
+                <a:cs typeface="Arial"/>
+              </a:rPr>
+              <a:t> </a:t>
+            </a:r>
+            <a:r>
+              <a:rPr lang="en-US" sz="1200" dirty="0">
+                <a:latin typeface="Arial"/>
+                <a:cs typeface="Arial"/>
+              </a:rPr>
+              <a:t>the</a:t>
+            </a:r>
+            <a:r>
+              <a:rPr lang="en-US" sz="1200" spc="-45" dirty="0">
+                <a:latin typeface="Arial"/>
+                <a:cs typeface="Arial"/>
+              </a:rPr>
+              <a:t> </a:t>
+            </a:r>
+            <a:r>
+              <a:rPr lang="en-US" sz="1200" dirty="0">
+                <a:latin typeface="Arial"/>
+                <a:cs typeface="Arial"/>
+              </a:rPr>
+              <a:t>local</a:t>
+            </a:r>
+            <a:r>
+              <a:rPr lang="en-US" sz="1200" spc="-20" dirty="0">
+                <a:latin typeface="Arial"/>
+                <a:cs typeface="Arial"/>
+              </a:rPr>
+              <a:t> </a:t>
+            </a:r>
+            <a:r>
+              <a:rPr lang="en-US" sz="1200" dirty="0">
+                <a:latin typeface="Arial"/>
+                <a:cs typeface="Arial"/>
+              </a:rPr>
+              <a:t>OData</a:t>
+            </a:r>
+            <a:r>
+              <a:rPr lang="en-US" sz="1200" spc="-35" dirty="0">
+                <a:latin typeface="Arial"/>
+                <a:cs typeface="Arial"/>
+              </a:rPr>
+              <a:t> </a:t>
+            </a:r>
+            <a:r>
+              <a:rPr lang="en-US" sz="1200" spc="-10" dirty="0">
+                <a:latin typeface="Arial"/>
+                <a:cs typeface="Arial"/>
+              </a:rPr>
+              <a:t>service</a:t>
+            </a:r>
+            <a:endParaRPr lang="en-US" sz="1200" dirty="0">
+              <a:latin typeface="Arial"/>
+              <a:cs typeface="Arial"/>
+            </a:endParaRPr>
+          </a:p>
+          <a:p>
+            <a:endParaRPr lang="de-DE" dirty="0"/>
+          </a:p>
+        </p:txBody>
+      </p:sp>
+      <p:sp>
+        <p:nvSpPr>
+          <p:cNvPr id="4" name="Foliennummernplatzhalter 3"/>
+          <p:cNvSpPr>
+            <a:spLocks noGrp="1"/>
+          </p:cNvSpPr>
+          <p:nvPr>
+            <p:ph type="sldNum" sz="quarter" idx="5"/>
+          </p:nvPr>
+        </p:nvSpPr>
+        <p:spPr/>
+        <p:txBody>
+          <a:bodyPr/>
+          <a:lstStyle/>
+          <a:p>
+            <a:fld id="{609B6B1F-E26A-4625-8D10-76CEED6060F4}" type="slidenum">
+              <a:rPr lang="de-DE" smtClean="0"/>
+              <a:t>14</a:t>
+            </a:fld>
+            <a:endParaRPr lang="de-DE"/>
+          </a:p>
+        </p:txBody>
+      </p:sp>
+    </p:spTree>
+    <p:extLst>
+      <p:ext uri="{BB962C8B-B14F-4D97-AF65-F5344CB8AC3E}">
+        <p14:creationId xmlns:p14="http://schemas.microsoft.com/office/powerpoint/2010/main" val="1110779279"/>
+      </p:ext>
+    </p:extLst>
+  </p:cSld>
+  <p:clrMapOvr>
+    <a:masterClrMapping/>
+  </p:clrMapOvr>
+</p:notes>
+</file>
+
+<file path=ppt/notesSlides/notesSlide6.xml><?xml version="1.0" encoding="utf-8"?>
+<p:notes xmlns:a="http://schemas.openxmlformats.org/drawingml/2006/main" xmlns:r="http://schemas.openxmlformats.org/officeDocument/2006/relationships" xmlns:p="http://schemas.openxmlformats.org/presentationml/2006/main">
+  <p:cSld>
+    <p:spTree>
+      <p:nvGrpSpPr>
+        <p:cNvPr id="1" name=""/>
+        <p:cNvGrpSpPr/>
+        <p:nvPr/>
+      </p:nvGrpSpPr>
+      <p:grpSpPr>
+        <a:xfrm>
+          <a:off x="0" y="0"/>
+          <a:ext cx="0" cy="0"/>
+          <a:chOff x="0" y="0"/>
+          <a:chExt cx="0" cy="0"/>
+        </a:xfrm>
+      </p:grpSpPr>
+      <p:sp>
+        <p:nvSpPr>
+          <p:cNvPr id="2" name="Folienbildplatzhalter 1"/>
+          <p:cNvSpPr>
+            <a:spLocks noGrp="1" noRot="1" noChangeAspect="1"/>
+          </p:cNvSpPr>
+          <p:nvPr>
+            <p:ph type="sldImg"/>
+          </p:nvPr>
+        </p:nvSpPr>
+        <p:spPr/>
+      </p:sp>
+      <p:sp>
+        <p:nvSpPr>
+          <p:cNvPr id="3" name="Notizenplatzhalter 2"/>
+          <p:cNvSpPr>
+            <a:spLocks noGrp="1"/>
+          </p:cNvSpPr>
+          <p:nvPr>
+            <p:ph type="body" idx="1"/>
+          </p:nvPr>
+        </p:nvSpPr>
+        <p:spPr/>
+        <p:txBody>
+          <a:bodyPr/>
+          <a:lstStyle/>
+          <a:p>
+            <a:r>
+              <a:rPr lang="de-DE" dirty="0"/>
+              <a:t>1.) Teste ob du eine weitere View auf deine Custom Entity setzen kannst (</a:t>
+            </a:r>
+            <a:r>
+              <a:rPr lang="de-DE" dirty="0" err="1"/>
+              <a:t>as</a:t>
+            </a:r>
+            <a:r>
+              <a:rPr lang="de-DE" dirty="0"/>
+              <a:t> </a:t>
+            </a:r>
+            <a:r>
+              <a:rPr lang="de-DE" dirty="0" err="1"/>
+              <a:t>select</a:t>
+            </a:r>
+            <a:r>
+              <a:rPr lang="de-DE" dirty="0"/>
+              <a:t> ...).**</a:t>
+            </a:r>
+          </a:p>
+          <a:p>
+            <a:endParaRPr lang="de-DE" dirty="0"/>
+          </a:p>
+          <a:p>
+            <a:r>
+              <a:rPr lang="de-DE" dirty="0"/>
+              <a:t>Nein, auf eine Custom Entity, die durch `@</a:t>
+            </a:r>
+            <a:r>
+              <a:rPr lang="de-DE" dirty="0" err="1"/>
+              <a:t>ObjectModel.query.implementedBy</a:t>
+            </a:r>
+            <a:r>
+              <a:rPr lang="de-DE" dirty="0"/>
+              <a:t>: 'ABAP:...'` definiert ist, kann man nicht direkt mit einer weiteren CDS View (mittels `</a:t>
+            </a:r>
+            <a:r>
+              <a:rPr lang="de-DE" dirty="0" err="1"/>
+              <a:t>as</a:t>
+            </a:r>
+            <a:r>
+              <a:rPr lang="de-DE" dirty="0"/>
+              <a:t> </a:t>
+            </a:r>
+            <a:r>
+              <a:rPr lang="de-DE" dirty="0" err="1"/>
+              <a:t>select</a:t>
+            </a:r>
+            <a:r>
+              <a:rPr lang="de-DE" dirty="0"/>
+              <a:t> from ...`) zugreifen. Der Grund dafür ist, dass die Datenbereitstellung und -logik direkt in der ABAP-Klasse (`ZCL_FLIGHTS` in diesem Fall) implementiert sind, anstatt durch eine SQL-basierte Definition in der CDS View selbst.</a:t>
+            </a:r>
+          </a:p>
+          <a:p>
+            <a:endParaRPr lang="de-DE" dirty="0"/>
+          </a:p>
+          <a:p>
+            <a:r>
+              <a:rPr lang="de-DE" dirty="0"/>
+              <a:t>2.) Falls es nicht möglich ist, was könnte eine Lösung sein, um trotzdem Assoziationen hinzuzufügen?**</a:t>
+            </a:r>
+          </a:p>
+          <a:p>
+            <a:endParaRPr lang="de-DE" dirty="0"/>
+          </a:p>
+          <a:p>
+            <a:r>
+              <a:rPr lang="de-DE" dirty="0"/>
+              <a:t>Eine Lösung, um Assoziationen zu einer solchen Custom Entity hinzuzufügen, besteht darin, die Assoziationen innerhalb der ABAP-Klasse zu implementieren, die die Daten für die Custom Entity bereitstellt. Dies kann durch das Hinzufügen von entsprechenden Navigationseigenschaften in der Datenstruktur, die von der Klasse zurückgegeben wird, erreicht werden. Alternativ kann man eine separate CDS View erstellen, die auf die ursprünglichen Datenquellen (Tabellen oder Standard-CDS Views) zugreift, auf denen die Custom Entity basiert, und dort Assoziationen definieren.</a:t>
+            </a:r>
+          </a:p>
+          <a:p>
+            <a:endParaRPr lang="de-DE" dirty="0"/>
+          </a:p>
+          <a:p>
+            <a:r>
+              <a:rPr lang="de-DE" dirty="0"/>
+              <a:t>3.) Wäre eine </a:t>
+            </a:r>
+            <a:r>
+              <a:rPr lang="de-DE" dirty="0" err="1"/>
+              <a:t>managed</a:t>
+            </a:r>
+            <a:r>
+              <a:rPr lang="de-DE" dirty="0"/>
+              <a:t> oder </a:t>
+            </a:r>
+            <a:r>
+              <a:rPr lang="de-DE" dirty="0" err="1"/>
+              <a:t>unmanaged</a:t>
+            </a:r>
+            <a:r>
+              <a:rPr lang="de-DE" dirty="0"/>
+              <a:t> </a:t>
+            </a:r>
+            <a:r>
+              <a:rPr lang="de-DE" dirty="0" err="1"/>
+              <a:t>Behavior</a:t>
+            </a:r>
+            <a:r>
+              <a:rPr lang="de-DE" dirty="0"/>
+              <a:t> möglich? Was könnte fehlen?**</a:t>
+            </a:r>
+          </a:p>
+          <a:p>
+            <a:endParaRPr lang="de-DE" dirty="0"/>
+          </a:p>
+          <a:p>
+            <a:r>
+              <a:rPr lang="de-DE" dirty="0"/>
+              <a:t>- </a:t>
+            </a:r>
+            <a:r>
+              <a:rPr lang="de-DE" dirty="0" err="1"/>
+              <a:t>Managed</a:t>
+            </a:r>
+            <a:r>
+              <a:rPr lang="de-DE" dirty="0"/>
+              <a:t> </a:t>
+            </a:r>
+            <a:r>
+              <a:rPr lang="de-DE" dirty="0" err="1"/>
+              <a:t>Behavior</a:t>
+            </a:r>
+            <a:r>
+              <a:rPr lang="de-DE" dirty="0"/>
+              <a:t>: Für eine </a:t>
+            </a:r>
+            <a:r>
+              <a:rPr lang="de-DE" dirty="0" err="1"/>
+              <a:t>Managed</a:t>
+            </a:r>
+            <a:r>
+              <a:rPr lang="de-DE" dirty="0"/>
+              <a:t> </a:t>
+            </a:r>
+            <a:r>
+              <a:rPr lang="de-DE" dirty="0" err="1"/>
+              <a:t>Behavior</a:t>
+            </a:r>
+            <a:r>
+              <a:rPr lang="de-DE" dirty="0"/>
+              <a:t> Implementation, bei der das Framework einen Teil der CRUD-Operationen automatisch handhabt, fehlen in der Definition der Custom Entity spezifische </a:t>
+            </a:r>
+            <a:r>
+              <a:rPr lang="de-DE" dirty="0" err="1"/>
+              <a:t>Annotations</a:t>
+            </a:r>
+            <a:r>
+              <a:rPr lang="de-DE" dirty="0"/>
+              <a:t>, die das Framework über die zu verwendenden Schlüssel und das Management der Entität informieren. Da die Datenbereitstellung und Logik in einer ABAP-Klasse implementiert sind, wäre eine </a:t>
+            </a:r>
+            <a:r>
+              <a:rPr lang="de-DE" dirty="0" err="1"/>
+              <a:t>Managed</a:t>
+            </a:r>
+            <a:r>
+              <a:rPr lang="de-DE" dirty="0"/>
+              <a:t> </a:t>
+            </a:r>
+            <a:r>
+              <a:rPr lang="de-DE" dirty="0" err="1"/>
+              <a:t>Behavior</a:t>
+            </a:r>
+            <a:r>
+              <a:rPr lang="de-DE" dirty="0"/>
+              <a:t> Implementation hier nicht direkt anwendbar, es sei denn, die Klasse selbst nutzt Frameworks oder Techniken, die ähnliche Automatismen bieten.</a:t>
+            </a:r>
+          </a:p>
+          <a:p>
+            <a:endParaRPr lang="de-DE" dirty="0"/>
+          </a:p>
+          <a:p>
+            <a:r>
+              <a:rPr lang="de-DE" dirty="0"/>
+              <a:t>- </a:t>
+            </a:r>
+            <a:r>
+              <a:rPr lang="de-DE" dirty="0" err="1"/>
+              <a:t>Unmanaged</a:t>
+            </a:r>
+            <a:r>
+              <a:rPr lang="de-DE" dirty="0"/>
+              <a:t> </a:t>
+            </a:r>
+            <a:r>
+              <a:rPr lang="de-DE" dirty="0" err="1"/>
+              <a:t>Behavior</a:t>
+            </a:r>
+            <a:r>
+              <a:rPr lang="de-DE" dirty="0"/>
+              <a:t>: Eine </a:t>
+            </a:r>
+            <a:r>
+              <a:rPr lang="de-DE" dirty="0" err="1"/>
+              <a:t>Unmanaged</a:t>
+            </a:r>
+            <a:r>
+              <a:rPr lang="de-DE" dirty="0"/>
+              <a:t> </a:t>
+            </a:r>
+            <a:r>
+              <a:rPr lang="de-DE" dirty="0" err="1"/>
+              <a:t>Behavior</a:t>
+            </a:r>
+            <a:r>
+              <a:rPr lang="de-DE" dirty="0"/>
+              <a:t> Implementation, bei der der Entwickler die vollständige Kontrolle über die Implementierung der CRUD-Operationen hat, ist möglich und in diesem Fall erforderlich. Die Implementierung der Geschäftslogik und der Datenmanipulation erfolgt vollständig in der ABAP-Klasse `ZCL_FLIGHTS`. Für eine solche Implementierung müssen die entsprechenden Methoden in der </a:t>
+            </a:r>
+            <a:r>
+              <a:rPr lang="de-DE" dirty="0" err="1"/>
+              <a:t>Behavior</a:t>
+            </a:r>
+            <a:r>
+              <a:rPr lang="de-DE" dirty="0"/>
+              <a:t> Definition Class definiert und implementiert werden, die dann die Operationen auf die Daten, wie sie von der ABAP-Klasse bereitgestellt werden, ausführen.</a:t>
+            </a:r>
+          </a:p>
+          <a:p>
+            <a:endParaRPr lang="de-DE" dirty="0"/>
+          </a:p>
+          <a:p>
+            <a:r>
+              <a:rPr lang="de-DE" dirty="0"/>
+              <a:t>Zusammenfassend lässt sich sagen, dass für die gegebene Custom Entity eine </a:t>
+            </a:r>
+            <a:r>
+              <a:rPr lang="de-DE" dirty="0" err="1"/>
+              <a:t>unmanaged</a:t>
+            </a:r>
+            <a:r>
+              <a:rPr lang="de-DE" dirty="0"/>
+              <a:t> </a:t>
+            </a:r>
+            <a:r>
+              <a:rPr lang="de-DE" dirty="0" err="1"/>
+              <a:t>Behavior</a:t>
+            </a:r>
+            <a:r>
+              <a:rPr lang="de-DE" dirty="0"/>
+              <a:t> Implementation erforderlich und möglich ist, da die Datenbereitstellung und Geschäftslogik außerhalb des CDS-View-Mechanismus in einer ABAP-Klasse implementiert sind.</a:t>
+            </a:r>
+          </a:p>
+        </p:txBody>
+      </p:sp>
+      <p:sp>
+        <p:nvSpPr>
+          <p:cNvPr id="4" name="Foliennummernplatzhalter 3"/>
+          <p:cNvSpPr>
+            <a:spLocks noGrp="1"/>
+          </p:cNvSpPr>
+          <p:nvPr>
+            <p:ph type="sldNum" sz="quarter" idx="5"/>
+          </p:nvPr>
+        </p:nvSpPr>
+        <p:spPr/>
+        <p:txBody>
+          <a:bodyPr/>
+          <a:lstStyle/>
+          <a:p>
+            <a:fld id="{609B6B1F-E26A-4625-8D10-76CEED6060F4}" type="slidenum">
+              <a:rPr lang="de-DE" smtClean="0"/>
+              <a:t>17</a:t>
+            </a:fld>
+            <a:endParaRPr lang="de-DE"/>
+          </a:p>
+        </p:txBody>
+      </p:sp>
+    </p:spTree>
+    <p:extLst>
+      <p:ext uri="{BB962C8B-B14F-4D97-AF65-F5344CB8AC3E}">
+        <p14:creationId xmlns:p14="http://schemas.microsoft.com/office/powerpoint/2010/main" val="3869561557"/>
+      </p:ext>
+    </p:extLst>
+  </p:cSld>
+  <p:clrMapOvr>
+    <a:masterClrMapping/>
+  </p:clrMapOvr>
+</p:notes>
+</file>
+
 <file path=ppt/slideLayouts/slideLayout1.xml><?xml version="1.0" encoding="utf-8"?>
 <p:sldLayout xmlns:a="http://schemas.openxmlformats.org/drawingml/2006/main" xmlns:r="http://schemas.openxmlformats.org/officeDocument/2006/relationships" xmlns:p="http://schemas.openxmlformats.org/presentationml/2006/main" type="title" preserve="1">
   <p:cSld name="Titelfolie">
@@ -274,7 +2164,7 @@
           <a:p>
             <a:fld id="{1EE7CC53-6A22-BC4E-ADFB-0DE909C6A200}" type="datetimeFigureOut">
               <a:rPr lang="de-DE" smtClean="0"/>
-              <a:t>28.06.2024</a:t>
+              <a:t>03.07.2024</a:t>
             </a:fld>
             <a:endParaRPr lang="de-DE"/>
           </a:p>
@@ -472,7 +2362,7 @@
           <a:p>
             <a:fld id="{1EE7CC53-6A22-BC4E-ADFB-0DE909C6A200}" type="datetimeFigureOut">
               <a:rPr lang="de-DE" smtClean="0"/>
-              <a:t>28.06.2024</a:t>
+              <a:t>03.07.2024</a:t>
             </a:fld>
             <a:endParaRPr lang="de-DE"/>
           </a:p>
@@ -680,7 +2570,7 @@
           <a:p>
             <a:fld id="{1EE7CC53-6A22-BC4E-ADFB-0DE909C6A200}" type="datetimeFigureOut">
               <a:rPr lang="de-DE" smtClean="0"/>
-              <a:t>28.06.2024</a:t>
+              <a:t>03.07.2024</a:t>
             </a:fld>
             <a:endParaRPr lang="de-DE"/>
           </a:p>
@@ -878,7 +2768,7 @@
           <a:p>
             <a:fld id="{1EE7CC53-6A22-BC4E-ADFB-0DE909C6A200}" type="datetimeFigureOut">
               <a:rPr lang="de-DE" smtClean="0"/>
-              <a:t>28.06.2024</a:t>
+              <a:t>03.07.2024</a:t>
             </a:fld>
             <a:endParaRPr lang="de-DE"/>
           </a:p>
@@ -1153,7 +3043,7 @@
           <a:p>
             <a:fld id="{1EE7CC53-6A22-BC4E-ADFB-0DE909C6A200}" type="datetimeFigureOut">
               <a:rPr lang="de-DE" smtClean="0"/>
-              <a:t>28.06.2024</a:t>
+              <a:t>03.07.2024</a:t>
             </a:fld>
             <a:endParaRPr lang="de-DE"/>
           </a:p>
@@ -1418,7 +3308,7 @@
           <a:p>
             <a:fld id="{1EE7CC53-6A22-BC4E-ADFB-0DE909C6A200}" type="datetimeFigureOut">
               <a:rPr lang="de-DE" smtClean="0"/>
-              <a:t>28.06.2024</a:t>
+              <a:t>03.07.2024</a:t>
             </a:fld>
             <a:endParaRPr lang="de-DE"/>
           </a:p>
@@ -1830,7 +3720,7 @@
           <a:p>
             <a:fld id="{1EE7CC53-6A22-BC4E-ADFB-0DE909C6A200}" type="datetimeFigureOut">
               <a:rPr lang="de-DE" smtClean="0"/>
-              <a:t>28.06.2024</a:t>
+              <a:t>03.07.2024</a:t>
             </a:fld>
             <a:endParaRPr lang="de-DE"/>
           </a:p>
@@ -1971,7 +3861,7 @@
           <a:p>
             <a:fld id="{1EE7CC53-6A22-BC4E-ADFB-0DE909C6A200}" type="datetimeFigureOut">
               <a:rPr lang="de-DE" smtClean="0"/>
-              <a:t>28.06.2024</a:t>
+              <a:t>03.07.2024</a:t>
             </a:fld>
             <a:endParaRPr lang="de-DE"/>
           </a:p>
@@ -2084,7 +3974,7 @@
           <a:p>
             <a:fld id="{1EE7CC53-6A22-BC4E-ADFB-0DE909C6A200}" type="datetimeFigureOut">
               <a:rPr lang="de-DE" smtClean="0"/>
-              <a:t>28.06.2024</a:t>
+              <a:t>03.07.2024</a:t>
             </a:fld>
             <a:endParaRPr lang="de-DE"/>
           </a:p>
@@ -2395,7 +4285,7 @@
           <a:p>
             <a:fld id="{1EE7CC53-6A22-BC4E-ADFB-0DE909C6A200}" type="datetimeFigureOut">
               <a:rPr lang="de-DE" smtClean="0"/>
-              <a:t>28.06.2024</a:t>
+              <a:t>03.07.2024</a:t>
             </a:fld>
             <a:endParaRPr lang="de-DE"/>
           </a:p>
@@ -2683,7 +4573,7 @@
           <a:p>
             <a:fld id="{1EE7CC53-6A22-BC4E-ADFB-0DE909C6A200}" type="datetimeFigureOut">
               <a:rPr lang="de-DE" smtClean="0"/>
-              <a:t>28.06.2024</a:t>
+              <a:t>03.07.2024</a:t>
             </a:fld>
             <a:endParaRPr lang="de-DE"/>
           </a:p>
@@ -2924,7 +4814,7 @@
           <a:p>
             <a:fld id="{1EE7CC53-6A22-BC4E-ADFB-0DE909C6A200}" type="datetimeFigureOut">
               <a:rPr lang="de-DE" smtClean="0"/>
-              <a:t>28.06.2024</a:t>
+              <a:t>03.07.2024</a:t>
             </a:fld>
             <a:endParaRPr lang="de-DE"/>
           </a:p>
@@ -3991,6 +5881,484 @@
       </p:grpSpPr>
       <p:sp useBgFill="1">
         <p:nvSpPr>
+          <p:cNvPr id="12" name="Rectangle 11">
+            <a:extLst>
+              <a:ext uri="{FF2B5EF4-FFF2-40B4-BE49-F238E27FC236}">
+                <a16:creationId xmlns:a16="http://schemas.microsoft.com/office/drawing/2014/main" id="{2B97F24A-32CE-4C1C-A50D-3016B394DCFB}"/>
+              </a:ext>
+              <a:ext uri="{C183D7F6-B498-43B3-948B-1728B52AA6E4}">
+                <adec:decorative xmlns:adec="http://schemas.microsoft.com/office/drawing/2017/decorative" val="1"/>
+              </a:ext>
+            </a:extLst>
+          </p:cNvPr>
+          <p:cNvSpPr>
+            <a:spLocks noGrp="1" noRot="1" noChangeAspect="1" noMove="1" noResize="1" noEditPoints="1" noAdjustHandles="1" noChangeArrowheads="1" noChangeShapeType="1" noTextEdit="1"/>
+          </p:cNvSpPr>
+          <p:nvPr>
+            <p:extLst>
+              <p:ext uri="{386F3935-93C4-4BCD-93E2-E3B085C9AB24}">
+                <p16:designElem xmlns:p16="http://schemas.microsoft.com/office/powerpoint/2015/main" val="1"/>
+              </p:ext>
+            </p:extLst>
+          </p:nvPr>
+        </p:nvSpPr>
+        <p:spPr>
+          <a:xfrm>
+            <a:off x="0" y="0"/>
+            <a:ext cx="12192000" cy="6858000"/>
+          </a:xfrm>
+          <a:prstGeom prst="rect">
+            <a:avLst/>
+          </a:prstGeom>
+          <a:ln>
+            <a:noFill/>
+          </a:ln>
+        </p:spPr>
+        <p:style>
+          <a:lnRef idx="2">
+            <a:schemeClr val="accent1">
+              <a:shade val="50000"/>
+            </a:schemeClr>
+          </a:lnRef>
+          <a:fillRef idx="1">
+            <a:schemeClr val="accent1"/>
+          </a:fillRef>
+          <a:effectRef idx="0">
+            <a:schemeClr val="accent1"/>
+          </a:effectRef>
+          <a:fontRef idx="minor">
+            <a:schemeClr val="lt1"/>
+          </a:fontRef>
+        </p:style>
+        <p:txBody>
+          <a:bodyPr rtlCol="0" anchor="ctr"/>
+          <a:lstStyle/>
+          <a:p>
+            <a:pPr algn="ctr"/>
+            <a:endParaRPr lang="en-US"/>
+          </a:p>
+        </p:txBody>
+      </p:sp>
+      <p:sp>
+        <p:nvSpPr>
+          <p:cNvPr id="2" name="Titel 1">
+            <a:extLst>
+              <a:ext uri="{FF2B5EF4-FFF2-40B4-BE49-F238E27FC236}">
+                <a16:creationId xmlns:a16="http://schemas.microsoft.com/office/drawing/2014/main" id="{9144D0FA-97E2-F4E7-C22D-AA6B7BCC1D5E}"/>
+              </a:ext>
+            </a:extLst>
+          </p:cNvPr>
+          <p:cNvSpPr>
+            <a:spLocks noGrp="1"/>
+          </p:cNvSpPr>
+          <p:nvPr>
+            <p:ph type="title"/>
+          </p:nvPr>
+        </p:nvSpPr>
+        <p:spPr>
+          <a:xfrm>
+            <a:off x="630936" y="639520"/>
+            <a:ext cx="3429000" cy="1719072"/>
+          </a:xfrm>
+        </p:spPr>
+        <p:txBody>
+          <a:bodyPr anchor="b">
+            <a:normAutofit/>
+          </a:bodyPr>
+          <a:lstStyle/>
+          <a:p>
+            <a:r>
+              <a:rPr lang="de-DE" sz="3800">
+                <a:latin typeface="Helvetica" pitchFamily="2" charset="0"/>
+              </a:rPr>
+              <a:t>Erstellen einer Query Provider Class</a:t>
+            </a:r>
+          </a:p>
+        </p:txBody>
+      </p:sp>
+      <p:sp>
+        <p:nvSpPr>
+          <p:cNvPr id="14" name="sketch line">
+            <a:extLst>
+              <a:ext uri="{FF2B5EF4-FFF2-40B4-BE49-F238E27FC236}">
+                <a16:creationId xmlns:a16="http://schemas.microsoft.com/office/drawing/2014/main" id="{CD8B4F24-440B-49E9-B85D-733523DC064B}"/>
+              </a:ext>
+              <a:ext uri="{C183D7F6-B498-43B3-948B-1728B52AA6E4}">
+                <adec:decorative xmlns:adec="http://schemas.microsoft.com/office/drawing/2017/decorative" val="1"/>
+              </a:ext>
+            </a:extLst>
+          </p:cNvPr>
+          <p:cNvSpPr>
+            <a:spLocks noGrp="1" noRot="1" noChangeAspect="1" noMove="1" noResize="1" noEditPoints="1" noAdjustHandles="1" noChangeArrowheads="1" noChangeShapeType="1" noTextEdit="1"/>
+          </p:cNvSpPr>
+          <p:nvPr>
+            <p:extLst>
+              <p:ext uri="{386F3935-93C4-4BCD-93E2-E3B085C9AB24}">
+                <p16:designElem xmlns:p16="http://schemas.microsoft.com/office/powerpoint/2015/main" val="1"/>
+              </p:ext>
+            </p:extLst>
+          </p:nvPr>
+        </p:nvSpPr>
+        <p:spPr>
+          <a:xfrm>
+            <a:off x="643278" y="2573756"/>
+            <a:ext cx="3255095" cy="18288"/>
+          </a:xfrm>
+          <a:custGeom>
+            <a:avLst/>
+            <a:gdLst>
+              <a:gd name="connsiteX0" fmla="*/ 0 w 3255095"/>
+              <a:gd name="connsiteY0" fmla="*/ 0 h 18288"/>
+              <a:gd name="connsiteX1" fmla="*/ 618468 w 3255095"/>
+              <a:gd name="connsiteY1" fmla="*/ 0 h 18288"/>
+              <a:gd name="connsiteX2" fmla="*/ 1269487 w 3255095"/>
+              <a:gd name="connsiteY2" fmla="*/ 0 h 18288"/>
+              <a:gd name="connsiteX3" fmla="*/ 1953057 w 3255095"/>
+              <a:gd name="connsiteY3" fmla="*/ 0 h 18288"/>
+              <a:gd name="connsiteX4" fmla="*/ 2636627 w 3255095"/>
+              <a:gd name="connsiteY4" fmla="*/ 0 h 18288"/>
+              <a:gd name="connsiteX5" fmla="*/ 3255095 w 3255095"/>
+              <a:gd name="connsiteY5" fmla="*/ 0 h 18288"/>
+              <a:gd name="connsiteX6" fmla="*/ 3255095 w 3255095"/>
+              <a:gd name="connsiteY6" fmla="*/ 18288 h 18288"/>
+              <a:gd name="connsiteX7" fmla="*/ 2538974 w 3255095"/>
+              <a:gd name="connsiteY7" fmla="*/ 18288 h 18288"/>
+              <a:gd name="connsiteX8" fmla="*/ 1822853 w 3255095"/>
+              <a:gd name="connsiteY8" fmla="*/ 18288 h 18288"/>
+              <a:gd name="connsiteX9" fmla="*/ 1171834 w 3255095"/>
+              <a:gd name="connsiteY9" fmla="*/ 18288 h 18288"/>
+              <a:gd name="connsiteX10" fmla="*/ 0 w 3255095"/>
+              <a:gd name="connsiteY10" fmla="*/ 18288 h 18288"/>
+              <a:gd name="connsiteX11" fmla="*/ 0 w 3255095"/>
+              <a:gd name="connsiteY11" fmla="*/ 0 h 18288"/>
+            </a:gdLst>
+            <a:ahLst/>
+            <a:cxnLst>
+              <a:cxn ang="0">
+                <a:pos x="connsiteX0" y="connsiteY0"/>
+              </a:cxn>
+              <a:cxn ang="0">
+                <a:pos x="connsiteX1" y="connsiteY1"/>
+              </a:cxn>
+              <a:cxn ang="0">
+                <a:pos x="connsiteX2" y="connsiteY2"/>
+              </a:cxn>
+              <a:cxn ang="0">
+                <a:pos x="connsiteX3" y="connsiteY3"/>
+              </a:cxn>
+              <a:cxn ang="0">
+                <a:pos x="connsiteX4" y="connsiteY4"/>
+              </a:cxn>
+              <a:cxn ang="0">
+                <a:pos x="connsiteX5" y="connsiteY5"/>
+              </a:cxn>
+              <a:cxn ang="0">
+                <a:pos x="connsiteX6" y="connsiteY6"/>
+              </a:cxn>
+              <a:cxn ang="0">
+                <a:pos x="connsiteX7" y="connsiteY7"/>
+              </a:cxn>
+              <a:cxn ang="0">
+                <a:pos x="connsiteX8" y="connsiteY8"/>
+              </a:cxn>
+              <a:cxn ang="0">
+                <a:pos x="connsiteX9" y="connsiteY9"/>
+              </a:cxn>
+              <a:cxn ang="0">
+                <a:pos x="connsiteX10" y="connsiteY10"/>
+              </a:cxn>
+              <a:cxn ang="0">
+                <a:pos x="connsiteX11" y="connsiteY11"/>
+              </a:cxn>
+            </a:cxnLst>
+            <a:rect l="l" t="t" r="r" b="b"/>
+            <a:pathLst>
+              <a:path w="3255095" h="18288" fill="none" extrusionOk="0">
+                <a:moveTo>
+                  <a:pt x="0" y="0"/>
+                </a:moveTo>
+                <a:cubicBezTo>
+                  <a:pt x="240201" y="-22123"/>
+                  <a:pt x="462021" y="-19623"/>
+                  <a:pt x="618468" y="0"/>
+                </a:cubicBezTo>
+                <a:cubicBezTo>
+                  <a:pt x="774915" y="19623"/>
+                  <a:pt x="974734" y="2035"/>
+                  <a:pt x="1269487" y="0"/>
+                </a:cubicBezTo>
+                <a:cubicBezTo>
+                  <a:pt x="1564240" y="-2035"/>
+                  <a:pt x="1733579" y="10639"/>
+                  <a:pt x="1953057" y="0"/>
+                </a:cubicBezTo>
+                <a:cubicBezTo>
+                  <a:pt x="2172535" y="-10639"/>
+                  <a:pt x="2453962" y="14018"/>
+                  <a:pt x="2636627" y="0"/>
+                </a:cubicBezTo>
+                <a:cubicBezTo>
+                  <a:pt x="2819292" y="-14018"/>
+                  <a:pt x="3121375" y="5399"/>
+                  <a:pt x="3255095" y="0"/>
+                </a:cubicBezTo>
+                <a:cubicBezTo>
+                  <a:pt x="3254386" y="8157"/>
+                  <a:pt x="3254682" y="12125"/>
+                  <a:pt x="3255095" y="18288"/>
+                </a:cubicBezTo>
+                <a:cubicBezTo>
+                  <a:pt x="3088545" y="23203"/>
+                  <a:pt x="2687475" y="7419"/>
+                  <a:pt x="2538974" y="18288"/>
+                </a:cubicBezTo>
+                <a:cubicBezTo>
+                  <a:pt x="2390473" y="29157"/>
+                  <a:pt x="2137381" y="-8959"/>
+                  <a:pt x="1822853" y="18288"/>
+                </a:cubicBezTo>
+                <a:cubicBezTo>
+                  <a:pt x="1508325" y="45535"/>
+                  <a:pt x="1466437" y="20385"/>
+                  <a:pt x="1171834" y="18288"/>
+                </a:cubicBezTo>
+                <a:cubicBezTo>
+                  <a:pt x="877231" y="16191"/>
+                  <a:pt x="561097" y="37643"/>
+                  <a:pt x="0" y="18288"/>
+                </a:cubicBezTo>
+                <a:cubicBezTo>
+                  <a:pt x="-46" y="12483"/>
+                  <a:pt x="-203" y="6491"/>
+                  <a:pt x="0" y="0"/>
+                </a:cubicBezTo>
+                <a:close/>
+              </a:path>
+              <a:path w="3255095" h="18288" stroke="0" extrusionOk="0">
+                <a:moveTo>
+                  <a:pt x="0" y="0"/>
+                </a:moveTo>
+                <a:cubicBezTo>
+                  <a:pt x="291965" y="19429"/>
+                  <a:pt x="363155" y="8568"/>
+                  <a:pt x="618468" y="0"/>
+                </a:cubicBezTo>
+                <a:cubicBezTo>
+                  <a:pt x="873781" y="-8568"/>
+                  <a:pt x="904459" y="-19505"/>
+                  <a:pt x="1171834" y="0"/>
+                </a:cubicBezTo>
+                <a:cubicBezTo>
+                  <a:pt x="1439209" y="19505"/>
+                  <a:pt x="1744369" y="9790"/>
+                  <a:pt x="1887955" y="0"/>
+                </a:cubicBezTo>
+                <a:cubicBezTo>
+                  <a:pt x="2031541" y="-9790"/>
+                  <a:pt x="2346378" y="21240"/>
+                  <a:pt x="2506423" y="0"/>
+                </a:cubicBezTo>
+                <a:cubicBezTo>
+                  <a:pt x="2666468" y="-21240"/>
+                  <a:pt x="2990257" y="30414"/>
+                  <a:pt x="3255095" y="0"/>
+                </a:cubicBezTo>
+                <a:cubicBezTo>
+                  <a:pt x="3254831" y="4493"/>
+                  <a:pt x="3255479" y="9472"/>
+                  <a:pt x="3255095" y="18288"/>
+                </a:cubicBezTo>
+                <a:cubicBezTo>
+                  <a:pt x="3120743" y="16690"/>
+                  <a:pt x="2759628" y="42462"/>
+                  <a:pt x="2604076" y="18288"/>
+                </a:cubicBezTo>
+                <a:cubicBezTo>
+                  <a:pt x="2448524" y="-5886"/>
+                  <a:pt x="2184336" y="19599"/>
+                  <a:pt x="1887955" y="18288"/>
+                </a:cubicBezTo>
+                <a:cubicBezTo>
+                  <a:pt x="1591574" y="16977"/>
+                  <a:pt x="1548845" y="6870"/>
+                  <a:pt x="1334589" y="18288"/>
+                </a:cubicBezTo>
+                <a:cubicBezTo>
+                  <a:pt x="1120333" y="29706"/>
+                  <a:pt x="996014" y="9662"/>
+                  <a:pt x="683570" y="18288"/>
+                </a:cubicBezTo>
+                <a:cubicBezTo>
+                  <a:pt x="371126" y="26914"/>
+                  <a:pt x="198687" y="16167"/>
+                  <a:pt x="0" y="18288"/>
+                </a:cubicBezTo>
+                <a:cubicBezTo>
+                  <a:pt x="843" y="9577"/>
+                  <a:pt x="371" y="6900"/>
+                  <a:pt x="0" y="0"/>
+                </a:cubicBezTo>
+                <a:close/>
+              </a:path>
+            </a:pathLst>
+          </a:custGeom>
+          <a:solidFill>
+            <a:schemeClr val="accent2"/>
+          </a:solidFill>
+          <a:ln w="38100" cap="rnd">
+            <a:solidFill>
+              <a:schemeClr val="accent2"/>
+            </a:solidFill>
+            <a:round/>
+            <a:extLst>
+              <a:ext uri="{C807C97D-BFC1-408E-A445-0C87EB9F89A2}">
+                <ask:lineSketchStyleProps xmlns:ask="http://schemas.microsoft.com/office/drawing/2018/sketchyshapes" sd="1219033472">
+                  <a:prstGeom prst="rect">
+                    <a:avLst/>
+                  </a:prstGeom>
+                  <ask:type>
+                    <ask:lineSketchFreehand/>
+                  </ask:type>
+                </ask:lineSketchStyleProps>
+              </a:ext>
+            </a:extLst>
+          </a:ln>
+        </p:spPr>
+        <p:style>
+          <a:lnRef idx="2">
+            <a:schemeClr val="accent1">
+              <a:shade val="50000"/>
+            </a:schemeClr>
+          </a:lnRef>
+          <a:fillRef idx="1">
+            <a:schemeClr val="accent1"/>
+          </a:fillRef>
+          <a:effectRef idx="0">
+            <a:schemeClr val="accent1"/>
+          </a:effectRef>
+          <a:fontRef idx="minor">
+            <a:schemeClr val="lt1"/>
+          </a:fontRef>
+        </p:style>
+        <p:txBody>
+          <a:bodyPr rtlCol="0" anchor="ctr"/>
+          <a:lstStyle/>
+          <a:p>
+            <a:pPr algn="ctr"/>
+            <a:endParaRPr lang="en-US"/>
+          </a:p>
+        </p:txBody>
+      </p:sp>
+      <p:sp>
+        <p:nvSpPr>
+          <p:cNvPr id="6" name="Inhaltsplatzhalter 5">
+            <a:extLst>
+              <a:ext uri="{FF2B5EF4-FFF2-40B4-BE49-F238E27FC236}">
+                <a16:creationId xmlns:a16="http://schemas.microsoft.com/office/drawing/2014/main" id="{A8B49D27-81F0-303A-1F8F-44A8D0DA7C2B}"/>
+              </a:ext>
+            </a:extLst>
+          </p:cNvPr>
+          <p:cNvSpPr>
+            <a:spLocks noGrp="1"/>
+          </p:cNvSpPr>
+          <p:nvPr>
+            <p:ph idx="1"/>
+          </p:nvPr>
+        </p:nvSpPr>
+        <p:spPr>
+          <a:xfrm>
+            <a:off x="630936" y="2807208"/>
+            <a:ext cx="3429000" cy="3410712"/>
+          </a:xfrm>
+        </p:spPr>
+        <p:txBody>
+          <a:bodyPr anchor="t">
+            <a:normAutofit/>
+          </a:bodyPr>
+          <a:lstStyle/>
+          <a:p>
+            <a:r>
+              <a:rPr lang="de-DE" sz="2200" i="1">
+                <a:latin typeface="Helvetica" pitchFamily="2" charset="0"/>
+              </a:rPr>
+              <a:t>Interface if_rap_query_provider</a:t>
+            </a:r>
+          </a:p>
+          <a:p>
+            <a:endParaRPr lang="de-DE" sz="2200"/>
+          </a:p>
+        </p:txBody>
+      </p:sp>
+      <p:pic>
+        <p:nvPicPr>
+          <p:cNvPr id="7" name="Grafik 6">
+            <a:extLst>
+              <a:ext uri="{FF2B5EF4-FFF2-40B4-BE49-F238E27FC236}">
+                <a16:creationId xmlns:a16="http://schemas.microsoft.com/office/drawing/2014/main" id="{2EFF65B8-5972-4745-2C3F-23944C46F0E8}"/>
+              </a:ext>
+            </a:extLst>
+          </p:cNvPr>
+          <p:cNvPicPr>
+            <a:picLocks noChangeAspect="1"/>
+          </p:cNvPicPr>
+          <p:nvPr/>
+        </p:nvPicPr>
+        <p:blipFill>
+          <a:blip r:embed="rId3"/>
+          <a:stretch>
+            <a:fillRect/>
+          </a:stretch>
+        </p:blipFill>
+        <p:spPr>
+          <a:xfrm>
+            <a:off x="4786013" y="640080"/>
+            <a:ext cx="6640285" cy="5577840"/>
+          </a:xfrm>
+          <a:prstGeom prst="rect">
+            <a:avLst/>
+          </a:prstGeom>
+        </p:spPr>
+      </p:pic>
+    </p:spTree>
+    <p:extLst>
+      <p:ext uri="{BB962C8B-B14F-4D97-AF65-F5344CB8AC3E}">
+        <p14:creationId xmlns:p14="http://schemas.microsoft.com/office/powerpoint/2010/main" val="1055560850"/>
+      </p:ext>
+    </p:extLst>
+  </p:cSld>
+  <p:clrMapOvr>
+    <a:masterClrMapping/>
+  </p:clrMapOvr>
+</p:sld>
+</file>
+
+<file path=ppt/slides/slide11.xml><?xml version="1.0" encoding="utf-8"?>
+<p:sld xmlns:a="http://schemas.openxmlformats.org/drawingml/2006/main" xmlns:r="http://schemas.openxmlformats.org/officeDocument/2006/relationships" xmlns:p="http://schemas.openxmlformats.org/presentationml/2006/main">
+  <p:cSld>
+    <p:bg>
+      <p:bgPr>
+        <a:solidFill>
+          <a:schemeClr val="bg1"/>
+        </a:solidFill>
+        <a:effectLst/>
+      </p:bgPr>
+    </p:bg>
+    <p:spTree>
+      <p:nvGrpSpPr>
+        <p:cNvPr id="1" name=""/>
+        <p:cNvGrpSpPr/>
+        <p:nvPr/>
+      </p:nvGrpSpPr>
+      <p:grpSpPr>
+        <a:xfrm>
+          <a:off x="0" y="0"/>
+          <a:ext cx="0" cy="0"/>
+          <a:chOff x="0" y="0"/>
+          <a:chExt cx="0" cy="0"/>
+        </a:xfrm>
+      </p:grpSpPr>
+      <p:sp useBgFill="1">
+        <p:nvSpPr>
           <p:cNvPr id="20" name="Rectangle 19">
             <a:extLst>
               <a:ext uri="{FF2B5EF4-FFF2-40B4-BE49-F238E27FC236}">
@@ -4307,6 +6675,392 @@
           </a:p>
         </p:txBody>
       </p:sp>
+      <p:pic>
+        <p:nvPicPr>
+          <p:cNvPr id="4" name="Grafik 3">
+            <a:extLst>
+              <a:ext uri="{FF2B5EF4-FFF2-40B4-BE49-F238E27FC236}">
+                <a16:creationId xmlns:a16="http://schemas.microsoft.com/office/drawing/2014/main" id="{BFF87FA6-5467-266D-602E-364DDAA78DFD}"/>
+              </a:ext>
+            </a:extLst>
+          </p:cNvPr>
+          <p:cNvPicPr>
+            <a:picLocks noChangeAspect="1"/>
+          </p:cNvPicPr>
+          <p:nvPr/>
+        </p:nvPicPr>
+        <p:blipFill>
+          <a:blip r:embed="rId3"/>
+          <a:stretch>
+            <a:fillRect/>
+          </a:stretch>
+        </p:blipFill>
+        <p:spPr>
+          <a:xfrm>
+            <a:off x="5522974" y="1421892"/>
+            <a:ext cx="5210902" cy="5068007"/>
+          </a:xfrm>
+          <a:prstGeom prst="rect">
+            <a:avLst/>
+          </a:prstGeom>
+        </p:spPr>
+      </p:pic>
+    </p:spTree>
+    <p:extLst>
+      <p:ext uri="{BB962C8B-B14F-4D97-AF65-F5344CB8AC3E}">
+        <p14:creationId xmlns:p14="http://schemas.microsoft.com/office/powerpoint/2010/main" val="2028158365"/>
+      </p:ext>
+    </p:extLst>
+  </p:cSld>
+  <p:clrMapOvr>
+    <a:masterClrMapping/>
+  </p:clrMapOvr>
+</p:sld>
+</file>
+
+<file path=ppt/slides/slide12.xml><?xml version="1.0" encoding="utf-8"?>
+<p:sld xmlns:a="http://schemas.openxmlformats.org/drawingml/2006/main" xmlns:r="http://schemas.openxmlformats.org/officeDocument/2006/relationships" xmlns:p="http://schemas.openxmlformats.org/presentationml/2006/main">
+  <p:cSld>
+    <p:bg>
+      <p:bgPr>
+        <a:solidFill>
+          <a:schemeClr val="bg1"/>
+        </a:solidFill>
+        <a:effectLst/>
+      </p:bgPr>
+    </p:bg>
+    <p:spTree>
+      <p:nvGrpSpPr>
+        <p:cNvPr id="1" name=""/>
+        <p:cNvGrpSpPr/>
+        <p:nvPr/>
+      </p:nvGrpSpPr>
+      <p:grpSpPr>
+        <a:xfrm>
+          <a:off x="0" y="0"/>
+          <a:ext cx="0" cy="0"/>
+          <a:chOff x="0" y="0"/>
+          <a:chExt cx="0" cy="0"/>
+        </a:xfrm>
+      </p:grpSpPr>
+      <p:sp useBgFill="1">
+        <p:nvSpPr>
+          <p:cNvPr id="20" name="Rectangle 19">
+            <a:extLst>
+              <a:ext uri="{FF2B5EF4-FFF2-40B4-BE49-F238E27FC236}">
+                <a16:creationId xmlns:a16="http://schemas.microsoft.com/office/drawing/2014/main" id="{69D47016-023F-44BD-981C-50E7A10A6609}"/>
+              </a:ext>
+              <a:ext uri="{C183D7F6-B498-43B3-948B-1728B52AA6E4}">
+                <adec:decorative xmlns:adec="http://schemas.microsoft.com/office/drawing/2017/decorative" val="1"/>
+              </a:ext>
+            </a:extLst>
+          </p:cNvPr>
+          <p:cNvSpPr>
+            <a:spLocks noGrp="1" noRot="1" noChangeAspect="1" noMove="1" noResize="1" noEditPoints="1" noAdjustHandles="1" noChangeArrowheads="1" noChangeShapeType="1" noTextEdit="1"/>
+          </p:cNvSpPr>
+          <p:nvPr>
+            <p:extLst>
+              <p:ext uri="{386F3935-93C4-4BCD-93E2-E3B085C9AB24}">
+                <p16:designElem xmlns:p16="http://schemas.microsoft.com/office/powerpoint/2015/main" val="1"/>
+              </p:ext>
+            </p:extLst>
+          </p:nvPr>
+        </p:nvSpPr>
+        <p:spPr>
+          <a:xfrm>
+            <a:off x="0" y="0"/>
+            <a:ext cx="12188952" cy="6858000"/>
+          </a:xfrm>
+          <a:prstGeom prst="rect">
+            <a:avLst/>
+          </a:prstGeom>
+          <a:ln>
+            <a:noFill/>
+          </a:ln>
+        </p:spPr>
+        <p:style>
+          <a:lnRef idx="2">
+            <a:schemeClr val="accent1">
+              <a:shade val="50000"/>
+            </a:schemeClr>
+          </a:lnRef>
+          <a:fillRef idx="1">
+            <a:schemeClr val="accent1"/>
+          </a:fillRef>
+          <a:effectRef idx="0">
+            <a:schemeClr val="accent1"/>
+          </a:effectRef>
+          <a:fontRef idx="minor">
+            <a:schemeClr val="lt1"/>
+          </a:fontRef>
+        </p:style>
+        <p:txBody>
+          <a:bodyPr rtlCol="0" anchor="ctr"/>
+          <a:lstStyle/>
+          <a:p>
+            <a:pPr algn="ctr"/>
+            <a:endParaRPr lang="en-US" dirty="0"/>
+          </a:p>
+        </p:txBody>
+      </p:sp>
+      <p:sp>
+        <p:nvSpPr>
+          <p:cNvPr id="2" name="Titel 1">
+            <a:extLst>
+              <a:ext uri="{FF2B5EF4-FFF2-40B4-BE49-F238E27FC236}">
+                <a16:creationId xmlns:a16="http://schemas.microsoft.com/office/drawing/2014/main" id="{EEB3B3A1-55EF-117C-A09F-69F361AA8253}"/>
+              </a:ext>
+            </a:extLst>
+          </p:cNvPr>
+          <p:cNvSpPr>
+            <a:spLocks noGrp="1"/>
+          </p:cNvSpPr>
+          <p:nvPr>
+            <p:ph type="title"/>
+          </p:nvPr>
+        </p:nvSpPr>
+        <p:spPr>
+          <a:xfrm>
+            <a:off x="630936" y="457200"/>
+            <a:ext cx="4343400" cy="1929384"/>
+          </a:xfrm>
+        </p:spPr>
+        <p:txBody>
+          <a:bodyPr anchor="ctr">
+            <a:normAutofit/>
+          </a:bodyPr>
+          <a:lstStyle/>
+          <a:p>
+            <a:r>
+              <a:rPr lang="de-DE" sz="4800"/>
+              <a:t>Erstellen einer Custom Entity</a:t>
+            </a:r>
+          </a:p>
+        </p:txBody>
+      </p:sp>
+      <p:sp>
+        <p:nvSpPr>
+          <p:cNvPr id="22" name="sketchy line">
+            <a:extLst>
+              <a:ext uri="{FF2B5EF4-FFF2-40B4-BE49-F238E27FC236}">
+                <a16:creationId xmlns:a16="http://schemas.microsoft.com/office/drawing/2014/main" id="{6D8B37B0-0682-433E-BC8D-498C04ABD9A7}"/>
+              </a:ext>
+              <a:ext uri="{C183D7F6-B498-43B3-948B-1728B52AA6E4}">
+                <adec:decorative xmlns:adec="http://schemas.microsoft.com/office/drawing/2017/decorative" val="1"/>
+              </a:ext>
+            </a:extLst>
+          </p:cNvPr>
+          <p:cNvSpPr>
+            <a:spLocks noGrp="1" noRot="1" noChangeAspect="1" noMove="1" noResize="1" noEditPoints="1" noAdjustHandles="1" noChangeArrowheads="1" noChangeShapeType="1" noTextEdit="1"/>
+          </p:cNvSpPr>
+          <p:nvPr>
+            <p:extLst>
+              <p:ext uri="{386F3935-93C4-4BCD-93E2-E3B085C9AB24}">
+                <p16:designElem xmlns:p16="http://schemas.microsoft.com/office/powerpoint/2015/main" val="1"/>
+              </p:ext>
+            </p:extLst>
+          </p:nvPr>
+        </p:nvSpPr>
+        <p:spPr>
+          <a:xfrm rot="5400000">
+            <a:off x="4471415" y="1412748"/>
+            <a:ext cx="1554480" cy="18288"/>
+          </a:xfrm>
+          <a:custGeom>
+            <a:avLst/>
+            <a:gdLst>
+              <a:gd name="connsiteX0" fmla="*/ 0 w 1554480"/>
+              <a:gd name="connsiteY0" fmla="*/ 0 h 18288"/>
+              <a:gd name="connsiteX1" fmla="*/ 549250 w 1554480"/>
+              <a:gd name="connsiteY1" fmla="*/ 0 h 18288"/>
+              <a:gd name="connsiteX2" fmla="*/ 1082954 w 1554480"/>
+              <a:gd name="connsiteY2" fmla="*/ 0 h 18288"/>
+              <a:gd name="connsiteX3" fmla="*/ 1554480 w 1554480"/>
+              <a:gd name="connsiteY3" fmla="*/ 0 h 18288"/>
+              <a:gd name="connsiteX4" fmla="*/ 1554480 w 1554480"/>
+              <a:gd name="connsiteY4" fmla="*/ 18288 h 18288"/>
+              <a:gd name="connsiteX5" fmla="*/ 1067410 w 1554480"/>
+              <a:gd name="connsiteY5" fmla="*/ 18288 h 18288"/>
+              <a:gd name="connsiteX6" fmla="*/ 549250 w 1554480"/>
+              <a:gd name="connsiteY6" fmla="*/ 18288 h 18288"/>
+              <a:gd name="connsiteX7" fmla="*/ 0 w 1554480"/>
+              <a:gd name="connsiteY7" fmla="*/ 18288 h 18288"/>
+              <a:gd name="connsiteX8" fmla="*/ 0 w 1554480"/>
+              <a:gd name="connsiteY8" fmla="*/ 0 h 18288"/>
+            </a:gdLst>
+            <a:ahLst/>
+            <a:cxnLst>
+              <a:cxn ang="0">
+                <a:pos x="connsiteX0" y="connsiteY0"/>
+              </a:cxn>
+              <a:cxn ang="0">
+                <a:pos x="connsiteX1" y="connsiteY1"/>
+              </a:cxn>
+              <a:cxn ang="0">
+                <a:pos x="connsiteX2" y="connsiteY2"/>
+              </a:cxn>
+              <a:cxn ang="0">
+                <a:pos x="connsiteX3" y="connsiteY3"/>
+              </a:cxn>
+              <a:cxn ang="0">
+                <a:pos x="connsiteX4" y="connsiteY4"/>
+              </a:cxn>
+              <a:cxn ang="0">
+                <a:pos x="connsiteX5" y="connsiteY5"/>
+              </a:cxn>
+              <a:cxn ang="0">
+                <a:pos x="connsiteX6" y="connsiteY6"/>
+              </a:cxn>
+              <a:cxn ang="0">
+                <a:pos x="connsiteX7" y="connsiteY7"/>
+              </a:cxn>
+              <a:cxn ang="0">
+                <a:pos x="connsiteX8" y="connsiteY8"/>
+              </a:cxn>
+            </a:cxnLst>
+            <a:rect l="l" t="t" r="r" b="b"/>
+            <a:pathLst>
+              <a:path w="1554480" h="18288" fill="none" extrusionOk="0">
+                <a:moveTo>
+                  <a:pt x="0" y="0"/>
+                </a:moveTo>
+                <a:cubicBezTo>
+                  <a:pt x="114141" y="-19864"/>
+                  <a:pt x="345055" y="-1657"/>
+                  <a:pt x="549250" y="0"/>
+                </a:cubicBezTo>
+                <a:cubicBezTo>
+                  <a:pt x="753445" y="1657"/>
+                  <a:pt x="862292" y="-5674"/>
+                  <a:pt x="1082954" y="0"/>
+                </a:cubicBezTo>
+                <a:cubicBezTo>
+                  <a:pt x="1303616" y="5674"/>
+                  <a:pt x="1363530" y="4537"/>
+                  <a:pt x="1554480" y="0"/>
+                </a:cubicBezTo>
+                <a:cubicBezTo>
+                  <a:pt x="1554963" y="7176"/>
+                  <a:pt x="1553909" y="13682"/>
+                  <a:pt x="1554480" y="18288"/>
+                </a:cubicBezTo>
+                <a:cubicBezTo>
+                  <a:pt x="1338847" y="6127"/>
+                  <a:pt x="1215066" y="37851"/>
+                  <a:pt x="1067410" y="18288"/>
+                </a:cubicBezTo>
+                <a:cubicBezTo>
+                  <a:pt x="919754" y="-1275"/>
+                  <a:pt x="800465" y="3080"/>
+                  <a:pt x="549250" y="18288"/>
+                </a:cubicBezTo>
+                <a:cubicBezTo>
+                  <a:pt x="298035" y="33496"/>
+                  <a:pt x="158868" y="22769"/>
+                  <a:pt x="0" y="18288"/>
+                </a:cubicBezTo>
+                <a:cubicBezTo>
+                  <a:pt x="-655" y="13237"/>
+                  <a:pt x="709" y="4645"/>
+                  <a:pt x="0" y="0"/>
+                </a:cubicBezTo>
+                <a:close/>
+              </a:path>
+              <a:path w="1554480" h="18288" stroke="0" extrusionOk="0">
+                <a:moveTo>
+                  <a:pt x="0" y="0"/>
+                </a:moveTo>
+                <a:cubicBezTo>
+                  <a:pt x="249941" y="-58"/>
+                  <a:pt x="367334" y="23448"/>
+                  <a:pt x="502615" y="0"/>
+                </a:cubicBezTo>
+                <a:cubicBezTo>
+                  <a:pt x="637897" y="-23448"/>
+                  <a:pt x="813653" y="-20418"/>
+                  <a:pt x="974141" y="0"/>
+                </a:cubicBezTo>
+                <a:cubicBezTo>
+                  <a:pt x="1134629" y="20418"/>
+                  <a:pt x="1268772" y="6288"/>
+                  <a:pt x="1554480" y="0"/>
+                </a:cubicBezTo>
+                <a:cubicBezTo>
+                  <a:pt x="1554917" y="7222"/>
+                  <a:pt x="1555359" y="13299"/>
+                  <a:pt x="1554480" y="18288"/>
+                </a:cubicBezTo>
+                <a:cubicBezTo>
+                  <a:pt x="1336087" y="12172"/>
+                  <a:pt x="1310024" y="19759"/>
+                  <a:pt x="1067410" y="18288"/>
+                </a:cubicBezTo>
+                <a:cubicBezTo>
+                  <a:pt x="824796" y="16818"/>
+                  <a:pt x="787902" y="34647"/>
+                  <a:pt x="518160" y="18288"/>
+                </a:cubicBezTo>
+                <a:cubicBezTo>
+                  <a:pt x="248418" y="1930"/>
+                  <a:pt x="133160" y="9205"/>
+                  <a:pt x="0" y="18288"/>
+                </a:cubicBezTo>
+                <a:cubicBezTo>
+                  <a:pt x="-643" y="9451"/>
+                  <a:pt x="-340" y="7114"/>
+                  <a:pt x="0" y="0"/>
+                </a:cubicBezTo>
+                <a:close/>
+              </a:path>
+            </a:pathLst>
+          </a:custGeom>
+          <a:solidFill>
+            <a:schemeClr val="accent2"/>
+          </a:solidFill>
+          <a:ln w="41275" cap="rnd">
+            <a:solidFill>
+              <a:schemeClr val="accent2"/>
+            </a:solidFill>
+            <a:round/>
+            <a:extLst>
+              <a:ext uri="{C807C97D-BFC1-408E-A445-0C87EB9F89A2}">
+                <ask:lineSketchStyleProps xmlns:ask="http://schemas.microsoft.com/office/drawing/2018/sketchyshapes" sd="1219033472">
+                  <a:prstGeom prst="rect">
+                    <a:avLst/>
+                  </a:prstGeom>
+                  <ask:type>
+                    <ask:lineSketchFreehand/>
+                  </ask:type>
+                </ask:lineSketchStyleProps>
+              </a:ext>
+            </a:extLst>
+          </a:ln>
+        </p:spPr>
+        <p:style>
+          <a:lnRef idx="2">
+            <a:schemeClr val="accent1">
+              <a:shade val="50000"/>
+            </a:schemeClr>
+          </a:lnRef>
+          <a:fillRef idx="1">
+            <a:schemeClr val="accent1"/>
+          </a:fillRef>
+          <a:effectRef idx="0">
+            <a:schemeClr val="accent1"/>
+          </a:effectRef>
+          <a:fontRef idx="minor">
+            <a:schemeClr val="lt1"/>
+          </a:fontRef>
+        </p:style>
+        <p:txBody>
+          <a:bodyPr rtlCol="0" anchor="ctr"/>
+          <a:lstStyle/>
+          <a:p>
+            <a:pPr algn="ctr"/>
+            <a:endParaRPr lang="en-US"/>
+          </a:p>
+        </p:txBody>
+      </p:sp>
       <p:sp>
         <p:nvSpPr>
           <p:cNvPr id="6" name="Inhaltsplatzhalter 5">
@@ -4336,21 +7090,16 @@
           <a:lstStyle/>
           <a:p>
             <a:r>
-              <a:rPr lang="de-DE" sz="2200"/>
-              <a:t>Neue Annotation: implemented by ABAP class</a:t>
-            </a:r>
-          </a:p>
-          <a:p>
-            <a:r>
-              <a:rPr lang="de-DE" sz="2200"/>
-              <a:t>Übung: </a:t>
-            </a:r>
-            <a:br>
-              <a:rPr lang="de-DE" sz="2200"/>
-            </a:br>
-            <a:r>
-              <a:rPr lang="de-DE" sz="2200"/>
-              <a:t>Erstelle eine metadata extension für die UI Annotations.</a:t>
+              <a:rPr lang="de-DE" sz="2200" dirty="0"/>
+              <a:t>Neue Annotation: </a:t>
+            </a:r>
+            <a:r>
+              <a:rPr lang="de-DE" sz="2200" dirty="0" err="1"/>
+              <a:t>implementedBy</a:t>
+            </a:r>
+            <a:r>
+              <a:rPr lang="de-DE" sz="2200" dirty="0"/>
+              <a:t>: ‚ABAP_ZCL_FLIEGHTS‘ - ABAP Klasse ZCL_FLIGHTS</a:t>
             </a:r>
           </a:p>
         </p:txBody>
@@ -4370,7 +7119,7 @@
           <p:nvPr/>
         </p:nvPicPr>
         <p:blipFill>
-          <a:blip r:embed="rId2"/>
+          <a:blip r:embed="rId3"/>
           <a:stretch>
             <a:fillRect/>
           </a:stretch>
@@ -4400,7 +7149,7 @@
           <p:nvPr/>
         </p:nvPicPr>
         <p:blipFill>
-          <a:blip r:embed="rId3"/>
+          <a:blip r:embed="rId4"/>
           <a:stretch>
             <a:fillRect/>
           </a:stretch>
@@ -4428,7 +7177,1060 @@
 </p:sld>
 </file>
 
-<file path=ppt/slides/slide11.xml><?xml version="1.0" encoding="utf-8"?>
+<file path=ppt/slides/slide13.xml><?xml version="1.0" encoding="utf-8"?>
+<p:sld xmlns:a="http://schemas.openxmlformats.org/drawingml/2006/main" xmlns:r="http://schemas.openxmlformats.org/officeDocument/2006/relationships" xmlns:p="http://schemas.openxmlformats.org/presentationml/2006/main">
+  <p:cSld>
+    <p:bg>
+      <p:bgPr>
+        <a:solidFill>
+          <a:schemeClr val="bg1"/>
+        </a:solidFill>
+        <a:effectLst/>
+      </p:bgPr>
+    </p:bg>
+    <p:spTree>
+      <p:nvGrpSpPr>
+        <p:cNvPr id="1" name=""/>
+        <p:cNvGrpSpPr/>
+        <p:nvPr/>
+      </p:nvGrpSpPr>
+      <p:grpSpPr>
+        <a:xfrm>
+          <a:off x="0" y="0"/>
+          <a:ext cx="0" cy="0"/>
+          <a:chOff x="0" y="0"/>
+          <a:chExt cx="0" cy="0"/>
+        </a:xfrm>
+      </p:grpSpPr>
+      <p:sp useBgFill="1">
+        <p:nvSpPr>
+          <p:cNvPr id="8" name="Rectangle 7">
+            <a:extLst>
+              <a:ext uri="{FF2B5EF4-FFF2-40B4-BE49-F238E27FC236}">
+                <a16:creationId xmlns:a16="http://schemas.microsoft.com/office/drawing/2014/main" id="{943CAA20-3569-4189-9E48-239A229A86CA}"/>
+              </a:ext>
+              <a:ext uri="{C183D7F6-B498-43B3-948B-1728B52AA6E4}">
+                <adec:decorative xmlns:adec="http://schemas.microsoft.com/office/drawing/2017/decorative" val="1"/>
+              </a:ext>
+            </a:extLst>
+          </p:cNvPr>
+          <p:cNvSpPr>
+            <a:spLocks noGrp="1" noRot="1" noChangeAspect="1" noMove="1" noResize="1" noEditPoints="1" noAdjustHandles="1" noChangeArrowheads="1" noChangeShapeType="1" noTextEdit="1"/>
+          </p:cNvSpPr>
+          <p:nvPr>
+            <p:extLst>
+              <p:ext uri="{386F3935-93C4-4BCD-93E2-E3B085C9AB24}">
+                <p16:designElem xmlns:p16="http://schemas.microsoft.com/office/powerpoint/2015/main" val="1"/>
+              </p:ext>
+            </p:extLst>
+          </p:nvPr>
+        </p:nvSpPr>
+        <p:spPr>
+          <a:xfrm>
+            <a:off x="0" y="0"/>
+            <a:ext cx="12188952" cy="6858000"/>
+          </a:xfrm>
+          <a:prstGeom prst="rect">
+            <a:avLst/>
+          </a:prstGeom>
+          <a:ln>
+            <a:noFill/>
+          </a:ln>
+        </p:spPr>
+        <p:style>
+          <a:lnRef idx="2">
+            <a:schemeClr val="accent1">
+              <a:shade val="50000"/>
+            </a:schemeClr>
+          </a:lnRef>
+          <a:fillRef idx="1">
+            <a:schemeClr val="accent1"/>
+          </a:fillRef>
+          <a:effectRef idx="0">
+            <a:schemeClr val="accent1"/>
+          </a:effectRef>
+          <a:fontRef idx="minor">
+            <a:schemeClr val="lt1"/>
+          </a:fontRef>
+        </p:style>
+        <p:txBody>
+          <a:bodyPr rtlCol="0" anchor="ctr"/>
+          <a:lstStyle/>
+          <a:p>
+            <a:pPr algn="ctr"/>
+            <a:endParaRPr lang="en-US"/>
+          </a:p>
+        </p:txBody>
+      </p:sp>
+      <p:sp>
+        <p:nvSpPr>
+          <p:cNvPr id="2" name="Titel 1">
+            <a:extLst>
+              <a:ext uri="{FF2B5EF4-FFF2-40B4-BE49-F238E27FC236}">
+                <a16:creationId xmlns:a16="http://schemas.microsoft.com/office/drawing/2014/main" id="{239F489C-697B-2DA2-1F06-2C5F239F8EC1}"/>
+              </a:ext>
+            </a:extLst>
+          </p:cNvPr>
+          <p:cNvSpPr>
+            <a:spLocks noGrp="1"/>
+          </p:cNvSpPr>
+          <p:nvPr>
+            <p:ph type="ctrTitle"/>
+          </p:nvPr>
+        </p:nvSpPr>
+        <p:spPr>
+          <a:xfrm>
+            <a:off x="838200" y="451381"/>
+            <a:ext cx="10512552" cy="4066540"/>
+          </a:xfrm>
+        </p:spPr>
+        <p:txBody>
+          <a:bodyPr anchor="b">
+            <a:normAutofit/>
+          </a:bodyPr>
+          <a:lstStyle/>
+          <a:p>
+            <a:pPr algn="l"/>
+            <a:r>
+              <a:rPr lang="de-DE" sz="6600"/>
+              <a:t>Übung</a:t>
+            </a:r>
+          </a:p>
+        </p:txBody>
+      </p:sp>
+      <p:sp>
+        <p:nvSpPr>
+          <p:cNvPr id="3" name="Untertitel 2">
+            <a:extLst>
+              <a:ext uri="{FF2B5EF4-FFF2-40B4-BE49-F238E27FC236}">
+                <a16:creationId xmlns:a16="http://schemas.microsoft.com/office/drawing/2014/main" id="{3459310A-DB35-B7D2-AB51-9A9E12F825DF}"/>
+              </a:ext>
+            </a:extLst>
+          </p:cNvPr>
+          <p:cNvSpPr>
+            <a:spLocks noGrp="1"/>
+          </p:cNvSpPr>
+          <p:nvPr>
+            <p:ph type="subTitle" idx="1"/>
+          </p:nvPr>
+        </p:nvSpPr>
+        <p:spPr>
+          <a:xfrm>
+            <a:off x="838199" y="4983276"/>
+            <a:ext cx="10512552" cy="1126680"/>
+          </a:xfrm>
+        </p:spPr>
+        <p:txBody>
+          <a:bodyPr>
+            <a:normAutofit/>
+          </a:bodyPr>
+          <a:lstStyle/>
+          <a:p>
+            <a:pPr algn="l"/>
+            <a:br>
+              <a:rPr lang="de-DE" sz="2400" dirty="0"/>
+            </a:br>
+            <a:r>
+              <a:rPr lang="de-DE" sz="2400" dirty="0"/>
+              <a:t>Erstelle eine </a:t>
+            </a:r>
+            <a:r>
+              <a:rPr lang="de-DE" sz="2400" dirty="0" err="1"/>
+              <a:t>Metadata</a:t>
+            </a:r>
+            <a:r>
+              <a:rPr lang="de-DE" sz="2400" dirty="0"/>
+              <a:t> </a:t>
+            </a:r>
+            <a:r>
+              <a:rPr lang="de-DE" dirty="0"/>
+              <a:t>E</a:t>
+            </a:r>
+            <a:r>
+              <a:rPr lang="de-DE" sz="2400" dirty="0"/>
+              <a:t>xtension für die UI </a:t>
+            </a:r>
+            <a:r>
+              <a:rPr lang="de-DE" sz="2400" dirty="0" err="1"/>
+              <a:t>Annotations</a:t>
+            </a:r>
+            <a:r>
+              <a:rPr lang="de-DE" dirty="0"/>
+              <a:t> (welche in vorheriger Folie in der Custom Entity aufgelistet sind)</a:t>
+            </a:r>
+            <a:endParaRPr lang="de-DE" sz="2400" dirty="0"/>
+          </a:p>
+          <a:p>
+            <a:pPr algn="l"/>
+            <a:endParaRPr lang="de-DE" dirty="0"/>
+          </a:p>
+        </p:txBody>
+      </p:sp>
+      <p:sp>
+        <p:nvSpPr>
+          <p:cNvPr id="10" name="sketch line">
+            <a:extLst>
+              <a:ext uri="{FF2B5EF4-FFF2-40B4-BE49-F238E27FC236}">
+                <a16:creationId xmlns:a16="http://schemas.microsoft.com/office/drawing/2014/main" id="{DA542B6D-E775-4832-91DC-2D20F857813A}"/>
+              </a:ext>
+              <a:ext uri="{C183D7F6-B498-43B3-948B-1728B52AA6E4}">
+                <adec:decorative xmlns:adec="http://schemas.microsoft.com/office/drawing/2017/decorative" val="1"/>
+              </a:ext>
+            </a:extLst>
+          </p:cNvPr>
+          <p:cNvSpPr>
+            <a:spLocks noGrp="1" noRot="1" noChangeAspect="1" noMove="1" noResize="1" noEditPoints="1" noAdjustHandles="1" noChangeArrowheads="1" noChangeShapeType="1" noTextEdit="1"/>
+          </p:cNvSpPr>
+          <p:nvPr>
+            <p:extLst>
+              <p:ext uri="{386F3935-93C4-4BCD-93E2-E3B085C9AB24}">
+                <p16:designElem xmlns:p16="http://schemas.microsoft.com/office/powerpoint/2015/main" val="1"/>
+              </p:ext>
+            </p:extLst>
+          </p:nvPr>
+        </p:nvSpPr>
+        <p:spPr>
+          <a:xfrm>
+            <a:off x="838200" y="4718595"/>
+            <a:ext cx="5410200" cy="18288"/>
+          </a:xfrm>
+          <a:custGeom>
+            <a:avLst/>
+            <a:gdLst>
+              <a:gd name="connsiteX0" fmla="*/ 0 w 5410200"/>
+              <a:gd name="connsiteY0" fmla="*/ 0 h 18288"/>
+              <a:gd name="connsiteX1" fmla="*/ 568071 w 5410200"/>
+              <a:gd name="connsiteY1" fmla="*/ 0 h 18288"/>
+              <a:gd name="connsiteX2" fmla="*/ 1298448 w 5410200"/>
+              <a:gd name="connsiteY2" fmla="*/ 0 h 18288"/>
+              <a:gd name="connsiteX3" fmla="*/ 1920621 w 5410200"/>
+              <a:gd name="connsiteY3" fmla="*/ 0 h 18288"/>
+              <a:gd name="connsiteX4" fmla="*/ 2488692 w 5410200"/>
+              <a:gd name="connsiteY4" fmla="*/ 0 h 18288"/>
+              <a:gd name="connsiteX5" fmla="*/ 3219069 w 5410200"/>
+              <a:gd name="connsiteY5" fmla="*/ 0 h 18288"/>
+              <a:gd name="connsiteX6" fmla="*/ 3895344 w 5410200"/>
+              <a:gd name="connsiteY6" fmla="*/ 0 h 18288"/>
+              <a:gd name="connsiteX7" fmla="*/ 4571619 w 5410200"/>
+              <a:gd name="connsiteY7" fmla="*/ 0 h 18288"/>
+              <a:gd name="connsiteX8" fmla="*/ 5410200 w 5410200"/>
+              <a:gd name="connsiteY8" fmla="*/ 0 h 18288"/>
+              <a:gd name="connsiteX9" fmla="*/ 5410200 w 5410200"/>
+              <a:gd name="connsiteY9" fmla="*/ 18288 h 18288"/>
+              <a:gd name="connsiteX10" fmla="*/ 4842129 w 5410200"/>
+              <a:gd name="connsiteY10" fmla="*/ 18288 h 18288"/>
+              <a:gd name="connsiteX11" fmla="*/ 4328160 w 5410200"/>
+              <a:gd name="connsiteY11" fmla="*/ 18288 h 18288"/>
+              <a:gd name="connsiteX12" fmla="*/ 3597783 w 5410200"/>
+              <a:gd name="connsiteY12" fmla="*/ 18288 h 18288"/>
+              <a:gd name="connsiteX13" fmla="*/ 3029712 w 5410200"/>
+              <a:gd name="connsiteY13" fmla="*/ 18288 h 18288"/>
+              <a:gd name="connsiteX14" fmla="*/ 2299335 w 5410200"/>
+              <a:gd name="connsiteY14" fmla="*/ 18288 h 18288"/>
+              <a:gd name="connsiteX15" fmla="*/ 1514856 w 5410200"/>
+              <a:gd name="connsiteY15" fmla="*/ 18288 h 18288"/>
+              <a:gd name="connsiteX16" fmla="*/ 892683 w 5410200"/>
+              <a:gd name="connsiteY16" fmla="*/ 18288 h 18288"/>
+              <a:gd name="connsiteX17" fmla="*/ 0 w 5410200"/>
+              <a:gd name="connsiteY17" fmla="*/ 18288 h 18288"/>
+              <a:gd name="connsiteX18" fmla="*/ 0 w 5410200"/>
+              <a:gd name="connsiteY18" fmla="*/ 0 h 18288"/>
+            </a:gdLst>
+            <a:ahLst/>
+            <a:cxnLst>
+              <a:cxn ang="0">
+                <a:pos x="connsiteX0" y="connsiteY0"/>
+              </a:cxn>
+              <a:cxn ang="0">
+                <a:pos x="connsiteX1" y="connsiteY1"/>
+              </a:cxn>
+              <a:cxn ang="0">
+                <a:pos x="connsiteX2" y="connsiteY2"/>
+              </a:cxn>
+              <a:cxn ang="0">
+                <a:pos x="connsiteX3" y="connsiteY3"/>
+              </a:cxn>
+              <a:cxn ang="0">
+                <a:pos x="connsiteX4" y="connsiteY4"/>
+              </a:cxn>
+              <a:cxn ang="0">
+                <a:pos x="connsiteX5" y="connsiteY5"/>
+              </a:cxn>
+              <a:cxn ang="0">
+                <a:pos x="connsiteX6" y="connsiteY6"/>
+              </a:cxn>
+              <a:cxn ang="0">
+                <a:pos x="connsiteX7" y="connsiteY7"/>
+              </a:cxn>
+              <a:cxn ang="0">
+                <a:pos x="connsiteX8" y="connsiteY8"/>
+              </a:cxn>
+              <a:cxn ang="0">
+                <a:pos x="connsiteX9" y="connsiteY9"/>
+              </a:cxn>
+              <a:cxn ang="0">
+                <a:pos x="connsiteX10" y="connsiteY10"/>
+              </a:cxn>
+              <a:cxn ang="0">
+                <a:pos x="connsiteX11" y="connsiteY11"/>
+              </a:cxn>
+              <a:cxn ang="0">
+                <a:pos x="connsiteX12" y="connsiteY12"/>
+              </a:cxn>
+              <a:cxn ang="0">
+                <a:pos x="connsiteX13" y="connsiteY13"/>
+              </a:cxn>
+              <a:cxn ang="0">
+                <a:pos x="connsiteX14" y="connsiteY14"/>
+              </a:cxn>
+              <a:cxn ang="0">
+                <a:pos x="connsiteX15" y="connsiteY15"/>
+              </a:cxn>
+              <a:cxn ang="0">
+                <a:pos x="connsiteX16" y="connsiteY16"/>
+              </a:cxn>
+              <a:cxn ang="0">
+                <a:pos x="connsiteX17" y="connsiteY17"/>
+              </a:cxn>
+              <a:cxn ang="0">
+                <a:pos x="connsiteX18" y="connsiteY18"/>
+              </a:cxn>
+            </a:cxnLst>
+            <a:rect l="l" t="t" r="r" b="b"/>
+            <a:pathLst>
+              <a:path w="5410200" h="18288" fill="none" extrusionOk="0">
+                <a:moveTo>
+                  <a:pt x="0" y="0"/>
+                </a:moveTo>
+                <a:cubicBezTo>
+                  <a:pt x="163050" y="-18707"/>
+                  <a:pt x="319321" y="-16364"/>
+                  <a:pt x="568071" y="0"/>
+                </a:cubicBezTo>
+                <a:cubicBezTo>
+                  <a:pt x="816821" y="16364"/>
+                  <a:pt x="1013224" y="-7268"/>
+                  <a:pt x="1298448" y="0"/>
+                </a:cubicBezTo>
+                <a:cubicBezTo>
+                  <a:pt x="1583672" y="7268"/>
+                  <a:pt x="1631711" y="-3367"/>
+                  <a:pt x="1920621" y="0"/>
+                </a:cubicBezTo>
+                <a:cubicBezTo>
+                  <a:pt x="2209531" y="3367"/>
+                  <a:pt x="2364420" y="-19184"/>
+                  <a:pt x="2488692" y="0"/>
+                </a:cubicBezTo>
+                <a:cubicBezTo>
+                  <a:pt x="2612964" y="19184"/>
+                  <a:pt x="3023298" y="-34627"/>
+                  <a:pt x="3219069" y="0"/>
+                </a:cubicBezTo>
+                <a:cubicBezTo>
+                  <a:pt x="3414840" y="34627"/>
+                  <a:pt x="3656810" y="24043"/>
+                  <a:pt x="3895344" y="0"/>
+                </a:cubicBezTo>
+                <a:cubicBezTo>
+                  <a:pt x="4133879" y="-24043"/>
+                  <a:pt x="4393984" y="-19577"/>
+                  <a:pt x="4571619" y="0"/>
+                </a:cubicBezTo>
+                <a:cubicBezTo>
+                  <a:pt x="4749255" y="19577"/>
+                  <a:pt x="5179928" y="-6281"/>
+                  <a:pt x="5410200" y="0"/>
+                </a:cubicBezTo>
+                <a:cubicBezTo>
+                  <a:pt x="5410730" y="6954"/>
+                  <a:pt x="5410934" y="12839"/>
+                  <a:pt x="5410200" y="18288"/>
+                </a:cubicBezTo>
+                <a:cubicBezTo>
+                  <a:pt x="5139060" y="6751"/>
+                  <a:pt x="5121593" y="31035"/>
+                  <a:pt x="4842129" y="18288"/>
+                </a:cubicBezTo>
+                <a:cubicBezTo>
+                  <a:pt x="4562665" y="5541"/>
+                  <a:pt x="4448273" y="9487"/>
+                  <a:pt x="4328160" y="18288"/>
+                </a:cubicBezTo>
+                <a:cubicBezTo>
+                  <a:pt x="4208047" y="27089"/>
+                  <a:pt x="3760936" y="22567"/>
+                  <a:pt x="3597783" y="18288"/>
+                </a:cubicBezTo>
+                <a:cubicBezTo>
+                  <a:pt x="3434630" y="14009"/>
+                  <a:pt x="3299718" y="33213"/>
+                  <a:pt x="3029712" y="18288"/>
+                </a:cubicBezTo>
+                <a:cubicBezTo>
+                  <a:pt x="2759706" y="3363"/>
+                  <a:pt x="2640159" y="27394"/>
+                  <a:pt x="2299335" y="18288"/>
+                </a:cubicBezTo>
+                <a:cubicBezTo>
+                  <a:pt x="1958511" y="9182"/>
+                  <a:pt x="1801186" y="28985"/>
+                  <a:pt x="1514856" y="18288"/>
+                </a:cubicBezTo>
+                <a:cubicBezTo>
+                  <a:pt x="1228526" y="7591"/>
+                  <a:pt x="1063509" y="-5305"/>
+                  <a:pt x="892683" y="18288"/>
+                </a:cubicBezTo>
+                <a:cubicBezTo>
+                  <a:pt x="721857" y="41881"/>
+                  <a:pt x="186945" y="-20897"/>
+                  <a:pt x="0" y="18288"/>
+                </a:cubicBezTo>
+                <a:cubicBezTo>
+                  <a:pt x="-570" y="9279"/>
+                  <a:pt x="132" y="5100"/>
+                  <a:pt x="0" y="0"/>
+                </a:cubicBezTo>
+                <a:close/>
+              </a:path>
+              <a:path w="5410200" h="18288" stroke="0" extrusionOk="0">
+                <a:moveTo>
+                  <a:pt x="0" y="0"/>
+                </a:moveTo>
+                <a:cubicBezTo>
+                  <a:pt x="285096" y="-4925"/>
+                  <a:pt x="376456" y="22268"/>
+                  <a:pt x="622173" y="0"/>
+                </a:cubicBezTo>
+                <a:cubicBezTo>
+                  <a:pt x="867890" y="-22268"/>
+                  <a:pt x="1031392" y="7228"/>
+                  <a:pt x="1136142" y="0"/>
+                </a:cubicBezTo>
+                <a:cubicBezTo>
+                  <a:pt x="1240892" y="-7228"/>
+                  <a:pt x="1561853" y="9877"/>
+                  <a:pt x="1920621" y="0"/>
+                </a:cubicBezTo>
+                <a:cubicBezTo>
+                  <a:pt x="2279389" y="-9877"/>
+                  <a:pt x="2367255" y="19546"/>
+                  <a:pt x="2542794" y="0"/>
+                </a:cubicBezTo>
+                <a:cubicBezTo>
+                  <a:pt x="2718333" y="-19546"/>
+                  <a:pt x="2866732" y="-22226"/>
+                  <a:pt x="3164967" y="0"/>
+                </a:cubicBezTo>
+                <a:cubicBezTo>
+                  <a:pt x="3463202" y="22226"/>
+                  <a:pt x="3568055" y="-2765"/>
+                  <a:pt x="3949446" y="0"/>
+                </a:cubicBezTo>
+                <a:cubicBezTo>
+                  <a:pt x="4330837" y="2765"/>
+                  <a:pt x="4287895" y="10557"/>
+                  <a:pt x="4517517" y="0"/>
+                </a:cubicBezTo>
+                <a:cubicBezTo>
+                  <a:pt x="4747139" y="-10557"/>
+                  <a:pt x="5149588" y="8716"/>
+                  <a:pt x="5410200" y="0"/>
+                </a:cubicBezTo>
+                <a:cubicBezTo>
+                  <a:pt x="5409517" y="5414"/>
+                  <a:pt x="5409480" y="12510"/>
+                  <a:pt x="5410200" y="18288"/>
+                </a:cubicBezTo>
+                <a:cubicBezTo>
+                  <a:pt x="5163327" y="41494"/>
+                  <a:pt x="5008749" y="10693"/>
+                  <a:pt x="4842129" y="18288"/>
+                </a:cubicBezTo>
+                <a:cubicBezTo>
+                  <a:pt x="4675509" y="25883"/>
+                  <a:pt x="4433401" y="-615"/>
+                  <a:pt x="4165854" y="18288"/>
+                </a:cubicBezTo>
+                <a:cubicBezTo>
+                  <a:pt x="3898308" y="37191"/>
+                  <a:pt x="3809032" y="-8710"/>
+                  <a:pt x="3543681" y="18288"/>
+                </a:cubicBezTo>
+                <a:cubicBezTo>
+                  <a:pt x="3278330" y="45286"/>
+                  <a:pt x="3073876" y="-15917"/>
+                  <a:pt x="2759202" y="18288"/>
+                </a:cubicBezTo>
+                <a:cubicBezTo>
+                  <a:pt x="2444528" y="52493"/>
+                  <a:pt x="2204144" y="3372"/>
+                  <a:pt x="1974723" y="18288"/>
+                </a:cubicBezTo>
+                <a:cubicBezTo>
+                  <a:pt x="1745302" y="33204"/>
+                  <a:pt x="1602335" y="31490"/>
+                  <a:pt x="1406652" y="18288"/>
+                </a:cubicBezTo>
+                <a:cubicBezTo>
+                  <a:pt x="1210969" y="5086"/>
+                  <a:pt x="923948" y="3161"/>
+                  <a:pt x="730377" y="18288"/>
+                </a:cubicBezTo>
+                <a:cubicBezTo>
+                  <a:pt x="536806" y="33415"/>
+                  <a:pt x="336496" y="-141"/>
+                  <a:pt x="0" y="18288"/>
+                </a:cubicBezTo>
+                <a:cubicBezTo>
+                  <a:pt x="-306" y="11061"/>
+                  <a:pt x="-655" y="7751"/>
+                  <a:pt x="0" y="0"/>
+                </a:cubicBezTo>
+                <a:close/>
+              </a:path>
+            </a:pathLst>
+          </a:custGeom>
+          <a:solidFill>
+            <a:schemeClr val="accent2"/>
+          </a:solidFill>
+          <a:ln w="41275" cap="rnd">
+            <a:solidFill>
+              <a:schemeClr val="accent2"/>
+            </a:solidFill>
+            <a:round/>
+            <a:extLst>
+              <a:ext uri="{C807C97D-BFC1-408E-A445-0C87EB9F89A2}">
+                <ask:lineSketchStyleProps xmlns:ask="http://schemas.microsoft.com/office/drawing/2018/sketchyshapes" sd="1219033472">
+                  <a:prstGeom prst="rect">
+                    <a:avLst/>
+                  </a:prstGeom>
+                  <ask:type>
+                    <ask:lineSketchFreehand/>
+                  </ask:type>
+                </ask:lineSketchStyleProps>
+              </a:ext>
+            </a:extLst>
+          </a:ln>
+        </p:spPr>
+        <p:style>
+          <a:lnRef idx="2">
+            <a:schemeClr val="accent1">
+              <a:shade val="50000"/>
+            </a:schemeClr>
+          </a:lnRef>
+          <a:fillRef idx="1">
+            <a:schemeClr val="accent1"/>
+          </a:fillRef>
+          <a:effectRef idx="0">
+            <a:schemeClr val="accent1"/>
+          </a:effectRef>
+          <a:fontRef idx="minor">
+            <a:schemeClr val="lt1"/>
+          </a:fontRef>
+        </p:style>
+        <p:txBody>
+          <a:bodyPr rtlCol="0" anchor="ctr"/>
+          <a:lstStyle/>
+          <a:p>
+            <a:pPr algn="ctr"/>
+            <a:endParaRPr lang="en-US"/>
+          </a:p>
+        </p:txBody>
+      </p:sp>
+    </p:spTree>
+    <p:extLst>
+      <p:ext uri="{BB962C8B-B14F-4D97-AF65-F5344CB8AC3E}">
+        <p14:creationId xmlns:p14="http://schemas.microsoft.com/office/powerpoint/2010/main" val="1630163338"/>
+      </p:ext>
+    </p:extLst>
+  </p:cSld>
+  <p:clrMapOvr>
+    <a:masterClrMapping/>
+  </p:clrMapOvr>
+  <p:timing>
+    <p:tnLst>
+      <p:par>
+        <p:cTn id="1" dur="indefinite" restart="never" nodeType="tmRoot">
+          <p:childTnLst>
+            <p:seq concurrent="1" nextAc="seek">
+              <p:cTn id="2" dur="indefinite" nodeType="mainSeq">
+                <p:childTnLst>
+                  <p:par>
+                    <p:cTn id="3" fill="hold">
+                      <p:stCondLst>
+                        <p:cond delay="indefinite"/>
+                        <p:cond evt="onBegin" delay="0">
+                          <p:tn val="2"/>
+                        </p:cond>
+                      </p:stCondLst>
+                      <p:childTnLst>
+                        <p:par>
+                          <p:cTn id="4" fill="hold">
+                            <p:stCondLst>
+                              <p:cond delay="0"/>
+                            </p:stCondLst>
+                            <p:childTnLst>
+                              <p:par>
+                                <p:cTn id="5" presetID="10" presetClass="entr" presetSubtype="0" fill="hold" grpId="0" nodeType="withEffect">
+                                  <p:stCondLst>
+                                    <p:cond delay="500"/>
+                                  </p:stCondLst>
+                                  <p:iterate type="wd">
+                                    <p:tmPct val="15000"/>
+                                  </p:iterate>
+                                  <p:childTnLst>
+                                    <p:set>
+                                      <p:cBhvr>
+                                        <p:cTn id="6" dur="1" fill="hold">
+                                          <p:stCondLst>
+                                            <p:cond delay="0"/>
+                                          </p:stCondLst>
+                                        </p:cTn>
+                                        <p:tgtEl>
+                                          <p:spTgt spid="2"/>
+                                        </p:tgtEl>
+                                        <p:attrNameLst>
+                                          <p:attrName>style.visibility</p:attrName>
+                                        </p:attrNameLst>
+                                      </p:cBhvr>
+                                      <p:to>
+                                        <p:strVal val="visible"/>
+                                      </p:to>
+                                    </p:set>
+                                    <p:animEffect transition="in" filter="fade">
+                                      <p:cBhvr>
+                                        <p:cTn id="7" dur="1000"/>
+                                        <p:tgtEl>
+                                          <p:spTgt spid="2"/>
+                                        </p:tgtEl>
+                                      </p:cBhvr>
+                                    </p:animEffect>
+                                  </p:childTnLst>
+                                </p:cTn>
+                              </p:par>
+                            </p:childTnLst>
+                          </p:cTn>
+                        </p:par>
+                      </p:childTnLst>
+                    </p:cTn>
+                  </p:par>
+                </p:childTnLst>
+              </p:cTn>
+              <p:prevCondLst>
+                <p:cond evt="onPrev" delay="0">
+                  <p:tgtEl>
+                    <p:sldTgt/>
+                  </p:tgtEl>
+                </p:cond>
+              </p:prevCondLst>
+              <p:nextCondLst>
+                <p:cond evt="onNext" delay="0">
+                  <p:tgtEl>
+                    <p:sldTgt/>
+                  </p:tgtEl>
+                </p:cond>
+              </p:nextCondLst>
+            </p:seq>
+          </p:childTnLst>
+        </p:cTn>
+      </p:par>
+    </p:tnLst>
+    <p:bldLst>
+      <p:bldP spid="2" grpId="0"/>
+    </p:bldLst>
+  </p:timing>
+</p:sld>
+</file>
+
+<file path=ppt/slides/slide14.xml><?xml version="1.0" encoding="utf-8"?>
+<p:sld xmlns:a="http://schemas.openxmlformats.org/drawingml/2006/main" xmlns:r="http://schemas.openxmlformats.org/officeDocument/2006/relationships" xmlns:p="http://schemas.openxmlformats.org/presentationml/2006/main">
+  <p:cSld>
+    <p:bg>
+      <p:bgPr>
+        <a:solidFill>
+          <a:schemeClr val="bg1"/>
+        </a:solidFill>
+        <a:effectLst/>
+      </p:bgPr>
+    </p:bg>
+    <p:spTree>
+      <p:nvGrpSpPr>
+        <p:cNvPr id="1" name=""/>
+        <p:cNvGrpSpPr/>
+        <p:nvPr/>
+      </p:nvGrpSpPr>
+      <p:grpSpPr>
+        <a:xfrm>
+          <a:off x="0" y="0"/>
+          <a:ext cx="0" cy="0"/>
+          <a:chOff x="0" y="0"/>
+          <a:chExt cx="0" cy="0"/>
+        </a:xfrm>
+      </p:grpSpPr>
+      <p:sp useBgFill="1">
+        <p:nvSpPr>
+          <p:cNvPr id="20" name="Rectangle 19">
+            <a:extLst>
+              <a:ext uri="{FF2B5EF4-FFF2-40B4-BE49-F238E27FC236}">
+                <a16:creationId xmlns:a16="http://schemas.microsoft.com/office/drawing/2014/main" id="{69D47016-023F-44BD-981C-50E7A10A6609}"/>
+              </a:ext>
+              <a:ext uri="{C183D7F6-B498-43B3-948B-1728B52AA6E4}">
+                <adec:decorative xmlns:adec="http://schemas.microsoft.com/office/drawing/2017/decorative" val="1"/>
+              </a:ext>
+            </a:extLst>
+          </p:cNvPr>
+          <p:cNvSpPr>
+            <a:spLocks noGrp="1" noRot="1" noChangeAspect="1" noMove="1" noResize="1" noEditPoints="1" noAdjustHandles="1" noChangeArrowheads="1" noChangeShapeType="1" noTextEdit="1"/>
+          </p:cNvSpPr>
+          <p:nvPr>
+            <p:extLst>
+              <p:ext uri="{386F3935-93C4-4BCD-93E2-E3B085C9AB24}">
+                <p16:designElem xmlns:p16="http://schemas.microsoft.com/office/powerpoint/2015/main" val="1"/>
+              </p:ext>
+            </p:extLst>
+          </p:nvPr>
+        </p:nvSpPr>
+        <p:spPr>
+          <a:xfrm>
+            <a:off x="0" y="0"/>
+            <a:ext cx="12188952" cy="6858000"/>
+          </a:xfrm>
+          <a:prstGeom prst="rect">
+            <a:avLst/>
+          </a:prstGeom>
+          <a:ln>
+            <a:noFill/>
+          </a:ln>
+        </p:spPr>
+        <p:style>
+          <a:lnRef idx="2">
+            <a:schemeClr val="accent1">
+              <a:shade val="50000"/>
+            </a:schemeClr>
+          </a:lnRef>
+          <a:fillRef idx="1">
+            <a:schemeClr val="accent1"/>
+          </a:fillRef>
+          <a:effectRef idx="0">
+            <a:schemeClr val="accent1"/>
+          </a:effectRef>
+          <a:fontRef idx="minor">
+            <a:schemeClr val="lt1"/>
+          </a:fontRef>
+        </p:style>
+        <p:txBody>
+          <a:bodyPr rtlCol="0" anchor="ctr"/>
+          <a:lstStyle/>
+          <a:p>
+            <a:pPr algn="ctr"/>
+            <a:endParaRPr lang="en-US" dirty="0"/>
+          </a:p>
+        </p:txBody>
+      </p:sp>
+      <p:sp>
+        <p:nvSpPr>
+          <p:cNvPr id="2" name="Titel 1">
+            <a:extLst>
+              <a:ext uri="{FF2B5EF4-FFF2-40B4-BE49-F238E27FC236}">
+                <a16:creationId xmlns:a16="http://schemas.microsoft.com/office/drawing/2014/main" id="{EEB3B3A1-55EF-117C-A09F-69F361AA8253}"/>
+              </a:ext>
+            </a:extLst>
+          </p:cNvPr>
+          <p:cNvSpPr>
+            <a:spLocks noGrp="1"/>
+          </p:cNvSpPr>
+          <p:nvPr>
+            <p:ph type="title"/>
+          </p:nvPr>
+        </p:nvSpPr>
+        <p:spPr>
+          <a:xfrm>
+            <a:off x="630936" y="457200"/>
+            <a:ext cx="4343400" cy="1929384"/>
+          </a:xfrm>
+        </p:spPr>
+        <p:txBody>
+          <a:bodyPr anchor="ctr">
+            <a:normAutofit fontScale="90000"/>
+          </a:bodyPr>
+          <a:lstStyle/>
+          <a:p>
+            <a:r>
+              <a:rPr lang="de-DE" sz="4800" dirty="0"/>
+              <a:t>Erstellen der  Service Definition</a:t>
+            </a:r>
+          </a:p>
+        </p:txBody>
+      </p:sp>
+      <p:sp>
+        <p:nvSpPr>
+          <p:cNvPr id="22" name="sketchy line">
+            <a:extLst>
+              <a:ext uri="{FF2B5EF4-FFF2-40B4-BE49-F238E27FC236}">
+                <a16:creationId xmlns:a16="http://schemas.microsoft.com/office/drawing/2014/main" id="{6D8B37B0-0682-433E-BC8D-498C04ABD9A7}"/>
+              </a:ext>
+              <a:ext uri="{C183D7F6-B498-43B3-948B-1728B52AA6E4}">
+                <adec:decorative xmlns:adec="http://schemas.microsoft.com/office/drawing/2017/decorative" val="1"/>
+              </a:ext>
+            </a:extLst>
+          </p:cNvPr>
+          <p:cNvSpPr>
+            <a:spLocks noGrp="1" noRot="1" noChangeAspect="1" noMove="1" noResize="1" noEditPoints="1" noAdjustHandles="1" noChangeArrowheads="1" noChangeShapeType="1" noTextEdit="1"/>
+          </p:cNvSpPr>
+          <p:nvPr>
+            <p:extLst>
+              <p:ext uri="{386F3935-93C4-4BCD-93E2-E3B085C9AB24}">
+                <p16:designElem xmlns:p16="http://schemas.microsoft.com/office/powerpoint/2015/main" val="1"/>
+              </p:ext>
+            </p:extLst>
+          </p:nvPr>
+        </p:nvSpPr>
+        <p:spPr>
+          <a:xfrm rot="5400000">
+            <a:off x="4471415" y="1412748"/>
+            <a:ext cx="1554480" cy="18288"/>
+          </a:xfrm>
+          <a:custGeom>
+            <a:avLst/>
+            <a:gdLst>
+              <a:gd name="connsiteX0" fmla="*/ 0 w 1554480"/>
+              <a:gd name="connsiteY0" fmla="*/ 0 h 18288"/>
+              <a:gd name="connsiteX1" fmla="*/ 549250 w 1554480"/>
+              <a:gd name="connsiteY1" fmla="*/ 0 h 18288"/>
+              <a:gd name="connsiteX2" fmla="*/ 1082954 w 1554480"/>
+              <a:gd name="connsiteY2" fmla="*/ 0 h 18288"/>
+              <a:gd name="connsiteX3" fmla="*/ 1554480 w 1554480"/>
+              <a:gd name="connsiteY3" fmla="*/ 0 h 18288"/>
+              <a:gd name="connsiteX4" fmla="*/ 1554480 w 1554480"/>
+              <a:gd name="connsiteY4" fmla="*/ 18288 h 18288"/>
+              <a:gd name="connsiteX5" fmla="*/ 1067410 w 1554480"/>
+              <a:gd name="connsiteY5" fmla="*/ 18288 h 18288"/>
+              <a:gd name="connsiteX6" fmla="*/ 549250 w 1554480"/>
+              <a:gd name="connsiteY6" fmla="*/ 18288 h 18288"/>
+              <a:gd name="connsiteX7" fmla="*/ 0 w 1554480"/>
+              <a:gd name="connsiteY7" fmla="*/ 18288 h 18288"/>
+              <a:gd name="connsiteX8" fmla="*/ 0 w 1554480"/>
+              <a:gd name="connsiteY8" fmla="*/ 0 h 18288"/>
+            </a:gdLst>
+            <a:ahLst/>
+            <a:cxnLst>
+              <a:cxn ang="0">
+                <a:pos x="connsiteX0" y="connsiteY0"/>
+              </a:cxn>
+              <a:cxn ang="0">
+                <a:pos x="connsiteX1" y="connsiteY1"/>
+              </a:cxn>
+              <a:cxn ang="0">
+                <a:pos x="connsiteX2" y="connsiteY2"/>
+              </a:cxn>
+              <a:cxn ang="0">
+                <a:pos x="connsiteX3" y="connsiteY3"/>
+              </a:cxn>
+              <a:cxn ang="0">
+                <a:pos x="connsiteX4" y="connsiteY4"/>
+              </a:cxn>
+              <a:cxn ang="0">
+                <a:pos x="connsiteX5" y="connsiteY5"/>
+              </a:cxn>
+              <a:cxn ang="0">
+                <a:pos x="connsiteX6" y="connsiteY6"/>
+              </a:cxn>
+              <a:cxn ang="0">
+                <a:pos x="connsiteX7" y="connsiteY7"/>
+              </a:cxn>
+              <a:cxn ang="0">
+                <a:pos x="connsiteX8" y="connsiteY8"/>
+              </a:cxn>
+            </a:cxnLst>
+            <a:rect l="l" t="t" r="r" b="b"/>
+            <a:pathLst>
+              <a:path w="1554480" h="18288" fill="none" extrusionOk="0">
+                <a:moveTo>
+                  <a:pt x="0" y="0"/>
+                </a:moveTo>
+                <a:cubicBezTo>
+                  <a:pt x="114141" y="-19864"/>
+                  <a:pt x="345055" y="-1657"/>
+                  <a:pt x="549250" y="0"/>
+                </a:cubicBezTo>
+                <a:cubicBezTo>
+                  <a:pt x="753445" y="1657"/>
+                  <a:pt x="862292" y="-5674"/>
+                  <a:pt x="1082954" y="0"/>
+                </a:cubicBezTo>
+                <a:cubicBezTo>
+                  <a:pt x="1303616" y="5674"/>
+                  <a:pt x="1363530" y="4537"/>
+                  <a:pt x="1554480" y="0"/>
+                </a:cubicBezTo>
+                <a:cubicBezTo>
+                  <a:pt x="1554963" y="7176"/>
+                  <a:pt x="1553909" y="13682"/>
+                  <a:pt x="1554480" y="18288"/>
+                </a:cubicBezTo>
+                <a:cubicBezTo>
+                  <a:pt x="1338847" y="6127"/>
+                  <a:pt x="1215066" y="37851"/>
+                  <a:pt x="1067410" y="18288"/>
+                </a:cubicBezTo>
+                <a:cubicBezTo>
+                  <a:pt x="919754" y="-1275"/>
+                  <a:pt x="800465" y="3080"/>
+                  <a:pt x="549250" y="18288"/>
+                </a:cubicBezTo>
+                <a:cubicBezTo>
+                  <a:pt x="298035" y="33496"/>
+                  <a:pt x="158868" y="22769"/>
+                  <a:pt x="0" y="18288"/>
+                </a:cubicBezTo>
+                <a:cubicBezTo>
+                  <a:pt x="-655" y="13237"/>
+                  <a:pt x="709" y="4645"/>
+                  <a:pt x="0" y="0"/>
+                </a:cubicBezTo>
+                <a:close/>
+              </a:path>
+              <a:path w="1554480" h="18288" stroke="0" extrusionOk="0">
+                <a:moveTo>
+                  <a:pt x="0" y="0"/>
+                </a:moveTo>
+                <a:cubicBezTo>
+                  <a:pt x="249941" y="-58"/>
+                  <a:pt x="367334" y="23448"/>
+                  <a:pt x="502615" y="0"/>
+                </a:cubicBezTo>
+                <a:cubicBezTo>
+                  <a:pt x="637897" y="-23448"/>
+                  <a:pt x="813653" y="-20418"/>
+                  <a:pt x="974141" y="0"/>
+                </a:cubicBezTo>
+                <a:cubicBezTo>
+                  <a:pt x="1134629" y="20418"/>
+                  <a:pt x="1268772" y="6288"/>
+                  <a:pt x="1554480" y="0"/>
+                </a:cubicBezTo>
+                <a:cubicBezTo>
+                  <a:pt x="1554917" y="7222"/>
+                  <a:pt x="1555359" y="13299"/>
+                  <a:pt x="1554480" y="18288"/>
+                </a:cubicBezTo>
+                <a:cubicBezTo>
+                  <a:pt x="1336087" y="12172"/>
+                  <a:pt x="1310024" y="19759"/>
+                  <a:pt x="1067410" y="18288"/>
+                </a:cubicBezTo>
+                <a:cubicBezTo>
+                  <a:pt x="824796" y="16818"/>
+                  <a:pt x="787902" y="34647"/>
+                  <a:pt x="518160" y="18288"/>
+                </a:cubicBezTo>
+                <a:cubicBezTo>
+                  <a:pt x="248418" y="1930"/>
+                  <a:pt x="133160" y="9205"/>
+                  <a:pt x="0" y="18288"/>
+                </a:cubicBezTo>
+                <a:cubicBezTo>
+                  <a:pt x="-643" y="9451"/>
+                  <a:pt x="-340" y="7114"/>
+                  <a:pt x="0" y="0"/>
+                </a:cubicBezTo>
+                <a:close/>
+              </a:path>
+            </a:pathLst>
+          </a:custGeom>
+          <a:solidFill>
+            <a:schemeClr val="accent2"/>
+          </a:solidFill>
+          <a:ln w="41275" cap="rnd">
+            <a:solidFill>
+              <a:schemeClr val="accent2"/>
+            </a:solidFill>
+            <a:round/>
+            <a:extLst>
+              <a:ext uri="{C807C97D-BFC1-408E-A445-0C87EB9F89A2}">
+                <ask:lineSketchStyleProps xmlns:ask="http://schemas.microsoft.com/office/drawing/2018/sketchyshapes" sd="1219033472">
+                  <a:prstGeom prst="rect">
+                    <a:avLst/>
+                  </a:prstGeom>
+                  <ask:type>
+                    <ask:lineSketchFreehand/>
+                  </ask:type>
+                </ask:lineSketchStyleProps>
+              </a:ext>
+            </a:extLst>
+          </a:ln>
+        </p:spPr>
+        <p:style>
+          <a:lnRef idx="2">
+            <a:schemeClr val="accent1">
+              <a:shade val="50000"/>
+            </a:schemeClr>
+          </a:lnRef>
+          <a:fillRef idx="1">
+            <a:schemeClr val="accent1"/>
+          </a:fillRef>
+          <a:effectRef idx="0">
+            <a:schemeClr val="accent1"/>
+          </a:effectRef>
+          <a:fontRef idx="minor">
+            <a:schemeClr val="lt1"/>
+          </a:fontRef>
+        </p:style>
+        <p:txBody>
+          <a:bodyPr rtlCol="0" anchor="ctr"/>
+          <a:lstStyle/>
+          <a:p>
+            <a:pPr algn="ctr"/>
+            <a:endParaRPr lang="en-US"/>
+          </a:p>
+        </p:txBody>
+      </p:sp>
+      <p:pic>
+        <p:nvPicPr>
+          <p:cNvPr id="3" name="Inhaltsplatzhalter 3">
+            <a:extLst>
+              <a:ext uri="{FF2B5EF4-FFF2-40B4-BE49-F238E27FC236}">
+                <a16:creationId xmlns:a16="http://schemas.microsoft.com/office/drawing/2014/main" id="{A9A77C01-FB31-380C-519A-F0D96B398377}"/>
+              </a:ext>
+            </a:extLst>
+          </p:cNvPr>
+          <p:cNvPicPr>
+            <a:picLocks noChangeAspect="1"/>
+          </p:cNvPicPr>
+          <p:nvPr/>
+        </p:nvPicPr>
+        <p:blipFill>
+          <a:blip r:embed="rId3"/>
+          <a:stretch>
+            <a:fillRect/>
+          </a:stretch>
+        </p:blipFill>
+        <p:spPr>
+          <a:xfrm>
+            <a:off x="745843" y="2493981"/>
+            <a:ext cx="7214616" cy="4256622"/>
+          </a:xfrm>
+          <a:prstGeom prst="rect">
+            <a:avLst/>
+          </a:prstGeom>
+        </p:spPr>
+      </p:pic>
+    </p:spTree>
+    <p:extLst>
+      <p:ext uri="{BB962C8B-B14F-4D97-AF65-F5344CB8AC3E}">
+        <p14:creationId xmlns:p14="http://schemas.microsoft.com/office/powerpoint/2010/main" val="2519416698"/>
+      </p:ext>
+    </p:extLst>
+  </p:cSld>
+  <p:clrMapOvr>
+    <a:masterClrMapping/>
+  </p:clrMapOvr>
+</p:sld>
+</file>
+
+<file path=ppt/slides/slide15.xml><?xml version="1.0" encoding="utf-8"?>
 <p:sld xmlns:a="http://schemas.openxmlformats.org/drawingml/2006/main" xmlns:r="http://schemas.openxmlformats.org/officeDocument/2006/relationships" xmlns:p="http://schemas.openxmlformats.org/presentationml/2006/main">
   <p:cSld>
     <p:bg>
@@ -4518,7 +8320,7 @@
           <p:cNvPr id="2" name="Titel 1">
             <a:extLst>
               <a:ext uri="{FF2B5EF4-FFF2-40B4-BE49-F238E27FC236}">
-                <a16:creationId xmlns:a16="http://schemas.microsoft.com/office/drawing/2014/main" id="{F29DDE0D-039A-AC77-4496-CA18A7D0AEA0}"/>
+                <a16:creationId xmlns:a16="http://schemas.microsoft.com/office/drawing/2014/main" id="{34C7A8B6-7162-3B1F-0E2D-383DDF4ABB56}"/>
               </a:ext>
             </a:extLst>
           </p:cNvPr>
@@ -4542,7 +8344,7 @@
           <a:lstStyle/>
           <a:p>
             <a:r>
-              <a:rPr lang="en-US" sz="6100" kern="1200">
+              <a:rPr lang="en-US" sz="4600" kern="1200">
                 <a:solidFill>
                   <a:schemeClr val="tx1"/>
                 </a:solidFill>
@@ -4550,7 +8352,7 @@
                 <a:ea typeface="+mj-ea"/>
                 <a:cs typeface="+mj-cs"/>
               </a:rPr>
-              <a:t>Ersttelle die Service Definition</a:t>
+              <a:t>Erstelle und Veröffentliche das Service Binding</a:t>
             </a:r>
           </a:p>
         </p:txBody>
@@ -4830,451 +8632,6 @@
       </p:sp>
       <p:pic>
         <p:nvPicPr>
-          <p:cNvPr id="4" name="Inhaltsplatzhalter 3">
-            <a:extLst>
-              <a:ext uri="{FF2B5EF4-FFF2-40B4-BE49-F238E27FC236}">
-                <a16:creationId xmlns:a16="http://schemas.microsoft.com/office/drawing/2014/main" id="{9EA2632F-F5BF-53BE-69D4-63E78F9FA478}"/>
-              </a:ext>
-            </a:extLst>
-          </p:cNvPr>
-          <p:cNvPicPr>
-            <a:picLocks noGrp="1" noChangeAspect="1"/>
-          </p:cNvPicPr>
-          <p:nvPr>
-            <p:ph idx="1"/>
-          </p:nvPr>
-        </p:nvPicPr>
-        <p:blipFill>
-          <a:blip r:embed="rId2"/>
-          <a:stretch>
-            <a:fillRect/>
-          </a:stretch>
-        </p:blipFill>
-        <p:spPr>
-          <a:xfrm>
-            <a:off x="4654296" y="1286973"/>
-            <a:ext cx="7214616" cy="4256622"/>
-          </a:xfrm>
-          <a:prstGeom prst="rect">
-            <a:avLst/>
-          </a:prstGeom>
-        </p:spPr>
-      </p:pic>
-    </p:spTree>
-    <p:extLst>
-      <p:ext uri="{BB962C8B-B14F-4D97-AF65-F5344CB8AC3E}">
-        <p14:creationId xmlns:p14="http://schemas.microsoft.com/office/powerpoint/2010/main" val="2839192641"/>
-      </p:ext>
-    </p:extLst>
-  </p:cSld>
-  <p:clrMapOvr>
-    <a:masterClrMapping/>
-  </p:clrMapOvr>
-</p:sld>
-</file>
-
-<file path=ppt/slides/slide12.xml><?xml version="1.0" encoding="utf-8"?>
-<p:sld xmlns:a="http://schemas.openxmlformats.org/drawingml/2006/main" xmlns:r="http://schemas.openxmlformats.org/officeDocument/2006/relationships" xmlns:p="http://schemas.openxmlformats.org/presentationml/2006/main">
-  <p:cSld>
-    <p:bg>
-      <p:bgPr>
-        <a:solidFill>
-          <a:schemeClr val="bg1"/>
-        </a:solidFill>
-        <a:effectLst/>
-      </p:bgPr>
-    </p:bg>
-    <p:spTree>
-      <p:nvGrpSpPr>
-        <p:cNvPr id="1" name=""/>
-        <p:cNvGrpSpPr/>
-        <p:nvPr/>
-      </p:nvGrpSpPr>
-      <p:grpSpPr>
-        <a:xfrm>
-          <a:off x="0" y="0"/>
-          <a:ext cx="0" cy="0"/>
-          <a:chOff x="0" y="0"/>
-          <a:chExt cx="0" cy="0"/>
-        </a:xfrm>
-      </p:grpSpPr>
-      <p:sp useBgFill="1">
-        <p:nvSpPr>
-          <p:cNvPr id="9" name="Rectangle 8">
-            <a:extLst>
-              <a:ext uri="{FF2B5EF4-FFF2-40B4-BE49-F238E27FC236}">
-                <a16:creationId xmlns:a16="http://schemas.microsoft.com/office/drawing/2014/main" id="{665DBBEF-238B-476B-96AB-8AAC3224ECEA}"/>
-              </a:ext>
-              <a:ext uri="{C183D7F6-B498-43B3-948B-1728B52AA6E4}">
-                <adec:decorative xmlns:adec="http://schemas.microsoft.com/office/drawing/2017/decorative" val="1"/>
-              </a:ext>
-            </a:extLst>
-          </p:cNvPr>
-          <p:cNvSpPr>
-            <a:spLocks noGrp="1" noRot="1" noChangeAspect="1" noMove="1" noResize="1" noEditPoints="1" noAdjustHandles="1" noChangeArrowheads="1" noChangeShapeType="1" noTextEdit="1"/>
-          </p:cNvSpPr>
-          <p:nvPr>
-            <p:extLst>
-              <p:ext uri="{386F3935-93C4-4BCD-93E2-E3B085C9AB24}">
-                <p16:designElem xmlns:p16="http://schemas.microsoft.com/office/powerpoint/2015/main" val="1"/>
-              </p:ext>
-            </p:extLst>
-          </p:nvPr>
-        </p:nvSpPr>
-        <p:spPr>
-          <a:xfrm>
-            <a:off x="0" y="0"/>
-            <a:ext cx="12192000" cy="6858000"/>
-          </a:xfrm>
-          <a:prstGeom prst="rect">
-            <a:avLst/>
-          </a:prstGeom>
-          <a:ln>
-            <a:noFill/>
-          </a:ln>
-        </p:spPr>
-        <p:style>
-          <a:lnRef idx="2">
-            <a:schemeClr val="accent1">
-              <a:shade val="50000"/>
-            </a:schemeClr>
-          </a:lnRef>
-          <a:fillRef idx="1">
-            <a:schemeClr val="accent1"/>
-          </a:fillRef>
-          <a:effectRef idx="0">
-            <a:schemeClr val="accent1"/>
-          </a:effectRef>
-          <a:fontRef idx="minor">
-            <a:schemeClr val="lt1"/>
-          </a:fontRef>
-        </p:style>
-        <p:txBody>
-          <a:bodyPr rtlCol="0" anchor="ctr"/>
-          <a:lstStyle/>
-          <a:p>
-            <a:pPr algn="ctr"/>
-            <a:endParaRPr lang="en-US"/>
-          </a:p>
-        </p:txBody>
-      </p:sp>
-      <p:sp>
-        <p:nvSpPr>
-          <p:cNvPr id="2" name="Titel 1">
-            <a:extLst>
-              <a:ext uri="{FF2B5EF4-FFF2-40B4-BE49-F238E27FC236}">
-                <a16:creationId xmlns:a16="http://schemas.microsoft.com/office/drawing/2014/main" id="{34C7A8B6-7162-3B1F-0E2D-383DDF4ABB56}"/>
-              </a:ext>
-            </a:extLst>
-          </p:cNvPr>
-          <p:cNvSpPr>
-            <a:spLocks noGrp="1"/>
-          </p:cNvSpPr>
-          <p:nvPr>
-            <p:ph type="title"/>
-          </p:nvPr>
-        </p:nvSpPr>
-        <p:spPr>
-          <a:xfrm>
-            <a:off x="638882" y="639193"/>
-            <a:ext cx="3571810" cy="3573516"/>
-          </a:xfrm>
-        </p:spPr>
-        <p:txBody>
-          <a:bodyPr vert="horz" lIns="91440" tIns="45720" rIns="91440" bIns="45720" rtlCol="0" anchor="b">
-            <a:normAutofit/>
-          </a:bodyPr>
-          <a:lstStyle/>
-          <a:p>
-            <a:r>
-              <a:rPr lang="en-US" sz="4600" kern="1200">
-                <a:solidFill>
-                  <a:schemeClr val="tx1"/>
-                </a:solidFill>
-                <a:latin typeface="+mj-lt"/>
-                <a:ea typeface="+mj-ea"/>
-                <a:cs typeface="+mj-cs"/>
-              </a:rPr>
-              <a:t>Erstelle und Veröffentliche das Service Binding</a:t>
-            </a:r>
-          </a:p>
-        </p:txBody>
-      </p:sp>
-      <p:sp>
-        <p:nvSpPr>
-          <p:cNvPr id="11" name="sketch line">
-            <a:extLst>
-              <a:ext uri="{FF2B5EF4-FFF2-40B4-BE49-F238E27FC236}">
-                <a16:creationId xmlns:a16="http://schemas.microsoft.com/office/drawing/2014/main" id="{3FCFB1DE-0B7E-48CC-BA90-B2AB0889F9D6}"/>
-              </a:ext>
-              <a:ext uri="{C183D7F6-B498-43B3-948B-1728B52AA6E4}">
-                <adec:decorative xmlns:adec="http://schemas.microsoft.com/office/drawing/2017/decorative" val="1"/>
-              </a:ext>
-            </a:extLst>
-          </p:cNvPr>
-          <p:cNvSpPr>
-            <a:spLocks noGrp="1" noRot="1" noChangeAspect="1" noMove="1" noResize="1" noEditPoints="1" noAdjustHandles="1" noChangeArrowheads="1" noChangeShapeType="1" noTextEdit="1"/>
-          </p:cNvSpPr>
-          <p:nvPr>
-            <p:extLst>
-              <p:ext uri="{386F3935-93C4-4BCD-93E2-E3B085C9AB24}">
-                <p16:designElem xmlns:p16="http://schemas.microsoft.com/office/powerpoint/2015/main" val="1"/>
-              </p:ext>
-            </p:extLst>
-          </p:nvPr>
-        </p:nvSpPr>
-        <p:spPr>
-          <a:xfrm>
-            <a:off x="643278" y="4409267"/>
-            <a:ext cx="3255095" cy="18288"/>
-          </a:xfrm>
-          <a:custGeom>
-            <a:avLst/>
-            <a:gdLst>
-              <a:gd name="connsiteX0" fmla="*/ 0 w 3255095"/>
-              <a:gd name="connsiteY0" fmla="*/ 0 h 18288"/>
-              <a:gd name="connsiteX1" fmla="*/ 618468 w 3255095"/>
-              <a:gd name="connsiteY1" fmla="*/ 0 h 18288"/>
-              <a:gd name="connsiteX2" fmla="*/ 1269487 w 3255095"/>
-              <a:gd name="connsiteY2" fmla="*/ 0 h 18288"/>
-              <a:gd name="connsiteX3" fmla="*/ 1953057 w 3255095"/>
-              <a:gd name="connsiteY3" fmla="*/ 0 h 18288"/>
-              <a:gd name="connsiteX4" fmla="*/ 2636627 w 3255095"/>
-              <a:gd name="connsiteY4" fmla="*/ 0 h 18288"/>
-              <a:gd name="connsiteX5" fmla="*/ 3255095 w 3255095"/>
-              <a:gd name="connsiteY5" fmla="*/ 0 h 18288"/>
-              <a:gd name="connsiteX6" fmla="*/ 3255095 w 3255095"/>
-              <a:gd name="connsiteY6" fmla="*/ 18288 h 18288"/>
-              <a:gd name="connsiteX7" fmla="*/ 2538974 w 3255095"/>
-              <a:gd name="connsiteY7" fmla="*/ 18288 h 18288"/>
-              <a:gd name="connsiteX8" fmla="*/ 1822853 w 3255095"/>
-              <a:gd name="connsiteY8" fmla="*/ 18288 h 18288"/>
-              <a:gd name="connsiteX9" fmla="*/ 1171834 w 3255095"/>
-              <a:gd name="connsiteY9" fmla="*/ 18288 h 18288"/>
-              <a:gd name="connsiteX10" fmla="*/ 0 w 3255095"/>
-              <a:gd name="connsiteY10" fmla="*/ 18288 h 18288"/>
-              <a:gd name="connsiteX11" fmla="*/ 0 w 3255095"/>
-              <a:gd name="connsiteY11" fmla="*/ 0 h 18288"/>
-            </a:gdLst>
-            <a:ahLst/>
-            <a:cxnLst>
-              <a:cxn ang="0">
-                <a:pos x="connsiteX0" y="connsiteY0"/>
-              </a:cxn>
-              <a:cxn ang="0">
-                <a:pos x="connsiteX1" y="connsiteY1"/>
-              </a:cxn>
-              <a:cxn ang="0">
-                <a:pos x="connsiteX2" y="connsiteY2"/>
-              </a:cxn>
-              <a:cxn ang="0">
-                <a:pos x="connsiteX3" y="connsiteY3"/>
-              </a:cxn>
-              <a:cxn ang="0">
-                <a:pos x="connsiteX4" y="connsiteY4"/>
-              </a:cxn>
-              <a:cxn ang="0">
-                <a:pos x="connsiteX5" y="connsiteY5"/>
-              </a:cxn>
-              <a:cxn ang="0">
-                <a:pos x="connsiteX6" y="connsiteY6"/>
-              </a:cxn>
-              <a:cxn ang="0">
-                <a:pos x="connsiteX7" y="connsiteY7"/>
-              </a:cxn>
-              <a:cxn ang="0">
-                <a:pos x="connsiteX8" y="connsiteY8"/>
-              </a:cxn>
-              <a:cxn ang="0">
-                <a:pos x="connsiteX9" y="connsiteY9"/>
-              </a:cxn>
-              <a:cxn ang="0">
-                <a:pos x="connsiteX10" y="connsiteY10"/>
-              </a:cxn>
-              <a:cxn ang="0">
-                <a:pos x="connsiteX11" y="connsiteY11"/>
-              </a:cxn>
-            </a:cxnLst>
-            <a:rect l="l" t="t" r="r" b="b"/>
-            <a:pathLst>
-              <a:path w="3255095" h="18288" fill="none" extrusionOk="0">
-                <a:moveTo>
-                  <a:pt x="0" y="0"/>
-                </a:moveTo>
-                <a:cubicBezTo>
-                  <a:pt x="240201" y="-22123"/>
-                  <a:pt x="462021" y="-19623"/>
-                  <a:pt x="618468" y="0"/>
-                </a:cubicBezTo>
-                <a:cubicBezTo>
-                  <a:pt x="774915" y="19623"/>
-                  <a:pt x="974734" y="2035"/>
-                  <a:pt x="1269487" y="0"/>
-                </a:cubicBezTo>
-                <a:cubicBezTo>
-                  <a:pt x="1564240" y="-2035"/>
-                  <a:pt x="1733579" y="10639"/>
-                  <a:pt x="1953057" y="0"/>
-                </a:cubicBezTo>
-                <a:cubicBezTo>
-                  <a:pt x="2172535" y="-10639"/>
-                  <a:pt x="2453962" y="14018"/>
-                  <a:pt x="2636627" y="0"/>
-                </a:cubicBezTo>
-                <a:cubicBezTo>
-                  <a:pt x="2819292" y="-14018"/>
-                  <a:pt x="3121375" y="5399"/>
-                  <a:pt x="3255095" y="0"/>
-                </a:cubicBezTo>
-                <a:cubicBezTo>
-                  <a:pt x="3254386" y="8157"/>
-                  <a:pt x="3254682" y="12125"/>
-                  <a:pt x="3255095" y="18288"/>
-                </a:cubicBezTo>
-                <a:cubicBezTo>
-                  <a:pt x="3088545" y="23203"/>
-                  <a:pt x="2687475" y="7419"/>
-                  <a:pt x="2538974" y="18288"/>
-                </a:cubicBezTo>
-                <a:cubicBezTo>
-                  <a:pt x="2390473" y="29157"/>
-                  <a:pt x="2137381" y="-8959"/>
-                  <a:pt x="1822853" y="18288"/>
-                </a:cubicBezTo>
-                <a:cubicBezTo>
-                  <a:pt x="1508325" y="45535"/>
-                  <a:pt x="1466437" y="20385"/>
-                  <a:pt x="1171834" y="18288"/>
-                </a:cubicBezTo>
-                <a:cubicBezTo>
-                  <a:pt x="877231" y="16191"/>
-                  <a:pt x="561097" y="37643"/>
-                  <a:pt x="0" y="18288"/>
-                </a:cubicBezTo>
-                <a:cubicBezTo>
-                  <a:pt x="-46" y="12483"/>
-                  <a:pt x="-203" y="6491"/>
-                  <a:pt x="0" y="0"/>
-                </a:cubicBezTo>
-                <a:close/>
-              </a:path>
-              <a:path w="3255095" h="18288" stroke="0" extrusionOk="0">
-                <a:moveTo>
-                  <a:pt x="0" y="0"/>
-                </a:moveTo>
-                <a:cubicBezTo>
-                  <a:pt x="291965" y="19429"/>
-                  <a:pt x="363155" y="8568"/>
-                  <a:pt x="618468" y="0"/>
-                </a:cubicBezTo>
-                <a:cubicBezTo>
-                  <a:pt x="873781" y="-8568"/>
-                  <a:pt x="904459" y="-19505"/>
-                  <a:pt x="1171834" y="0"/>
-                </a:cubicBezTo>
-                <a:cubicBezTo>
-                  <a:pt x="1439209" y="19505"/>
-                  <a:pt x="1744369" y="9790"/>
-                  <a:pt x="1887955" y="0"/>
-                </a:cubicBezTo>
-                <a:cubicBezTo>
-                  <a:pt x="2031541" y="-9790"/>
-                  <a:pt x="2346378" y="21240"/>
-                  <a:pt x="2506423" y="0"/>
-                </a:cubicBezTo>
-                <a:cubicBezTo>
-                  <a:pt x="2666468" y="-21240"/>
-                  <a:pt x="2990257" y="30414"/>
-                  <a:pt x="3255095" y="0"/>
-                </a:cubicBezTo>
-                <a:cubicBezTo>
-                  <a:pt x="3254831" y="4493"/>
-                  <a:pt x="3255479" y="9472"/>
-                  <a:pt x="3255095" y="18288"/>
-                </a:cubicBezTo>
-                <a:cubicBezTo>
-                  <a:pt x="3120743" y="16690"/>
-                  <a:pt x="2759628" y="42462"/>
-                  <a:pt x="2604076" y="18288"/>
-                </a:cubicBezTo>
-                <a:cubicBezTo>
-                  <a:pt x="2448524" y="-5886"/>
-                  <a:pt x="2184336" y="19599"/>
-                  <a:pt x="1887955" y="18288"/>
-                </a:cubicBezTo>
-                <a:cubicBezTo>
-                  <a:pt x="1591574" y="16977"/>
-                  <a:pt x="1548845" y="6870"/>
-                  <a:pt x="1334589" y="18288"/>
-                </a:cubicBezTo>
-                <a:cubicBezTo>
-                  <a:pt x="1120333" y="29706"/>
-                  <a:pt x="996014" y="9662"/>
-                  <a:pt x="683570" y="18288"/>
-                </a:cubicBezTo>
-                <a:cubicBezTo>
-                  <a:pt x="371126" y="26914"/>
-                  <a:pt x="198687" y="16167"/>
-                  <a:pt x="0" y="18288"/>
-                </a:cubicBezTo>
-                <a:cubicBezTo>
-                  <a:pt x="843" y="9577"/>
-                  <a:pt x="371" y="6900"/>
-                  <a:pt x="0" y="0"/>
-                </a:cubicBezTo>
-                <a:close/>
-              </a:path>
-            </a:pathLst>
-          </a:custGeom>
-          <a:solidFill>
-            <a:schemeClr val="accent2"/>
-          </a:solidFill>
-          <a:ln w="38100" cap="rnd">
-            <a:solidFill>
-              <a:schemeClr val="accent2"/>
-            </a:solidFill>
-            <a:round/>
-            <a:extLst>
-              <a:ext uri="{C807C97D-BFC1-408E-A445-0C87EB9F89A2}">
-                <ask:lineSketchStyleProps xmlns:ask="http://schemas.microsoft.com/office/drawing/2018/sketchyshapes" sd="1219033472">
-                  <a:prstGeom prst="rect">
-                    <a:avLst/>
-                  </a:prstGeom>
-                  <ask:type>
-                    <ask:lineSketchFreehand/>
-                  </ask:type>
-                </ask:lineSketchStyleProps>
-              </a:ext>
-            </a:extLst>
-          </a:ln>
-        </p:spPr>
-        <p:style>
-          <a:lnRef idx="2">
-            <a:schemeClr val="accent1">
-              <a:shade val="50000"/>
-            </a:schemeClr>
-          </a:lnRef>
-          <a:fillRef idx="1">
-            <a:schemeClr val="accent1"/>
-          </a:fillRef>
-          <a:effectRef idx="0">
-            <a:schemeClr val="accent1"/>
-          </a:effectRef>
-          <a:fontRef idx="minor">
-            <a:schemeClr val="lt1"/>
-          </a:fontRef>
-        </p:style>
-        <p:txBody>
-          <a:bodyPr rtlCol="0" anchor="ctr"/>
-          <a:lstStyle/>
-          <a:p>
-            <a:pPr algn="ctr"/>
-            <a:endParaRPr lang="en-US"/>
-          </a:p>
-        </p:txBody>
-      </p:sp>
-      <p:pic>
-        <p:nvPicPr>
           <p:cNvPr id="4" name="Grafik 3">
             <a:extLst>
               <a:ext uri="{FF2B5EF4-FFF2-40B4-BE49-F238E27FC236}">
@@ -5316,7 +8673,7 @@
 </p:sld>
 </file>
 
-<file path=ppt/slides/slide13.xml><?xml version="1.0" encoding="utf-8"?>
+<file path=ppt/slides/slide16.xml><?xml version="1.0" encoding="utf-8"?>
 <p:sld xmlns:a="http://schemas.openxmlformats.org/drawingml/2006/main" xmlns:r="http://schemas.openxmlformats.org/officeDocument/2006/relationships" xmlns:p="http://schemas.openxmlformats.org/presentationml/2006/main">
   <p:cSld>
     <p:bg>
@@ -6102,12 +9459,18 @@
           </a:bodyPr>
           <a:lstStyle/>
           <a:p>
+            <a:pPr marL="457200" indent="-457200">
+              <a:buAutoNum type="arabicPeriod"/>
+            </a:pPr>
             <a:r>
               <a:rPr lang="de-DE" sz="2200" dirty="0"/>
               <a:t>Kopiere deine Klasse und die Custom Entity.</a:t>
             </a:r>
           </a:p>
           <a:p>
+            <a:pPr marL="457200" indent="-457200">
+              <a:buAutoNum type="arabicPeriod"/>
+            </a:pPr>
             <a:r>
               <a:rPr lang="de-DE" sz="2200" dirty="0"/>
               <a:t>Erstelle in der neuen Custom Entity ein zusätzliches Feld vom Type </a:t>
@@ -6122,18 +9485,27 @@
             </a:r>
           </a:p>
           <a:p>
+            <a:pPr marL="457200" indent="-457200">
+              <a:buAutoNum type="arabicPeriod"/>
+            </a:pPr>
             <a:r>
               <a:rPr lang="de-DE" sz="2200" dirty="0"/>
               <a:t>Vergebe für dieses neue Feld ein Label.</a:t>
             </a:r>
           </a:p>
           <a:p>
+            <a:pPr marL="457200" indent="-457200">
+              <a:buAutoNum type="arabicPeriod"/>
+            </a:pPr>
             <a:r>
               <a:rPr lang="de-DE" sz="2200" dirty="0"/>
               <a:t>Nutze in deiner Klasse die Custom Query für eine Tabellen-Definition / Typisierung.</a:t>
             </a:r>
           </a:p>
           <a:p>
+            <a:pPr marL="457200" indent="-457200">
+              <a:buAutoNum type="arabicPeriod"/>
+            </a:pPr>
             <a:r>
               <a:rPr lang="de-DE" sz="2200" dirty="0"/>
               <a:t>Übergebe das Ergebnis deines </a:t>
@@ -6144,7 +9516,7 @@
             </a:r>
             <a:r>
               <a:rPr lang="de-DE" sz="2200" dirty="0"/>
-              <a:t> an die Tabelle. Fülle das neue zusätzliche Feld dynamisch mit weiteren Werten (Konstanter Wert reicht aus).</a:t>
+              <a:t> zurück an die Tabelle. Fülle das neue zusätzliche Feld dabei dynamisch mit weiteren Werten (Konstanter Wert reicht aus).</a:t>
             </a:r>
           </a:p>
           <a:p>
@@ -6191,7 +9563,7 @@
 </p:sld>
 </file>
 
-<file path=ppt/slides/slide14.xml><?xml version="1.0" encoding="utf-8"?>
+<file path=ppt/slides/slide17.xml><?xml version="1.0" encoding="utf-8"?>
 <p:sld xmlns:a="http://schemas.openxmlformats.org/drawingml/2006/main" xmlns:r="http://schemas.openxmlformats.org/officeDocument/2006/relationships" xmlns:p="http://schemas.openxmlformats.org/presentationml/2006/main">
   <p:cSld>
     <p:bg>
@@ -6305,8 +9677,8 @@
           <a:lstStyle/>
           <a:p>
             <a:r>
-              <a:rPr lang="de-DE" sz="5400"/>
-              <a:t>Zusatzsaufgabe und Quiz</a:t>
+              <a:rPr lang="de-DE" sz="5400" dirty="0"/>
+              <a:t>Zusatzaufgabe und Quiz</a:t>
             </a:r>
           </a:p>
         </p:txBody>
@@ -6977,21 +10349,70 @@
           </a:bodyPr>
           <a:lstStyle/>
           <a:p>
-            <a:r>
-              <a:rPr lang="de-DE" sz="2200"/>
-              <a:t>Teste ob du eine weitere View auf deine Custom Entity setzen kannst (as select ...).</a:t>
-            </a:r>
-          </a:p>
-          <a:p>
-            <a:r>
-              <a:rPr lang="de-DE" sz="2200"/>
+            <a:pPr marL="457200" indent="-457200">
+              <a:buAutoNum type="arabicPeriod"/>
+            </a:pPr>
+            <a:r>
+              <a:rPr lang="de-DE" sz="2200" dirty="0"/>
+              <a:t>Teste ob du eine weitere View auf deine Custom Entity setzen kannst (</a:t>
+            </a:r>
+            <a:r>
+              <a:rPr lang="de-DE" sz="2200" dirty="0" err="1"/>
+              <a:t>as</a:t>
+            </a:r>
+            <a:r>
+              <a:rPr lang="de-DE" sz="2200" dirty="0"/>
+              <a:t> </a:t>
+            </a:r>
+            <a:r>
+              <a:rPr lang="de-DE" sz="2200" dirty="0" err="1"/>
+              <a:t>select</a:t>
+            </a:r>
+            <a:r>
+              <a:rPr lang="de-DE" sz="2200" dirty="0"/>
+              <a:t> ...).</a:t>
+            </a:r>
+          </a:p>
+          <a:p>
+            <a:pPr marL="457200" indent="-457200">
+              <a:buAutoNum type="arabicPeriod"/>
+            </a:pPr>
+            <a:r>
+              <a:rPr lang="de-DE" sz="2200" dirty="0"/>
               <a:t>Falls es nicht möglich ist, was könnte eine Lösung sein, um trotzdem Assoziationen hinzuzufügen?</a:t>
             </a:r>
           </a:p>
           <a:p>
-            <a:r>
-              <a:rPr lang="de-DE" sz="2200"/>
-              <a:t>Wäre eine managed oder unmanaged Behavior möglich? Was könnte fehlen?</a:t>
+            <a:pPr marL="457200" indent="-457200">
+              <a:buAutoNum type="arabicPeriod"/>
+            </a:pPr>
+            <a:r>
+              <a:rPr lang="de-DE" sz="2200" dirty="0"/>
+              <a:t>Wäre eine </a:t>
+            </a:r>
+            <a:r>
+              <a:rPr lang="de-DE" sz="2200" dirty="0" err="1"/>
+              <a:t>managed</a:t>
+            </a:r>
+            <a:r>
+              <a:rPr lang="de-DE" sz="2200" dirty="0"/>
+              <a:t> oder </a:t>
+            </a:r>
+            <a:r>
+              <a:rPr lang="de-DE" sz="2200" dirty="0" err="1"/>
+              <a:t>unmanaged</a:t>
+            </a:r>
+            <a:r>
+              <a:rPr lang="de-DE" sz="2200" dirty="0"/>
+              <a:t> </a:t>
+            </a:r>
+            <a:r>
+              <a:rPr lang="de-DE" sz="2200" dirty="0" err="1"/>
+              <a:t>Behavior</a:t>
+            </a:r>
+            <a:r>
+              <a:rPr lang="de-DE" sz="2200" dirty="0"/>
+              <a:t> möglich? Was könnte fehlen?</a:t>
             </a:r>
           </a:p>
         </p:txBody>
@@ -7009,7 +10430,7 @@
 </p:sld>
 </file>
 
-<file path=ppt/slides/slide15.xml><?xml version="1.0" encoding="utf-8"?>
+<file path=ppt/slides/slide18.xml><?xml version="1.0" encoding="utf-8"?>
 <p:sld xmlns:a="http://schemas.openxmlformats.org/drawingml/2006/main" xmlns:r="http://schemas.openxmlformats.org/officeDocument/2006/relationships" xmlns:p="http://schemas.openxmlformats.org/presentationml/2006/main">
   <p:cSld>
     <p:bg>
@@ -7118,13 +10539,21 @@
         </p:spPr>
         <p:txBody>
           <a:bodyPr>
-            <a:normAutofit/>
+            <a:normAutofit fontScale="90000"/>
           </a:bodyPr>
           <a:lstStyle/>
           <a:p>
             <a:r>
-              <a:rPr lang="de-DE" sz="5400"/>
-              <a:t>Zusammenfassend</a:t>
+              <a:rPr lang="de-DE" sz="5400" dirty="0"/>
+              <a:t>Zusammenfassend – Möglichkeiten der </a:t>
+            </a:r>
+            <a:r>
+              <a:rPr lang="de-DE" sz="5400" dirty="0" err="1"/>
+              <a:t>Unmanaged</a:t>
+            </a:r>
+            <a:r>
+              <a:rPr lang="de-DE" sz="5400" dirty="0"/>
+              <a:t> Query</a:t>
             </a:r>
           </a:p>
         </p:txBody>
@@ -7796,26 +11225,63 @@
           <a:lstStyle/>
           <a:p>
             <a:r>
-              <a:rPr lang="de-DE" sz="2200"/>
-              <a:t>Nur unmanaged Szenario</a:t>
-            </a:r>
-          </a:p>
-          <a:p>
-            <a:r>
-              <a:rPr lang="de-DE" sz="2200"/>
-              <a:t>Nur late numbering</a:t>
-            </a:r>
-          </a:p>
-          <a:p>
-            <a:r>
-              <a:rPr lang="de-DE" sz="2200"/>
-              <a:t>Kein Draft</a:t>
-            </a:r>
-          </a:p>
-          <a:p>
-            <a:r>
-              <a:rPr lang="de-DE" sz="2200"/>
-              <a:t>Wenn transaktionales Verhalten erforderlich ist, dann ist nur OData V2 möglich.</a:t>
+              <a:rPr lang="de-DE" sz="2200" dirty="0"/>
+              <a:t>Nur im </a:t>
+            </a:r>
+            <a:r>
+              <a:rPr lang="de-DE" sz="2200" dirty="0" err="1"/>
+              <a:t>unmanaged</a:t>
+            </a:r>
+            <a:r>
+              <a:rPr lang="de-DE" sz="2200" dirty="0"/>
+              <a:t> Szenario</a:t>
+            </a:r>
+          </a:p>
+          <a:p>
+            <a:r>
+              <a:rPr lang="de-DE" sz="2200" dirty="0"/>
+              <a:t>Nur </a:t>
+            </a:r>
+            <a:r>
+              <a:rPr lang="de-DE" sz="2200" dirty="0" err="1"/>
+              <a:t>late</a:t>
+            </a:r>
+            <a:r>
+              <a:rPr lang="de-DE" sz="2200" dirty="0"/>
+              <a:t> </a:t>
+            </a:r>
+            <a:r>
+              <a:rPr lang="de-DE" sz="2200" dirty="0" err="1"/>
+              <a:t>numbering</a:t>
+            </a:r>
+            <a:endParaRPr lang="de-DE" sz="2200" dirty="0"/>
+          </a:p>
+          <a:p>
+            <a:r>
+              <a:rPr lang="de-DE" sz="2200" dirty="0"/>
+              <a:t>Kein </a:t>
+            </a:r>
+            <a:r>
+              <a:rPr lang="de-DE" sz="2200" dirty="0" err="1"/>
+              <a:t>Draft</a:t>
+            </a:r>
+            <a:r>
+              <a:rPr lang="de-DE" sz="2200" dirty="0"/>
+              <a:t> Verhalten</a:t>
+            </a:r>
+          </a:p>
+          <a:p>
+            <a:r>
+              <a:rPr lang="de-DE" sz="2200" dirty="0"/>
+              <a:t>Wenn transaktionales Verhalten erforderlich ist, dann ist nur </a:t>
+            </a:r>
+            <a:r>
+              <a:rPr lang="de-DE" sz="2200" dirty="0" err="1"/>
+              <a:t>OData</a:t>
+            </a:r>
+            <a:r>
+              <a:rPr lang="de-DE" sz="2200" dirty="0"/>
+              <a:t> V2 möglich.</a:t>
             </a:r>
           </a:p>
         </p:txBody>
@@ -7833,7 +11299,7 @@
 </p:sld>
 </file>
 
-<file path=ppt/slides/slide16.xml><?xml version="1.0" encoding="utf-8"?>
+<file path=ppt/slides/slide19.xml><?xml version="1.0" encoding="utf-8"?>
 <p:sld xmlns:a="http://schemas.openxmlformats.org/drawingml/2006/main" xmlns:r="http://schemas.openxmlformats.org/officeDocument/2006/relationships" xmlns:p="http://schemas.openxmlformats.org/presentationml/2006/main">
   <p:cSld>
     <p:bg>
@@ -9434,6 +12900,2635 @@
       </p:grpSpPr>
       <p:sp useBgFill="1">
         <p:nvSpPr>
+          <p:cNvPr id="8" name="Rectangle 7">
+            <a:extLst>
+              <a:ext uri="{FF2B5EF4-FFF2-40B4-BE49-F238E27FC236}">
+                <a16:creationId xmlns:a16="http://schemas.microsoft.com/office/drawing/2014/main" id="{100EDD19-6802-4EC3-95CE-CFFAB042CFD6}"/>
+              </a:ext>
+              <a:ext uri="{C183D7F6-B498-43B3-948B-1728B52AA6E4}">
+                <adec:decorative xmlns:adec="http://schemas.microsoft.com/office/drawing/2017/decorative" val="1"/>
+              </a:ext>
+            </a:extLst>
+          </p:cNvPr>
+          <p:cNvSpPr>
+            <a:spLocks noGrp="1" noRot="1" noChangeAspect="1" noMove="1" noResize="1" noEditPoints="1" noAdjustHandles="1" noChangeArrowheads="1" noChangeShapeType="1" noTextEdit="1"/>
+          </p:cNvSpPr>
+          <p:nvPr>
+            <p:extLst>
+              <p:ext uri="{386F3935-93C4-4BCD-93E2-E3B085C9AB24}">
+                <p16:designElem xmlns:p16="http://schemas.microsoft.com/office/powerpoint/2015/main" val="1"/>
+              </p:ext>
+            </p:extLst>
+          </p:nvPr>
+        </p:nvSpPr>
+        <p:spPr>
+          <a:xfrm>
+            <a:off x="0" y="0"/>
+            <a:ext cx="12188952" cy="6858000"/>
+          </a:xfrm>
+          <a:prstGeom prst="rect">
+            <a:avLst/>
+          </a:prstGeom>
+          <a:ln>
+            <a:noFill/>
+          </a:ln>
+        </p:spPr>
+        <p:style>
+          <a:lnRef idx="2">
+            <a:schemeClr val="accent1">
+              <a:shade val="50000"/>
+            </a:schemeClr>
+          </a:lnRef>
+          <a:fillRef idx="1">
+            <a:schemeClr val="accent1"/>
+          </a:fillRef>
+          <a:effectRef idx="0">
+            <a:schemeClr val="accent1"/>
+          </a:effectRef>
+          <a:fontRef idx="minor">
+            <a:schemeClr val="lt1"/>
+          </a:fontRef>
+        </p:style>
+        <p:txBody>
+          <a:bodyPr rtlCol="0" anchor="ctr"/>
+          <a:lstStyle/>
+          <a:p>
+            <a:pPr algn="ctr"/>
+            <a:endParaRPr lang="en-US"/>
+          </a:p>
+        </p:txBody>
+      </p:sp>
+      <p:sp>
+        <p:nvSpPr>
+          <p:cNvPr id="2" name="Titel 1">
+            <a:extLst>
+              <a:ext uri="{FF2B5EF4-FFF2-40B4-BE49-F238E27FC236}">
+                <a16:creationId xmlns:a16="http://schemas.microsoft.com/office/drawing/2014/main" id="{2F908B0B-4252-9FDB-9713-C4C005FFE0D0}"/>
+              </a:ext>
+            </a:extLst>
+          </p:cNvPr>
+          <p:cNvSpPr>
+            <a:spLocks noGrp="1"/>
+          </p:cNvSpPr>
+          <p:nvPr>
+            <p:ph type="title"/>
+          </p:nvPr>
+        </p:nvSpPr>
+        <p:spPr>
+          <a:xfrm>
+            <a:off x="838200" y="365125"/>
+            <a:ext cx="10515600" cy="1325563"/>
+          </a:xfrm>
+        </p:spPr>
+        <p:txBody>
+          <a:bodyPr>
+            <a:normAutofit fontScale="90000"/>
+          </a:bodyPr>
+          <a:lstStyle/>
+          <a:p>
+            <a:r>
+              <a:rPr lang="de-DE" sz="5400" dirty="0">
+                <a:latin typeface="Helvetica" pitchFamily="2" charset="0"/>
+              </a:rPr>
+              <a:t>Use Case: Nachlesen von Stammdaten aus anderem System</a:t>
+            </a:r>
+          </a:p>
+        </p:txBody>
+      </p:sp>
+      <p:sp>
+        <p:nvSpPr>
+          <p:cNvPr id="10" name="sketch line">
+            <a:extLst>
+              <a:ext uri="{FF2B5EF4-FFF2-40B4-BE49-F238E27FC236}">
+                <a16:creationId xmlns:a16="http://schemas.microsoft.com/office/drawing/2014/main" id="{DB17E863-922E-4C26-BD64-E8FD41D28661}"/>
+              </a:ext>
+              <a:ext uri="{C183D7F6-B498-43B3-948B-1728B52AA6E4}">
+                <adec:decorative xmlns:adec="http://schemas.microsoft.com/office/drawing/2017/decorative" val="1"/>
+              </a:ext>
+            </a:extLst>
+          </p:cNvPr>
+          <p:cNvSpPr>
+            <a:spLocks noGrp="1" noRot="1" noChangeAspect="1" noMove="1" noResize="1" noEditPoints="1" noAdjustHandles="1" noChangeArrowheads="1" noChangeShapeType="1" noTextEdit="1"/>
+          </p:cNvSpPr>
+          <p:nvPr>
+            <p:extLst>
+              <p:ext uri="{386F3935-93C4-4BCD-93E2-E3B085C9AB24}">
+                <p16:designElem xmlns:p16="http://schemas.microsoft.com/office/powerpoint/2015/main" val="1"/>
+              </p:ext>
+            </p:extLst>
+          </p:nvPr>
+        </p:nvSpPr>
+        <p:spPr>
+          <a:xfrm>
+            <a:off x="669036" y="1677373"/>
+            <a:ext cx="10853928" cy="18288"/>
+          </a:xfrm>
+          <a:custGeom>
+            <a:avLst/>
+            <a:gdLst>
+              <a:gd name="connsiteX0" fmla="*/ 0 w 10853928"/>
+              <a:gd name="connsiteY0" fmla="*/ 0 h 18288"/>
+              <a:gd name="connsiteX1" fmla="*/ 461292 w 10853928"/>
+              <a:gd name="connsiteY1" fmla="*/ 0 h 18288"/>
+              <a:gd name="connsiteX2" fmla="*/ 1139662 w 10853928"/>
+              <a:gd name="connsiteY2" fmla="*/ 0 h 18288"/>
+              <a:gd name="connsiteX3" fmla="*/ 1926572 w 10853928"/>
+              <a:gd name="connsiteY3" fmla="*/ 0 h 18288"/>
+              <a:gd name="connsiteX4" fmla="*/ 2279325 w 10853928"/>
+              <a:gd name="connsiteY4" fmla="*/ 0 h 18288"/>
+              <a:gd name="connsiteX5" fmla="*/ 2632078 w 10853928"/>
+              <a:gd name="connsiteY5" fmla="*/ 0 h 18288"/>
+              <a:gd name="connsiteX6" fmla="*/ 3527527 w 10853928"/>
+              <a:gd name="connsiteY6" fmla="*/ 0 h 18288"/>
+              <a:gd name="connsiteX7" fmla="*/ 4205897 w 10853928"/>
+              <a:gd name="connsiteY7" fmla="*/ 0 h 18288"/>
+              <a:gd name="connsiteX8" fmla="*/ 4558650 w 10853928"/>
+              <a:gd name="connsiteY8" fmla="*/ 0 h 18288"/>
+              <a:gd name="connsiteX9" fmla="*/ 5237020 w 10853928"/>
+              <a:gd name="connsiteY9" fmla="*/ 0 h 18288"/>
+              <a:gd name="connsiteX10" fmla="*/ 6132469 w 10853928"/>
+              <a:gd name="connsiteY10" fmla="*/ 0 h 18288"/>
+              <a:gd name="connsiteX11" fmla="*/ 6702301 w 10853928"/>
+              <a:gd name="connsiteY11" fmla="*/ 0 h 18288"/>
+              <a:gd name="connsiteX12" fmla="*/ 7272132 w 10853928"/>
+              <a:gd name="connsiteY12" fmla="*/ 0 h 18288"/>
+              <a:gd name="connsiteX13" fmla="*/ 7950502 w 10853928"/>
+              <a:gd name="connsiteY13" fmla="*/ 0 h 18288"/>
+              <a:gd name="connsiteX14" fmla="*/ 8737412 w 10853928"/>
+              <a:gd name="connsiteY14" fmla="*/ 0 h 18288"/>
+              <a:gd name="connsiteX15" fmla="*/ 9524322 w 10853928"/>
+              <a:gd name="connsiteY15" fmla="*/ 0 h 18288"/>
+              <a:gd name="connsiteX16" fmla="*/ 10853928 w 10853928"/>
+              <a:gd name="connsiteY16" fmla="*/ 0 h 18288"/>
+              <a:gd name="connsiteX17" fmla="*/ 10853928 w 10853928"/>
+              <a:gd name="connsiteY17" fmla="*/ 18288 h 18288"/>
+              <a:gd name="connsiteX18" fmla="*/ 10392636 w 10853928"/>
+              <a:gd name="connsiteY18" fmla="*/ 18288 h 18288"/>
+              <a:gd name="connsiteX19" fmla="*/ 9497187 w 10853928"/>
+              <a:gd name="connsiteY19" fmla="*/ 18288 h 18288"/>
+              <a:gd name="connsiteX20" fmla="*/ 8818817 w 10853928"/>
+              <a:gd name="connsiteY20" fmla="*/ 18288 h 18288"/>
+              <a:gd name="connsiteX21" fmla="*/ 8466064 w 10853928"/>
+              <a:gd name="connsiteY21" fmla="*/ 18288 h 18288"/>
+              <a:gd name="connsiteX22" fmla="*/ 7787693 w 10853928"/>
+              <a:gd name="connsiteY22" fmla="*/ 18288 h 18288"/>
+              <a:gd name="connsiteX23" fmla="*/ 7217862 w 10853928"/>
+              <a:gd name="connsiteY23" fmla="*/ 18288 h 18288"/>
+              <a:gd name="connsiteX24" fmla="*/ 6648031 w 10853928"/>
+              <a:gd name="connsiteY24" fmla="*/ 18288 h 18288"/>
+              <a:gd name="connsiteX25" fmla="*/ 6078200 w 10853928"/>
+              <a:gd name="connsiteY25" fmla="*/ 18288 h 18288"/>
+              <a:gd name="connsiteX26" fmla="*/ 5508368 w 10853928"/>
+              <a:gd name="connsiteY26" fmla="*/ 18288 h 18288"/>
+              <a:gd name="connsiteX27" fmla="*/ 4721459 w 10853928"/>
+              <a:gd name="connsiteY27" fmla="*/ 18288 h 18288"/>
+              <a:gd name="connsiteX28" fmla="*/ 4043088 w 10853928"/>
+              <a:gd name="connsiteY28" fmla="*/ 18288 h 18288"/>
+              <a:gd name="connsiteX29" fmla="*/ 3690336 w 10853928"/>
+              <a:gd name="connsiteY29" fmla="*/ 18288 h 18288"/>
+              <a:gd name="connsiteX30" fmla="*/ 3120504 w 10853928"/>
+              <a:gd name="connsiteY30" fmla="*/ 18288 h 18288"/>
+              <a:gd name="connsiteX31" fmla="*/ 2333595 w 10853928"/>
+              <a:gd name="connsiteY31" fmla="*/ 18288 h 18288"/>
+              <a:gd name="connsiteX32" fmla="*/ 1872303 w 10853928"/>
+              <a:gd name="connsiteY32" fmla="*/ 18288 h 18288"/>
+              <a:gd name="connsiteX33" fmla="*/ 976854 w 10853928"/>
+              <a:gd name="connsiteY33" fmla="*/ 18288 h 18288"/>
+              <a:gd name="connsiteX34" fmla="*/ 0 w 10853928"/>
+              <a:gd name="connsiteY34" fmla="*/ 18288 h 18288"/>
+              <a:gd name="connsiteX35" fmla="*/ 0 w 10853928"/>
+              <a:gd name="connsiteY35" fmla="*/ 0 h 18288"/>
+            </a:gdLst>
+            <a:ahLst/>
+            <a:cxnLst>
+              <a:cxn ang="0">
+                <a:pos x="connsiteX0" y="connsiteY0"/>
+              </a:cxn>
+              <a:cxn ang="0">
+                <a:pos x="connsiteX1" y="connsiteY1"/>
+              </a:cxn>
+              <a:cxn ang="0">
+                <a:pos x="connsiteX2" y="connsiteY2"/>
+              </a:cxn>
+              <a:cxn ang="0">
+                <a:pos x="connsiteX3" y="connsiteY3"/>
+              </a:cxn>
+              <a:cxn ang="0">
+                <a:pos x="connsiteX4" y="connsiteY4"/>
+              </a:cxn>
+              <a:cxn ang="0">
+                <a:pos x="connsiteX5" y="connsiteY5"/>
+              </a:cxn>
+              <a:cxn ang="0">
+                <a:pos x="connsiteX6" y="connsiteY6"/>
+              </a:cxn>
+              <a:cxn ang="0">
+                <a:pos x="connsiteX7" y="connsiteY7"/>
+              </a:cxn>
+              <a:cxn ang="0">
+                <a:pos x="connsiteX8" y="connsiteY8"/>
+              </a:cxn>
+              <a:cxn ang="0">
+                <a:pos x="connsiteX9" y="connsiteY9"/>
+              </a:cxn>
+              <a:cxn ang="0">
+                <a:pos x="connsiteX10" y="connsiteY10"/>
+              </a:cxn>
+              <a:cxn ang="0">
+                <a:pos x="connsiteX11" y="connsiteY11"/>
+              </a:cxn>
+              <a:cxn ang="0">
+                <a:pos x="connsiteX12" y="connsiteY12"/>
+              </a:cxn>
+              <a:cxn ang="0">
+                <a:pos x="connsiteX13" y="connsiteY13"/>
+              </a:cxn>
+              <a:cxn ang="0">
+                <a:pos x="connsiteX14" y="connsiteY14"/>
+              </a:cxn>
+              <a:cxn ang="0">
+                <a:pos x="connsiteX15" y="connsiteY15"/>
+              </a:cxn>
+              <a:cxn ang="0">
+                <a:pos x="connsiteX16" y="connsiteY16"/>
+              </a:cxn>
+              <a:cxn ang="0">
+                <a:pos x="connsiteX17" y="connsiteY17"/>
+              </a:cxn>
+              <a:cxn ang="0">
+                <a:pos x="connsiteX18" y="connsiteY18"/>
+              </a:cxn>
+              <a:cxn ang="0">
+                <a:pos x="connsiteX19" y="connsiteY19"/>
+              </a:cxn>
+              <a:cxn ang="0">
+                <a:pos x="connsiteX20" y="connsiteY20"/>
+              </a:cxn>
+              <a:cxn ang="0">
+                <a:pos x="connsiteX21" y="connsiteY21"/>
+              </a:cxn>
+              <a:cxn ang="0">
+                <a:pos x="connsiteX22" y="connsiteY22"/>
+              </a:cxn>
+              <a:cxn ang="0">
+                <a:pos x="connsiteX23" y="connsiteY23"/>
+              </a:cxn>
+              <a:cxn ang="0">
+                <a:pos x="connsiteX24" y="connsiteY24"/>
+              </a:cxn>
+              <a:cxn ang="0">
+                <a:pos x="connsiteX25" y="connsiteY25"/>
+              </a:cxn>
+              <a:cxn ang="0">
+                <a:pos x="connsiteX26" y="connsiteY26"/>
+              </a:cxn>
+              <a:cxn ang="0">
+                <a:pos x="connsiteX27" y="connsiteY27"/>
+              </a:cxn>
+              <a:cxn ang="0">
+                <a:pos x="connsiteX28" y="connsiteY28"/>
+              </a:cxn>
+              <a:cxn ang="0">
+                <a:pos x="connsiteX29" y="connsiteY29"/>
+              </a:cxn>
+              <a:cxn ang="0">
+                <a:pos x="connsiteX30" y="connsiteY30"/>
+              </a:cxn>
+              <a:cxn ang="0">
+                <a:pos x="connsiteX31" y="connsiteY31"/>
+              </a:cxn>
+              <a:cxn ang="0">
+                <a:pos x="connsiteX32" y="connsiteY32"/>
+              </a:cxn>
+              <a:cxn ang="0">
+                <a:pos x="connsiteX33" y="connsiteY33"/>
+              </a:cxn>
+              <a:cxn ang="0">
+                <a:pos x="connsiteX34" y="connsiteY34"/>
+              </a:cxn>
+              <a:cxn ang="0">
+                <a:pos x="connsiteX35" y="connsiteY35"/>
+              </a:cxn>
+            </a:cxnLst>
+            <a:rect l="l" t="t" r="r" b="b"/>
+            <a:pathLst>
+              <a:path w="10853928" h="18288" fill="none" extrusionOk="0">
+                <a:moveTo>
+                  <a:pt x="0" y="0"/>
+                </a:moveTo>
+                <a:cubicBezTo>
+                  <a:pt x="146993" y="-19076"/>
+                  <a:pt x="347684" y="-4790"/>
+                  <a:pt x="461292" y="0"/>
+                </a:cubicBezTo>
+                <a:cubicBezTo>
+                  <a:pt x="574900" y="4790"/>
+                  <a:pt x="808367" y="19821"/>
+                  <a:pt x="1139662" y="0"/>
+                </a:cubicBezTo>
+                <a:cubicBezTo>
+                  <a:pt x="1470957" y="-19821"/>
+                  <a:pt x="1627405" y="5721"/>
+                  <a:pt x="1926572" y="0"/>
+                </a:cubicBezTo>
+                <a:cubicBezTo>
+                  <a:pt x="2225739" y="-5721"/>
+                  <a:pt x="2137730" y="-3235"/>
+                  <a:pt x="2279325" y="0"/>
+                </a:cubicBezTo>
+                <a:cubicBezTo>
+                  <a:pt x="2420920" y="3235"/>
+                  <a:pt x="2456518" y="9685"/>
+                  <a:pt x="2632078" y="0"/>
+                </a:cubicBezTo>
+                <a:cubicBezTo>
+                  <a:pt x="2807638" y="-9685"/>
+                  <a:pt x="3211516" y="-43007"/>
+                  <a:pt x="3527527" y="0"/>
+                </a:cubicBezTo>
+                <a:cubicBezTo>
+                  <a:pt x="3843538" y="43007"/>
+                  <a:pt x="4058833" y="22042"/>
+                  <a:pt x="4205897" y="0"/>
+                </a:cubicBezTo>
+                <a:cubicBezTo>
+                  <a:pt x="4352961" y="-22042"/>
+                  <a:pt x="4474805" y="-11846"/>
+                  <a:pt x="4558650" y="0"/>
+                </a:cubicBezTo>
+                <a:cubicBezTo>
+                  <a:pt x="4642495" y="11846"/>
+                  <a:pt x="5041928" y="-6069"/>
+                  <a:pt x="5237020" y="0"/>
+                </a:cubicBezTo>
+                <a:cubicBezTo>
+                  <a:pt x="5432112" y="6069"/>
+                  <a:pt x="5943266" y="-17479"/>
+                  <a:pt x="6132469" y="0"/>
+                </a:cubicBezTo>
+                <a:cubicBezTo>
+                  <a:pt x="6321672" y="17479"/>
+                  <a:pt x="6483872" y="26234"/>
+                  <a:pt x="6702301" y="0"/>
+                </a:cubicBezTo>
+                <a:cubicBezTo>
+                  <a:pt x="6920730" y="-26234"/>
+                  <a:pt x="6991194" y="-15156"/>
+                  <a:pt x="7272132" y="0"/>
+                </a:cubicBezTo>
+                <a:cubicBezTo>
+                  <a:pt x="7553070" y="15156"/>
+                  <a:pt x="7684444" y="-32961"/>
+                  <a:pt x="7950502" y="0"/>
+                </a:cubicBezTo>
+                <a:cubicBezTo>
+                  <a:pt x="8216560" y="32961"/>
+                  <a:pt x="8493290" y="-10491"/>
+                  <a:pt x="8737412" y="0"/>
+                </a:cubicBezTo>
+                <a:cubicBezTo>
+                  <a:pt x="8981534" y="10491"/>
+                  <a:pt x="9191586" y="-13899"/>
+                  <a:pt x="9524322" y="0"/>
+                </a:cubicBezTo>
+                <a:cubicBezTo>
+                  <a:pt x="9857058" y="13899"/>
+                  <a:pt x="10297509" y="7485"/>
+                  <a:pt x="10853928" y="0"/>
+                </a:cubicBezTo>
+                <a:cubicBezTo>
+                  <a:pt x="10854574" y="4451"/>
+                  <a:pt x="10854418" y="9226"/>
+                  <a:pt x="10853928" y="18288"/>
+                </a:cubicBezTo>
+                <a:cubicBezTo>
+                  <a:pt x="10691638" y="28522"/>
+                  <a:pt x="10574319" y="29578"/>
+                  <a:pt x="10392636" y="18288"/>
+                </a:cubicBezTo>
+                <a:cubicBezTo>
+                  <a:pt x="10210953" y="6998"/>
+                  <a:pt x="9836277" y="-16742"/>
+                  <a:pt x="9497187" y="18288"/>
+                </a:cubicBezTo>
+                <a:cubicBezTo>
+                  <a:pt x="9158097" y="53318"/>
+                  <a:pt x="9119479" y="30714"/>
+                  <a:pt x="8818817" y="18288"/>
+                </a:cubicBezTo>
+                <a:cubicBezTo>
+                  <a:pt x="8518155" y="5863"/>
+                  <a:pt x="8640037" y="6483"/>
+                  <a:pt x="8466064" y="18288"/>
+                </a:cubicBezTo>
+                <a:cubicBezTo>
+                  <a:pt x="8292091" y="30093"/>
+                  <a:pt x="7997656" y="18914"/>
+                  <a:pt x="7787693" y="18288"/>
+                </a:cubicBezTo>
+                <a:cubicBezTo>
+                  <a:pt x="7577730" y="17662"/>
+                  <a:pt x="7412468" y="21416"/>
+                  <a:pt x="7217862" y="18288"/>
+                </a:cubicBezTo>
+                <a:cubicBezTo>
+                  <a:pt x="7023256" y="15160"/>
+                  <a:pt x="6898018" y="14824"/>
+                  <a:pt x="6648031" y="18288"/>
+                </a:cubicBezTo>
+                <a:cubicBezTo>
+                  <a:pt x="6398044" y="21752"/>
+                  <a:pt x="6254402" y="38625"/>
+                  <a:pt x="6078200" y="18288"/>
+                </a:cubicBezTo>
+                <a:cubicBezTo>
+                  <a:pt x="5901998" y="-2049"/>
+                  <a:pt x="5622886" y="3213"/>
+                  <a:pt x="5508368" y="18288"/>
+                </a:cubicBezTo>
+                <a:cubicBezTo>
+                  <a:pt x="5393850" y="33363"/>
+                  <a:pt x="5036260" y="26830"/>
+                  <a:pt x="4721459" y="18288"/>
+                </a:cubicBezTo>
+                <a:cubicBezTo>
+                  <a:pt x="4406658" y="9746"/>
+                  <a:pt x="4239221" y="41551"/>
+                  <a:pt x="4043088" y="18288"/>
+                </a:cubicBezTo>
+                <a:cubicBezTo>
+                  <a:pt x="3846955" y="-4975"/>
+                  <a:pt x="3818802" y="34658"/>
+                  <a:pt x="3690336" y="18288"/>
+                </a:cubicBezTo>
+                <a:cubicBezTo>
+                  <a:pt x="3561870" y="1918"/>
+                  <a:pt x="3265491" y="42194"/>
+                  <a:pt x="3120504" y="18288"/>
+                </a:cubicBezTo>
+                <a:cubicBezTo>
+                  <a:pt x="2975517" y="-5618"/>
+                  <a:pt x="2720254" y="36673"/>
+                  <a:pt x="2333595" y="18288"/>
+                </a:cubicBezTo>
+                <a:cubicBezTo>
+                  <a:pt x="1946936" y="-97"/>
+                  <a:pt x="2097241" y="5776"/>
+                  <a:pt x="1872303" y="18288"/>
+                </a:cubicBezTo>
+                <a:cubicBezTo>
+                  <a:pt x="1647365" y="30800"/>
+                  <a:pt x="1282708" y="45380"/>
+                  <a:pt x="976854" y="18288"/>
+                </a:cubicBezTo>
+                <a:cubicBezTo>
+                  <a:pt x="671000" y="-8804"/>
+                  <a:pt x="408401" y="-12775"/>
+                  <a:pt x="0" y="18288"/>
+                </a:cubicBezTo>
+                <a:cubicBezTo>
+                  <a:pt x="-213" y="9468"/>
+                  <a:pt x="187" y="4459"/>
+                  <a:pt x="0" y="0"/>
+                </a:cubicBezTo>
+                <a:close/>
+              </a:path>
+              <a:path w="10853928" h="18288" stroke="0" extrusionOk="0">
+                <a:moveTo>
+                  <a:pt x="0" y="0"/>
+                </a:moveTo>
+                <a:cubicBezTo>
+                  <a:pt x="267322" y="15284"/>
+                  <a:pt x="415388" y="-21048"/>
+                  <a:pt x="569831" y="0"/>
+                </a:cubicBezTo>
+                <a:cubicBezTo>
+                  <a:pt x="724274" y="21048"/>
+                  <a:pt x="769333" y="-2353"/>
+                  <a:pt x="922584" y="0"/>
+                </a:cubicBezTo>
+                <a:cubicBezTo>
+                  <a:pt x="1075835" y="2353"/>
+                  <a:pt x="1399490" y="-145"/>
+                  <a:pt x="1818033" y="0"/>
+                </a:cubicBezTo>
+                <a:cubicBezTo>
+                  <a:pt x="2236576" y="145"/>
+                  <a:pt x="2145330" y="5482"/>
+                  <a:pt x="2387864" y="0"/>
+                </a:cubicBezTo>
+                <a:cubicBezTo>
+                  <a:pt x="2630398" y="-5482"/>
+                  <a:pt x="2793207" y="18487"/>
+                  <a:pt x="2957695" y="0"/>
+                </a:cubicBezTo>
+                <a:cubicBezTo>
+                  <a:pt x="3122183" y="-18487"/>
+                  <a:pt x="3579141" y="19003"/>
+                  <a:pt x="3853144" y="0"/>
+                </a:cubicBezTo>
+                <a:cubicBezTo>
+                  <a:pt x="4127147" y="-19003"/>
+                  <a:pt x="4209857" y="12211"/>
+                  <a:pt x="4314436" y="0"/>
+                </a:cubicBezTo>
+                <a:cubicBezTo>
+                  <a:pt x="4419015" y="-12211"/>
+                  <a:pt x="4762459" y="-17220"/>
+                  <a:pt x="5209885" y="0"/>
+                </a:cubicBezTo>
+                <a:cubicBezTo>
+                  <a:pt x="5657311" y="17220"/>
+                  <a:pt x="5692663" y="-3290"/>
+                  <a:pt x="6105335" y="0"/>
+                </a:cubicBezTo>
+                <a:cubicBezTo>
+                  <a:pt x="6518007" y="3290"/>
+                  <a:pt x="6455516" y="-5124"/>
+                  <a:pt x="6783705" y="0"/>
+                </a:cubicBezTo>
+                <a:cubicBezTo>
+                  <a:pt x="7111894" y="5124"/>
+                  <a:pt x="7441941" y="-17829"/>
+                  <a:pt x="7679154" y="0"/>
+                </a:cubicBezTo>
+                <a:cubicBezTo>
+                  <a:pt x="7916367" y="17829"/>
+                  <a:pt x="8102967" y="-24363"/>
+                  <a:pt x="8248985" y="0"/>
+                </a:cubicBezTo>
+                <a:cubicBezTo>
+                  <a:pt x="8395003" y="24363"/>
+                  <a:pt x="8552393" y="25505"/>
+                  <a:pt x="8818817" y="0"/>
+                </a:cubicBezTo>
+                <a:cubicBezTo>
+                  <a:pt x="9085241" y="-25505"/>
+                  <a:pt x="9411308" y="38000"/>
+                  <a:pt x="9605726" y="0"/>
+                </a:cubicBezTo>
+                <a:cubicBezTo>
+                  <a:pt x="9800144" y="-38000"/>
+                  <a:pt x="10006468" y="-25741"/>
+                  <a:pt x="10175558" y="0"/>
+                </a:cubicBezTo>
+                <a:cubicBezTo>
+                  <a:pt x="10344648" y="25741"/>
+                  <a:pt x="10696282" y="695"/>
+                  <a:pt x="10853928" y="0"/>
+                </a:cubicBezTo>
+                <a:cubicBezTo>
+                  <a:pt x="10853521" y="8690"/>
+                  <a:pt x="10853774" y="14141"/>
+                  <a:pt x="10853928" y="18288"/>
+                </a:cubicBezTo>
+                <a:cubicBezTo>
+                  <a:pt x="10608124" y="24255"/>
+                  <a:pt x="10343415" y="22307"/>
+                  <a:pt x="10067018" y="18288"/>
+                </a:cubicBezTo>
+                <a:cubicBezTo>
+                  <a:pt x="9790621" y="14270"/>
+                  <a:pt x="9843266" y="3564"/>
+                  <a:pt x="9714266" y="18288"/>
+                </a:cubicBezTo>
+                <a:cubicBezTo>
+                  <a:pt x="9585266" y="33012"/>
+                  <a:pt x="9379484" y="1875"/>
+                  <a:pt x="9252974" y="18288"/>
+                </a:cubicBezTo>
+                <a:cubicBezTo>
+                  <a:pt x="9126464" y="34701"/>
+                  <a:pt x="8580678" y="-4904"/>
+                  <a:pt x="8357525" y="18288"/>
+                </a:cubicBezTo>
+                <a:cubicBezTo>
+                  <a:pt x="8134372" y="41480"/>
+                  <a:pt x="7903199" y="26458"/>
+                  <a:pt x="7679154" y="18288"/>
+                </a:cubicBezTo>
+                <a:cubicBezTo>
+                  <a:pt x="7455109" y="10118"/>
+                  <a:pt x="7435944" y="27109"/>
+                  <a:pt x="7217862" y="18288"/>
+                </a:cubicBezTo>
+                <a:cubicBezTo>
+                  <a:pt x="6999780" y="9467"/>
+                  <a:pt x="6680409" y="18985"/>
+                  <a:pt x="6539492" y="18288"/>
+                </a:cubicBezTo>
+                <a:cubicBezTo>
+                  <a:pt x="6398575" y="17592"/>
+                  <a:pt x="6312077" y="33018"/>
+                  <a:pt x="6186739" y="18288"/>
+                </a:cubicBezTo>
+                <a:cubicBezTo>
+                  <a:pt x="6061401" y="3558"/>
+                  <a:pt x="5947033" y="12075"/>
+                  <a:pt x="5833986" y="18288"/>
+                </a:cubicBezTo>
+                <a:cubicBezTo>
+                  <a:pt x="5720939" y="24501"/>
+                  <a:pt x="5482226" y="8586"/>
+                  <a:pt x="5155616" y="18288"/>
+                </a:cubicBezTo>
+                <a:cubicBezTo>
+                  <a:pt x="4829006" y="27991"/>
+                  <a:pt x="4841274" y="29316"/>
+                  <a:pt x="4694324" y="18288"/>
+                </a:cubicBezTo>
+                <a:cubicBezTo>
+                  <a:pt x="4547374" y="7260"/>
+                  <a:pt x="4077675" y="7013"/>
+                  <a:pt x="3907414" y="18288"/>
+                </a:cubicBezTo>
+                <a:cubicBezTo>
+                  <a:pt x="3737153" y="29564"/>
+                  <a:pt x="3538393" y="21630"/>
+                  <a:pt x="3446122" y="18288"/>
+                </a:cubicBezTo>
+                <a:cubicBezTo>
+                  <a:pt x="3353851" y="14946"/>
+                  <a:pt x="2990320" y="-8091"/>
+                  <a:pt x="2659212" y="18288"/>
+                </a:cubicBezTo>
+                <a:cubicBezTo>
+                  <a:pt x="2328104" y="44667"/>
+                  <a:pt x="2427653" y="9607"/>
+                  <a:pt x="2306460" y="18288"/>
+                </a:cubicBezTo>
+                <a:cubicBezTo>
+                  <a:pt x="2185267" y="26969"/>
+                  <a:pt x="1719763" y="3717"/>
+                  <a:pt x="1519550" y="18288"/>
+                </a:cubicBezTo>
+                <a:cubicBezTo>
+                  <a:pt x="1319337" y="32860"/>
+                  <a:pt x="1167371" y="17040"/>
+                  <a:pt x="1058258" y="18288"/>
+                </a:cubicBezTo>
+                <a:cubicBezTo>
+                  <a:pt x="949145" y="19536"/>
+                  <a:pt x="780234" y="31447"/>
+                  <a:pt x="705505" y="18288"/>
+                </a:cubicBezTo>
+                <a:cubicBezTo>
+                  <a:pt x="630776" y="5129"/>
+                  <a:pt x="215796" y="30056"/>
+                  <a:pt x="0" y="18288"/>
+                </a:cubicBezTo>
+                <a:cubicBezTo>
+                  <a:pt x="-53" y="11301"/>
+                  <a:pt x="-649" y="7756"/>
+                  <a:pt x="0" y="0"/>
+                </a:cubicBezTo>
+                <a:close/>
+              </a:path>
+            </a:pathLst>
+          </a:custGeom>
+          <a:solidFill>
+            <a:schemeClr val="accent2"/>
+          </a:solidFill>
+          <a:ln w="41275" cap="rnd">
+            <a:solidFill>
+              <a:schemeClr val="accent2"/>
+            </a:solidFill>
+            <a:round/>
+            <a:extLst>
+              <a:ext uri="{C807C97D-BFC1-408E-A445-0C87EB9F89A2}">
+                <ask:lineSketchStyleProps xmlns:ask="http://schemas.microsoft.com/office/drawing/2018/sketchyshapes" sd="1219033472">
+                  <a:prstGeom prst="rect">
+                    <a:avLst/>
+                  </a:prstGeom>
+                  <ask:type>
+                    <ask:lineSketchFreehand/>
+                  </ask:type>
+                </ask:lineSketchStyleProps>
+              </a:ext>
+            </a:extLst>
+          </a:ln>
+        </p:spPr>
+        <p:style>
+          <a:lnRef idx="2">
+            <a:schemeClr val="accent1">
+              <a:shade val="50000"/>
+            </a:schemeClr>
+          </a:lnRef>
+          <a:fillRef idx="1">
+            <a:schemeClr val="accent1"/>
+          </a:fillRef>
+          <a:effectRef idx="0">
+            <a:schemeClr val="accent1"/>
+          </a:effectRef>
+          <a:fontRef idx="minor">
+            <a:schemeClr val="lt1"/>
+          </a:fontRef>
+        </p:style>
+        <p:txBody>
+          <a:bodyPr rtlCol="0" anchor="ctr"/>
+          <a:lstStyle/>
+          <a:p>
+            <a:pPr algn="ctr"/>
+            <a:endParaRPr lang="en-US"/>
+          </a:p>
+        </p:txBody>
+      </p:sp>
+      <p:grpSp>
+        <p:nvGrpSpPr>
+          <p:cNvPr id="4" name="object 2">
+            <a:extLst>
+              <a:ext uri="{FF2B5EF4-FFF2-40B4-BE49-F238E27FC236}">
+                <a16:creationId xmlns:a16="http://schemas.microsoft.com/office/drawing/2014/main" id="{551FCF81-F450-7979-1BD4-BA1A3A29C450}"/>
+              </a:ext>
+            </a:extLst>
+          </p:cNvPr>
+          <p:cNvGrpSpPr/>
+          <p:nvPr/>
+        </p:nvGrpSpPr>
+        <p:grpSpPr>
+          <a:xfrm>
+            <a:off x="1771861" y="2011383"/>
+            <a:ext cx="5231765" cy="2713355"/>
+            <a:chOff x="518794" y="1623694"/>
+            <a:chExt cx="5231765" cy="2713355"/>
+          </a:xfrm>
+        </p:grpSpPr>
+        <p:sp>
+          <p:nvSpPr>
+            <p:cNvPr id="5" name="object 3">
+              <a:extLst>
+                <a:ext uri="{FF2B5EF4-FFF2-40B4-BE49-F238E27FC236}">
+                  <a16:creationId xmlns:a16="http://schemas.microsoft.com/office/drawing/2014/main" id="{B1DCE27C-D7D6-D15A-CB65-33289DD19025}"/>
+                </a:ext>
+              </a:extLst>
+            </p:cNvPr>
+            <p:cNvSpPr/>
+            <p:nvPr/>
+          </p:nvSpPr>
+          <p:spPr>
+            <a:xfrm>
+              <a:off x="521969" y="1626869"/>
+              <a:ext cx="5225415" cy="2707005"/>
+            </a:xfrm>
+            <a:custGeom>
+              <a:avLst/>
+              <a:gdLst/>
+              <a:ahLst/>
+              <a:cxnLst/>
+              <a:rect l="l" t="t" r="r" b="b"/>
+              <a:pathLst>
+                <a:path w="5225415" h="2707004">
+                  <a:moveTo>
+                    <a:pt x="5189855" y="0"/>
+                  </a:moveTo>
+                  <a:lnTo>
+                    <a:pt x="35153" y="0"/>
+                  </a:lnTo>
+                  <a:lnTo>
+                    <a:pt x="21468" y="2764"/>
+                  </a:lnTo>
+                  <a:lnTo>
+                    <a:pt x="10294" y="10302"/>
+                  </a:lnTo>
+                  <a:lnTo>
+                    <a:pt x="2762" y="21484"/>
+                  </a:lnTo>
+                  <a:lnTo>
+                    <a:pt x="0" y="35178"/>
+                  </a:lnTo>
+                  <a:lnTo>
+                    <a:pt x="0" y="2671444"/>
+                  </a:lnTo>
+                  <a:lnTo>
+                    <a:pt x="2762" y="2685139"/>
+                  </a:lnTo>
+                  <a:lnTo>
+                    <a:pt x="10294" y="2696321"/>
+                  </a:lnTo>
+                  <a:lnTo>
+                    <a:pt x="21468" y="2703859"/>
+                  </a:lnTo>
+                  <a:lnTo>
+                    <a:pt x="35153" y="2706623"/>
+                  </a:lnTo>
+                  <a:lnTo>
+                    <a:pt x="5189855" y="2706623"/>
+                  </a:lnTo>
+                  <a:lnTo>
+                    <a:pt x="5203549" y="2703859"/>
+                  </a:lnTo>
+                  <a:lnTo>
+                    <a:pt x="5214731" y="2696321"/>
+                  </a:lnTo>
+                  <a:lnTo>
+                    <a:pt x="5222269" y="2685139"/>
+                  </a:lnTo>
+                  <a:lnTo>
+                    <a:pt x="5225033" y="2671444"/>
+                  </a:lnTo>
+                  <a:lnTo>
+                    <a:pt x="5225033" y="35178"/>
+                  </a:lnTo>
+                  <a:lnTo>
+                    <a:pt x="5222269" y="21484"/>
+                  </a:lnTo>
+                  <a:lnTo>
+                    <a:pt x="5214731" y="10302"/>
+                  </a:lnTo>
+                  <a:lnTo>
+                    <a:pt x="5203549" y="2764"/>
+                  </a:lnTo>
+                  <a:lnTo>
+                    <a:pt x="5189855" y="0"/>
+                  </a:lnTo>
+                  <a:close/>
+                </a:path>
+              </a:pathLst>
+            </a:custGeom>
+            <a:solidFill>
+              <a:srgbClr val="F1F1F1"/>
+            </a:solidFill>
+          </p:spPr>
+          <p:txBody>
+            <a:bodyPr wrap="square" lIns="0" tIns="0" rIns="0" bIns="0" rtlCol="0"/>
+            <a:lstStyle/>
+            <a:p>
+              <a:endParaRPr/>
+            </a:p>
+          </p:txBody>
+        </p:sp>
+        <p:sp>
+          <p:nvSpPr>
+            <p:cNvPr id="6" name="object 4">
+              <a:extLst>
+                <a:ext uri="{FF2B5EF4-FFF2-40B4-BE49-F238E27FC236}">
+                  <a16:creationId xmlns:a16="http://schemas.microsoft.com/office/drawing/2014/main" id="{A47F635D-3BFA-A86C-5B6A-7B7E0BB1D5E7}"/>
+                </a:ext>
+              </a:extLst>
+            </p:cNvPr>
+            <p:cNvSpPr/>
+            <p:nvPr/>
+          </p:nvSpPr>
+          <p:spPr>
+            <a:xfrm>
+              <a:off x="521969" y="1626869"/>
+              <a:ext cx="5225415" cy="2707005"/>
+            </a:xfrm>
+            <a:custGeom>
+              <a:avLst/>
+              <a:gdLst/>
+              <a:ahLst/>
+              <a:cxnLst/>
+              <a:rect l="l" t="t" r="r" b="b"/>
+              <a:pathLst>
+                <a:path w="5225415" h="2707004">
+                  <a:moveTo>
+                    <a:pt x="0" y="35178"/>
+                  </a:moveTo>
+                  <a:lnTo>
+                    <a:pt x="2762" y="21484"/>
+                  </a:lnTo>
+                  <a:lnTo>
+                    <a:pt x="10294" y="10302"/>
+                  </a:lnTo>
+                  <a:lnTo>
+                    <a:pt x="21468" y="2764"/>
+                  </a:lnTo>
+                  <a:lnTo>
+                    <a:pt x="35153" y="0"/>
+                  </a:lnTo>
+                  <a:lnTo>
+                    <a:pt x="5189855" y="0"/>
+                  </a:lnTo>
+                  <a:lnTo>
+                    <a:pt x="5203549" y="2764"/>
+                  </a:lnTo>
+                  <a:lnTo>
+                    <a:pt x="5214731" y="10302"/>
+                  </a:lnTo>
+                  <a:lnTo>
+                    <a:pt x="5222269" y="21484"/>
+                  </a:lnTo>
+                  <a:lnTo>
+                    <a:pt x="5225033" y="35178"/>
+                  </a:lnTo>
+                  <a:lnTo>
+                    <a:pt x="5225033" y="2671444"/>
+                  </a:lnTo>
+                  <a:lnTo>
+                    <a:pt x="5222269" y="2685139"/>
+                  </a:lnTo>
+                  <a:lnTo>
+                    <a:pt x="5214731" y="2696321"/>
+                  </a:lnTo>
+                  <a:lnTo>
+                    <a:pt x="5203549" y="2703859"/>
+                  </a:lnTo>
+                  <a:lnTo>
+                    <a:pt x="5189855" y="2706623"/>
+                  </a:lnTo>
+                  <a:lnTo>
+                    <a:pt x="35153" y="2706623"/>
+                  </a:lnTo>
+                  <a:lnTo>
+                    <a:pt x="21468" y="2703859"/>
+                  </a:lnTo>
+                  <a:lnTo>
+                    <a:pt x="10294" y="2696321"/>
+                  </a:lnTo>
+                  <a:lnTo>
+                    <a:pt x="2762" y="2685139"/>
+                  </a:lnTo>
+                  <a:lnTo>
+                    <a:pt x="0" y="2671444"/>
+                  </a:lnTo>
+                  <a:lnTo>
+                    <a:pt x="0" y="35178"/>
+                  </a:lnTo>
+                  <a:close/>
+                </a:path>
+              </a:pathLst>
+            </a:custGeom>
+            <a:ln w="6096">
+              <a:solidFill>
+                <a:srgbClr val="7E7E7E"/>
+              </a:solidFill>
+            </a:ln>
+          </p:spPr>
+          <p:txBody>
+            <a:bodyPr wrap="square" lIns="0" tIns="0" rIns="0" bIns="0" rtlCol="0"/>
+            <a:lstStyle/>
+            <a:p>
+              <a:endParaRPr/>
+            </a:p>
+          </p:txBody>
+        </p:sp>
+        <p:sp>
+          <p:nvSpPr>
+            <p:cNvPr id="7" name="object 5">
+              <a:extLst>
+                <a:ext uri="{FF2B5EF4-FFF2-40B4-BE49-F238E27FC236}">
+                  <a16:creationId xmlns:a16="http://schemas.microsoft.com/office/drawing/2014/main" id="{37777C04-B28D-E14C-A7B8-FCA6CDD409B6}"/>
+                </a:ext>
+              </a:extLst>
+            </p:cNvPr>
+            <p:cNvSpPr/>
+            <p:nvPr/>
+          </p:nvSpPr>
+          <p:spPr>
+            <a:xfrm>
+              <a:off x="741806" y="2800730"/>
+              <a:ext cx="1590040" cy="368300"/>
+            </a:xfrm>
+            <a:custGeom>
+              <a:avLst/>
+              <a:gdLst/>
+              <a:ahLst/>
+              <a:cxnLst/>
+              <a:rect l="l" t="t" r="r" b="b"/>
+              <a:pathLst>
+                <a:path w="1590039" h="368300">
+                  <a:moveTo>
+                    <a:pt x="1583309" y="0"/>
+                  </a:moveTo>
+                  <a:lnTo>
+                    <a:pt x="6261" y="0"/>
+                  </a:lnTo>
+                  <a:lnTo>
+                    <a:pt x="0" y="6223"/>
+                  </a:lnTo>
+                  <a:lnTo>
+                    <a:pt x="0" y="13970"/>
+                  </a:lnTo>
+                  <a:lnTo>
+                    <a:pt x="0" y="361823"/>
+                  </a:lnTo>
+                  <a:lnTo>
+                    <a:pt x="6261" y="368046"/>
+                  </a:lnTo>
+                  <a:lnTo>
+                    <a:pt x="1583309" y="368046"/>
+                  </a:lnTo>
+                  <a:lnTo>
+                    <a:pt x="1589532" y="361823"/>
+                  </a:lnTo>
+                  <a:lnTo>
+                    <a:pt x="1589532" y="6223"/>
+                  </a:lnTo>
+                  <a:lnTo>
+                    <a:pt x="1583309" y="0"/>
+                  </a:lnTo>
+                  <a:close/>
+                </a:path>
+              </a:pathLst>
+            </a:custGeom>
+            <a:solidFill>
+              <a:srgbClr val="FFFFFF"/>
+            </a:solidFill>
+          </p:spPr>
+          <p:txBody>
+            <a:bodyPr wrap="square" lIns="0" tIns="0" rIns="0" bIns="0" rtlCol="0"/>
+            <a:lstStyle/>
+            <a:p>
+              <a:endParaRPr/>
+            </a:p>
+          </p:txBody>
+        </p:sp>
+      </p:grpSp>
+      <p:sp>
+        <p:nvSpPr>
+          <p:cNvPr id="9" name="object 7">
+            <a:extLst>
+              <a:ext uri="{FF2B5EF4-FFF2-40B4-BE49-F238E27FC236}">
+                <a16:creationId xmlns:a16="http://schemas.microsoft.com/office/drawing/2014/main" id="{FA121E04-3451-99E2-BFF4-320F9C8D8B4E}"/>
+              </a:ext>
+            </a:extLst>
+          </p:cNvPr>
+          <p:cNvSpPr txBox="1"/>
+          <p:nvPr/>
+        </p:nvSpPr>
+        <p:spPr>
+          <a:xfrm>
+            <a:off x="1994873" y="3188419"/>
+            <a:ext cx="1590040" cy="368300"/>
+          </a:xfrm>
+          <a:prstGeom prst="rect">
+            <a:avLst/>
+          </a:prstGeom>
+          <a:ln w="25272">
+            <a:solidFill>
+              <a:srgbClr val="EFAB00"/>
+            </a:solidFill>
+          </a:ln>
+        </p:spPr>
+        <p:txBody>
+          <a:bodyPr vert="horz" wrap="square" lIns="0" tIns="71755" rIns="0" bIns="0" rtlCol="0">
+            <a:spAutoFit/>
+          </a:bodyPr>
+          <a:lstStyle/>
+          <a:p>
+            <a:pPr marL="455295">
+              <a:lnSpc>
+                <a:spcPct val="100000"/>
+              </a:lnSpc>
+              <a:spcBef>
+                <a:spcPts val="565"/>
+              </a:spcBef>
+            </a:pPr>
+            <a:r>
+              <a:rPr sz="1400" spc="-10" dirty="0">
+                <a:solidFill>
+                  <a:srgbClr val="EFAB00"/>
+                </a:solidFill>
+                <a:latin typeface="Arial"/>
+                <a:cs typeface="Arial"/>
+              </a:rPr>
+              <a:t>TRAVEL</a:t>
+            </a:r>
+            <a:endParaRPr sz="1400">
+              <a:latin typeface="Arial"/>
+              <a:cs typeface="Arial"/>
+            </a:endParaRPr>
+          </a:p>
+        </p:txBody>
+      </p:sp>
+      <p:grpSp>
+        <p:nvGrpSpPr>
+          <p:cNvPr id="11" name="object 8">
+            <a:extLst>
+              <a:ext uri="{FF2B5EF4-FFF2-40B4-BE49-F238E27FC236}">
+                <a16:creationId xmlns:a16="http://schemas.microsoft.com/office/drawing/2014/main" id="{3BBAEA81-4FC0-8004-79B2-9888B5DBA82A}"/>
+              </a:ext>
+            </a:extLst>
+          </p:cNvPr>
+          <p:cNvGrpSpPr/>
+          <p:nvPr/>
+        </p:nvGrpSpPr>
+        <p:grpSpPr>
+          <a:xfrm>
+            <a:off x="2947091" y="3334215"/>
+            <a:ext cx="2438148" cy="3344804"/>
+            <a:chOff x="1694024" y="2946526"/>
+            <a:chExt cx="2438148" cy="3344804"/>
+          </a:xfrm>
+        </p:grpSpPr>
+        <p:sp>
+          <p:nvSpPr>
+            <p:cNvPr id="12" name="object 9">
+              <a:extLst>
+                <a:ext uri="{FF2B5EF4-FFF2-40B4-BE49-F238E27FC236}">
+                  <a16:creationId xmlns:a16="http://schemas.microsoft.com/office/drawing/2014/main" id="{5704D7A0-0F78-FD27-A1DB-C331D5E3AA44}"/>
+                </a:ext>
+              </a:extLst>
+            </p:cNvPr>
+            <p:cNvSpPr/>
+            <p:nvPr/>
+          </p:nvSpPr>
+          <p:spPr>
+            <a:xfrm>
+              <a:off x="2331339" y="2946526"/>
+              <a:ext cx="1590040" cy="76200"/>
+            </a:xfrm>
+            <a:custGeom>
+              <a:avLst/>
+              <a:gdLst/>
+              <a:ahLst/>
+              <a:cxnLst/>
+              <a:rect l="l" t="t" r="r" b="b"/>
+              <a:pathLst>
+                <a:path w="1590039" h="76200">
+                  <a:moveTo>
+                    <a:pt x="76073" y="0"/>
+                  </a:moveTo>
+                  <a:lnTo>
+                    <a:pt x="0" y="38226"/>
+                  </a:lnTo>
+                  <a:lnTo>
+                    <a:pt x="76327" y="76200"/>
+                  </a:lnTo>
+                  <a:lnTo>
+                    <a:pt x="76226" y="46100"/>
+                  </a:lnTo>
+                  <a:lnTo>
+                    <a:pt x="63500" y="46100"/>
+                  </a:lnTo>
+                  <a:lnTo>
+                    <a:pt x="63500" y="30099"/>
+                  </a:lnTo>
+                  <a:lnTo>
+                    <a:pt x="76173" y="30071"/>
+                  </a:lnTo>
+                  <a:lnTo>
+                    <a:pt x="76073" y="0"/>
+                  </a:lnTo>
+                  <a:close/>
+                </a:path>
+                <a:path w="1590039" h="76200">
+                  <a:moveTo>
+                    <a:pt x="76173" y="30071"/>
+                  </a:moveTo>
+                  <a:lnTo>
+                    <a:pt x="63500" y="30099"/>
+                  </a:lnTo>
+                  <a:lnTo>
+                    <a:pt x="63500" y="46100"/>
+                  </a:lnTo>
+                  <a:lnTo>
+                    <a:pt x="76226" y="46073"/>
+                  </a:lnTo>
+                  <a:lnTo>
+                    <a:pt x="76173" y="30071"/>
+                  </a:lnTo>
+                  <a:close/>
+                </a:path>
+                <a:path w="1590039" h="76200">
+                  <a:moveTo>
+                    <a:pt x="76226" y="46073"/>
+                  </a:moveTo>
+                  <a:lnTo>
+                    <a:pt x="63500" y="46100"/>
+                  </a:lnTo>
+                  <a:lnTo>
+                    <a:pt x="76226" y="46100"/>
+                  </a:lnTo>
+                  <a:close/>
+                </a:path>
+                <a:path w="1590039" h="76200">
+                  <a:moveTo>
+                    <a:pt x="1590039" y="26797"/>
+                  </a:moveTo>
+                  <a:lnTo>
+                    <a:pt x="76173" y="30071"/>
+                  </a:lnTo>
+                  <a:lnTo>
+                    <a:pt x="76226" y="46073"/>
+                  </a:lnTo>
+                  <a:lnTo>
+                    <a:pt x="1590039" y="42799"/>
+                  </a:lnTo>
+                  <a:lnTo>
+                    <a:pt x="1590039" y="26797"/>
+                  </a:lnTo>
+                  <a:close/>
+                </a:path>
+              </a:pathLst>
+            </a:custGeom>
+            <a:solidFill>
+              <a:srgbClr val="7E7E7E"/>
+            </a:solidFill>
+          </p:spPr>
+          <p:txBody>
+            <a:bodyPr wrap="square" lIns="0" tIns="0" rIns="0" bIns="0" rtlCol="0"/>
+            <a:lstStyle/>
+            <a:p>
+              <a:endParaRPr/>
+            </a:p>
+          </p:txBody>
+        </p:sp>
+        <p:sp>
+          <p:nvSpPr>
+            <p:cNvPr id="13" name="object 10">
+              <a:extLst>
+                <a:ext uri="{FF2B5EF4-FFF2-40B4-BE49-F238E27FC236}">
+                  <a16:creationId xmlns:a16="http://schemas.microsoft.com/office/drawing/2014/main" id="{8BEF3A25-B632-EA95-3A86-13BAB1B3E220}"/>
+                </a:ext>
+              </a:extLst>
+            </p:cNvPr>
+            <p:cNvSpPr/>
+            <p:nvPr/>
+          </p:nvSpPr>
+          <p:spPr>
+            <a:xfrm>
+              <a:off x="1694024" y="5232621"/>
+              <a:ext cx="2438148" cy="1058709"/>
+            </a:xfrm>
+            <a:custGeom>
+              <a:avLst/>
+              <a:gdLst/>
+              <a:ahLst/>
+              <a:cxnLst/>
+              <a:rect l="l" t="t" r="r" b="b"/>
+              <a:pathLst>
+                <a:path w="1590039" h="770889">
+                  <a:moveTo>
+                    <a:pt x="1560195" y="0"/>
+                  </a:moveTo>
+                  <a:lnTo>
+                    <a:pt x="29273" y="0"/>
+                  </a:lnTo>
+                  <a:lnTo>
+                    <a:pt x="17879" y="2297"/>
+                  </a:lnTo>
+                  <a:lnTo>
+                    <a:pt x="8574" y="8572"/>
+                  </a:lnTo>
+                  <a:lnTo>
+                    <a:pt x="2300" y="17895"/>
+                  </a:lnTo>
+                  <a:lnTo>
+                    <a:pt x="0" y="29337"/>
+                  </a:lnTo>
+                  <a:lnTo>
+                    <a:pt x="0" y="741108"/>
+                  </a:lnTo>
+                  <a:lnTo>
+                    <a:pt x="2300" y="752502"/>
+                  </a:lnTo>
+                  <a:lnTo>
+                    <a:pt x="8574" y="761807"/>
+                  </a:lnTo>
+                  <a:lnTo>
+                    <a:pt x="17879" y="768081"/>
+                  </a:lnTo>
+                  <a:lnTo>
+                    <a:pt x="29273" y="770382"/>
+                  </a:lnTo>
+                  <a:lnTo>
+                    <a:pt x="1560195" y="770382"/>
+                  </a:lnTo>
+                  <a:lnTo>
+                    <a:pt x="1571636" y="768081"/>
+                  </a:lnTo>
+                  <a:lnTo>
+                    <a:pt x="1580959" y="761807"/>
+                  </a:lnTo>
+                  <a:lnTo>
+                    <a:pt x="1587234" y="752502"/>
+                  </a:lnTo>
+                  <a:lnTo>
+                    <a:pt x="1589532" y="741108"/>
+                  </a:lnTo>
+                  <a:lnTo>
+                    <a:pt x="1589532" y="29337"/>
+                  </a:lnTo>
+                  <a:lnTo>
+                    <a:pt x="1587234" y="17895"/>
+                  </a:lnTo>
+                  <a:lnTo>
+                    <a:pt x="1580959" y="8572"/>
+                  </a:lnTo>
+                  <a:lnTo>
+                    <a:pt x="1571636" y="2297"/>
+                  </a:lnTo>
+                  <a:lnTo>
+                    <a:pt x="1560195" y="0"/>
+                  </a:lnTo>
+                  <a:close/>
+                </a:path>
+              </a:pathLst>
+            </a:custGeom>
+            <a:solidFill>
+              <a:srgbClr val="008FD2"/>
+            </a:solidFill>
+          </p:spPr>
+          <p:txBody>
+            <a:bodyPr wrap="square" lIns="0" tIns="0" rIns="0" bIns="0" rtlCol="0"/>
+            <a:lstStyle/>
+            <a:p>
+              <a:endParaRPr/>
+            </a:p>
+          </p:txBody>
+        </p:sp>
+        <p:sp>
+          <p:nvSpPr>
+            <p:cNvPr id="14" name="object 11">
+              <a:extLst>
+                <a:ext uri="{FF2B5EF4-FFF2-40B4-BE49-F238E27FC236}">
+                  <a16:creationId xmlns:a16="http://schemas.microsoft.com/office/drawing/2014/main" id="{C74ED7B2-0475-2AB0-8794-9B751F1B5AF6}"/>
+                </a:ext>
+              </a:extLst>
+            </p:cNvPr>
+            <p:cNvSpPr/>
+            <p:nvPr/>
+          </p:nvSpPr>
+          <p:spPr>
+            <a:xfrm>
+              <a:off x="2054987" y="5402886"/>
+              <a:ext cx="1590040" cy="770890"/>
+            </a:xfrm>
+            <a:custGeom>
+              <a:avLst/>
+              <a:gdLst/>
+              <a:ahLst/>
+              <a:cxnLst/>
+              <a:rect l="l" t="t" r="r" b="b"/>
+              <a:pathLst>
+                <a:path w="1590039" h="770889">
+                  <a:moveTo>
+                    <a:pt x="0" y="29337"/>
+                  </a:moveTo>
+                  <a:lnTo>
+                    <a:pt x="2300" y="17895"/>
+                  </a:lnTo>
+                  <a:lnTo>
+                    <a:pt x="8574" y="8572"/>
+                  </a:lnTo>
+                  <a:lnTo>
+                    <a:pt x="17879" y="2297"/>
+                  </a:lnTo>
+                  <a:lnTo>
+                    <a:pt x="29273" y="0"/>
+                  </a:lnTo>
+                  <a:lnTo>
+                    <a:pt x="1560195" y="0"/>
+                  </a:lnTo>
+                  <a:lnTo>
+                    <a:pt x="1571636" y="2297"/>
+                  </a:lnTo>
+                  <a:lnTo>
+                    <a:pt x="1580959" y="8572"/>
+                  </a:lnTo>
+                  <a:lnTo>
+                    <a:pt x="1587234" y="17895"/>
+                  </a:lnTo>
+                  <a:lnTo>
+                    <a:pt x="1589532" y="29337"/>
+                  </a:lnTo>
+                  <a:lnTo>
+                    <a:pt x="1589532" y="741108"/>
+                  </a:lnTo>
+                  <a:lnTo>
+                    <a:pt x="1587234" y="752502"/>
+                  </a:lnTo>
+                  <a:lnTo>
+                    <a:pt x="1580959" y="761807"/>
+                  </a:lnTo>
+                  <a:lnTo>
+                    <a:pt x="1571636" y="768081"/>
+                  </a:lnTo>
+                  <a:lnTo>
+                    <a:pt x="1560195" y="770382"/>
+                  </a:lnTo>
+                  <a:lnTo>
+                    <a:pt x="29273" y="770382"/>
+                  </a:lnTo>
+                  <a:lnTo>
+                    <a:pt x="17879" y="768081"/>
+                  </a:lnTo>
+                  <a:lnTo>
+                    <a:pt x="8574" y="761807"/>
+                  </a:lnTo>
+                  <a:lnTo>
+                    <a:pt x="2300" y="752502"/>
+                  </a:lnTo>
+                  <a:lnTo>
+                    <a:pt x="0" y="741108"/>
+                  </a:lnTo>
+                  <a:lnTo>
+                    <a:pt x="0" y="29337"/>
+                  </a:lnTo>
+                  <a:close/>
+                </a:path>
+              </a:pathLst>
+            </a:custGeom>
+            <a:ln w="19050">
+              <a:solidFill>
+                <a:srgbClr val="008FD2"/>
+              </a:solidFill>
+            </a:ln>
+          </p:spPr>
+          <p:txBody>
+            <a:bodyPr wrap="square" lIns="0" tIns="0" rIns="0" bIns="0" rtlCol="0"/>
+            <a:lstStyle/>
+            <a:p>
+              <a:endParaRPr/>
+            </a:p>
+          </p:txBody>
+        </p:sp>
+      </p:grpSp>
+      <p:sp>
+        <p:nvSpPr>
+          <p:cNvPr id="15" name="object 12">
+            <a:extLst>
+              <a:ext uri="{FF2B5EF4-FFF2-40B4-BE49-F238E27FC236}">
+                <a16:creationId xmlns:a16="http://schemas.microsoft.com/office/drawing/2014/main" id="{31A54014-BBEA-CB58-81B4-1BBC8F421039}"/>
+              </a:ext>
+            </a:extLst>
+          </p:cNvPr>
+          <p:cNvSpPr txBox="1"/>
+          <p:nvPr/>
+        </p:nvSpPr>
+        <p:spPr>
+          <a:xfrm>
+            <a:off x="3210603" y="5669486"/>
+            <a:ext cx="1612139" cy="936154"/>
+          </a:xfrm>
+          <a:prstGeom prst="rect">
+            <a:avLst/>
+          </a:prstGeom>
+        </p:spPr>
+        <p:txBody>
+          <a:bodyPr vert="horz" wrap="square" lIns="0" tIns="12700" rIns="0" bIns="0" rtlCol="0">
+            <a:spAutoFit/>
+          </a:bodyPr>
+          <a:lstStyle/>
+          <a:p>
+            <a:pPr marL="57150">
+              <a:lnSpc>
+                <a:spcPct val="100000"/>
+              </a:lnSpc>
+              <a:spcBef>
+                <a:spcPts val="100"/>
+              </a:spcBef>
+            </a:pPr>
+            <a:r>
+              <a:rPr lang="de-DE" sz="1800" spc="-10" dirty="0">
+                <a:solidFill>
+                  <a:srgbClr val="FFFFFF"/>
+                </a:solidFill>
+                <a:latin typeface="Arial"/>
+                <a:cs typeface="Arial"/>
+              </a:rPr>
+              <a:t>CUSTOMER</a:t>
+            </a:r>
+            <a:endParaRPr sz="1800" dirty="0">
+              <a:latin typeface="Arial"/>
+              <a:cs typeface="Arial"/>
+            </a:endParaRPr>
+          </a:p>
+          <a:p>
+            <a:pPr marL="12700">
+              <a:lnSpc>
+                <a:spcPct val="100000"/>
+              </a:lnSpc>
+              <a:spcBef>
+                <a:spcPts val="10"/>
+              </a:spcBef>
+            </a:pPr>
+            <a:r>
+              <a:rPr sz="1400" dirty="0">
+                <a:solidFill>
+                  <a:srgbClr val="FFFFFF"/>
+                </a:solidFill>
+                <a:latin typeface="Arial"/>
+                <a:cs typeface="Arial"/>
+              </a:rPr>
+              <a:t>(</a:t>
+            </a:r>
+            <a:r>
+              <a:rPr lang="de-DE" sz="1400" dirty="0">
+                <a:solidFill>
+                  <a:srgbClr val="FFFFFF"/>
+                </a:solidFill>
+                <a:latin typeface="Arial"/>
+                <a:cs typeface="Arial"/>
+              </a:rPr>
+              <a:t>Stammdaten zum Beispiel für Wertehilfe)</a:t>
+            </a:r>
+            <a:endParaRPr sz="1400" dirty="0">
+              <a:latin typeface="Arial"/>
+              <a:cs typeface="Arial"/>
+            </a:endParaRPr>
+          </a:p>
+        </p:txBody>
+      </p:sp>
+      <p:grpSp>
+        <p:nvGrpSpPr>
+          <p:cNvPr id="16" name="object 13">
+            <a:extLst>
+              <a:ext uri="{FF2B5EF4-FFF2-40B4-BE49-F238E27FC236}">
+                <a16:creationId xmlns:a16="http://schemas.microsoft.com/office/drawing/2014/main" id="{6E05C042-832C-E58E-B64F-E13A57670AE3}"/>
+              </a:ext>
+            </a:extLst>
+          </p:cNvPr>
+          <p:cNvGrpSpPr/>
+          <p:nvPr/>
+        </p:nvGrpSpPr>
+        <p:grpSpPr>
+          <a:xfrm>
+            <a:off x="5168984" y="4065862"/>
+            <a:ext cx="1609090" cy="387350"/>
+            <a:chOff x="3915917" y="3678173"/>
+            <a:chExt cx="1609090" cy="387350"/>
+          </a:xfrm>
+        </p:grpSpPr>
+        <p:sp>
+          <p:nvSpPr>
+            <p:cNvPr id="17" name="object 14">
+              <a:extLst>
+                <a:ext uri="{FF2B5EF4-FFF2-40B4-BE49-F238E27FC236}">
+                  <a16:creationId xmlns:a16="http://schemas.microsoft.com/office/drawing/2014/main" id="{C41374D0-EA61-FE2D-D852-47891DE09BF6}"/>
+                </a:ext>
+              </a:extLst>
+            </p:cNvPr>
+            <p:cNvSpPr/>
+            <p:nvPr/>
+          </p:nvSpPr>
+          <p:spPr>
+            <a:xfrm>
+              <a:off x="3925442" y="3687698"/>
+              <a:ext cx="1590040" cy="368300"/>
+            </a:xfrm>
+            <a:custGeom>
+              <a:avLst/>
+              <a:gdLst/>
+              <a:ahLst/>
+              <a:cxnLst/>
+              <a:rect l="l" t="t" r="r" b="b"/>
+              <a:pathLst>
+                <a:path w="1590039" h="368300">
+                  <a:moveTo>
+                    <a:pt x="1566037" y="0"/>
+                  </a:moveTo>
+                  <a:lnTo>
+                    <a:pt x="23495" y="0"/>
+                  </a:lnTo>
+                  <a:lnTo>
+                    <a:pt x="14358" y="1849"/>
+                  </a:lnTo>
+                  <a:lnTo>
+                    <a:pt x="6889" y="6889"/>
+                  </a:lnTo>
+                  <a:lnTo>
+                    <a:pt x="1849" y="14358"/>
+                  </a:lnTo>
+                  <a:lnTo>
+                    <a:pt x="0" y="23494"/>
+                  </a:lnTo>
+                  <a:lnTo>
+                    <a:pt x="0" y="344550"/>
+                  </a:lnTo>
+                  <a:lnTo>
+                    <a:pt x="1849" y="353687"/>
+                  </a:lnTo>
+                  <a:lnTo>
+                    <a:pt x="6889" y="361156"/>
+                  </a:lnTo>
+                  <a:lnTo>
+                    <a:pt x="14358" y="366196"/>
+                  </a:lnTo>
+                  <a:lnTo>
+                    <a:pt x="23495" y="368045"/>
+                  </a:lnTo>
+                  <a:lnTo>
+                    <a:pt x="1566037" y="368045"/>
+                  </a:lnTo>
+                  <a:lnTo>
+                    <a:pt x="1575173" y="366196"/>
+                  </a:lnTo>
+                  <a:lnTo>
+                    <a:pt x="1582642" y="361156"/>
+                  </a:lnTo>
+                  <a:lnTo>
+                    <a:pt x="1587682" y="353687"/>
+                  </a:lnTo>
+                  <a:lnTo>
+                    <a:pt x="1589532" y="344550"/>
+                  </a:lnTo>
+                  <a:lnTo>
+                    <a:pt x="1589532" y="23494"/>
+                  </a:lnTo>
+                  <a:lnTo>
+                    <a:pt x="1587682" y="14358"/>
+                  </a:lnTo>
+                  <a:lnTo>
+                    <a:pt x="1582642" y="6889"/>
+                  </a:lnTo>
+                  <a:lnTo>
+                    <a:pt x="1575173" y="1849"/>
+                  </a:lnTo>
+                  <a:lnTo>
+                    <a:pt x="1566037" y="0"/>
+                  </a:lnTo>
+                  <a:close/>
+                </a:path>
+              </a:pathLst>
+            </a:custGeom>
+            <a:solidFill>
+              <a:srgbClr val="FFFFFF"/>
+            </a:solidFill>
+          </p:spPr>
+          <p:txBody>
+            <a:bodyPr wrap="square" lIns="0" tIns="0" rIns="0" bIns="0" rtlCol="0"/>
+            <a:lstStyle/>
+            <a:p>
+              <a:endParaRPr/>
+            </a:p>
+          </p:txBody>
+        </p:sp>
+        <p:sp>
+          <p:nvSpPr>
+            <p:cNvPr id="18" name="object 15">
+              <a:extLst>
+                <a:ext uri="{FF2B5EF4-FFF2-40B4-BE49-F238E27FC236}">
+                  <a16:creationId xmlns:a16="http://schemas.microsoft.com/office/drawing/2014/main" id="{AD39F0CE-8A59-D399-FC24-0F0656158AC3}"/>
+                </a:ext>
+              </a:extLst>
+            </p:cNvPr>
+            <p:cNvSpPr/>
+            <p:nvPr/>
+          </p:nvSpPr>
+          <p:spPr>
+            <a:xfrm>
+              <a:off x="3925442" y="3687698"/>
+              <a:ext cx="1590040" cy="368300"/>
+            </a:xfrm>
+            <a:custGeom>
+              <a:avLst/>
+              <a:gdLst/>
+              <a:ahLst/>
+              <a:cxnLst/>
+              <a:rect l="l" t="t" r="r" b="b"/>
+              <a:pathLst>
+                <a:path w="1590039" h="368300">
+                  <a:moveTo>
+                    <a:pt x="0" y="23494"/>
+                  </a:moveTo>
+                  <a:lnTo>
+                    <a:pt x="1849" y="14358"/>
+                  </a:lnTo>
+                  <a:lnTo>
+                    <a:pt x="6889" y="6889"/>
+                  </a:lnTo>
+                  <a:lnTo>
+                    <a:pt x="14358" y="1849"/>
+                  </a:lnTo>
+                  <a:lnTo>
+                    <a:pt x="23495" y="0"/>
+                  </a:lnTo>
+                  <a:lnTo>
+                    <a:pt x="1566037" y="0"/>
+                  </a:lnTo>
+                  <a:lnTo>
+                    <a:pt x="1575173" y="1849"/>
+                  </a:lnTo>
+                  <a:lnTo>
+                    <a:pt x="1582642" y="6889"/>
+                  </a:lnTo>
+                  <a:lnTo>
+                    <a:pt x="1587682" y="14358"/>
+                  </a:lnTo>
+                  <a:lnTo>
+                    <a:pt x="1589532" y="23494"/>
+                  </a:lnTo>
+                  <a:lnTo>
+                    <a:pt x="1589532" y="344550"/>
+                  </a:lnTo>
+                  <a:lnTo>
+                    <a:pt x="1587682" y="353687"/>
+                  </a:lnTo>
+                  <a:lnTo>
+                    <a:pt x="1582642" y="361156"/>
+                  </a:lnTo>
+                  <a:lnTo>
+                    <a:pt x="1575173" y="366196"/>
+                  </a:lnTo>
+                  <a:lnTo>
+                    <a:pt x="1566037" y="368045"/>
+                  </a:lnTo>
+                  <a:lnTo>
+                    <a:pt x="23495" y="368045"/>
+                  </a:lnTo>
+                  <a:lnTo>
+                    <a:pt x="14358" y="366196"/>
+                  </a:lnTo>
+                  <a:lnTo>
+                    <a:pt x="6889" y="361156"/>
+                  </a:lnTo>
+                  <a:lnTo>
+                    <a:pt x="1849" y="353687"/>
+                  </a:lnTo>
+                  <a:lnTo>
+                    <a:pt x="0" y="344550"/>
+                  </a:lnTo>
+                  <a:lnTo>
+                    <a:pt x="0" y="23494"/>
+                  </a:lnTo>
+                  <a:close/>
+                </a:path>
+              </a:pathLst>
+            </a:custGeom>
+            <a:ln w="19050">
+              <a:solidFill>
+                <a:srgbClr val="008FD2"/>
+              </a:solidFill>
+            </a:ln>
+          </p:spPr>
+          <p:txBody>
+            <a:bodyPr wrap="square" lIns="0" tIns="0" rIns="0" bIns="0" rtlCol="0"/>
+            <a:lstStyle/>
+            <a:p>
+              <a:endParaRPr/>
+            </a:p>
+          </p:txBody>
+        </p:sp>
+      </p:grpSp>
+      <p:sp>
+        <p:nvSpPr>
+          <p:cNvPr id="19" name="object 16">
+            <a:extLst>
+              <a:ext uri="{FF2B5EF4-FFF2-40B4-BE49-F238E27FC236}">
+                <a16:creationId xmlns:a16="http://schemas.microsoft.com/office/drawing/2014/main" id="{14265492-9BE6-F670-1503-76AE96D469AB}"/>
+              </a:ext>
+            </a:extLst>
+          </p:cNvPr>
+          <p:cNvSpPr txBox="1"/>
+          <p:nvPr/>
+        </p:nvSpPr>
+        <p:spPr>
+          <a:xfrm>
+            <a:off x="5644472" y="4135459"/>
+            <a:ext cx="657225" cy="238760"/>
+          </a:xfrm>
+          <a:prstGeom prst="rect">
+            <a:avLst/>
+          </a:prstGeom>
+        </p:spPr>
+        <p:txBody>
+          <a:bodyPr vert="horz" wrap="square" lIns="0" tIns="12065" rIns="0" bIns="0" rtlCol="0">
+            <a:spAutoFit/>
+          </a:bodyPr>
+          <a:lstStyle/>
+          <a:p>
+            <a:pPr marL="12700">
+              <a:lnSpc>
+                <a:spcPct val="100000"/>
+              </a:lnSpc>
+              <a:spcBef>
+                <a:spcPts val="95"/>
+              </a:spcBef>
+            </a:pPr>
+            <a:r>
+              <a:rPr sz="1400" spc="-10" dirty="0">
+                <a:solidFill>
+                  <a:srgbClr val="008FD2"/>
+                </a:solidFill>
+                <a:latin typeface="Arial"/>
+                <a:cs typeface="Arial"/>
+              </a:rPr>
+              <a:t>FLIGHT</a:t>
+            </a:r>
+            <a:endParaRPr sz="1400">
+              <a:latin typeface="Arial"/>
+              <a:cs typeface="Arial"/>
+            </a:endParaRPr>
+          </a:p>
+        </p:txBody>
+      </p:sp>
+      <p:grpSp>
+        <p:nvGrpSpPr>
+          <p:cNvPr id="20" name="object 17">
+            <a:extLst>
+              <a:ext uri="{FF2B5EF4-FFF2-40B4-BE49-F238E27FC236}">
+                <a16:creationId xmlns:a16="http://schemas.microsoft.com/office/drawing/2014/main" id="{C3DCBC1D-C3B8-5ED8-167A-560A28D37FF3}"/>
+              </a:ext>
+            </a:extLst>
+          </p:cNvPr>
+          <p:cNvGrpSpPr/>
+          <p:nvPr/>
+        </p:nvGrpSpPr>
+        <p:grpSpPr>
+          <a:xfrm>
+            <a:off x="3574881" y="2284306"/>
+            <a:ext cx="1609725" cy="387350"/>
+            <a:chOff x="2321814" y="1896617"/>
+            <a:chExt cx="1609725" cy="387350"/>
+          </a:xfrm>
+        </p:grpSpPr>
+        <p:sp>
+          <p:nvSpPr>
+            <p:cNvPr id="21" name="object 18">
+              <a:extLst>
+                <a:ext uri="{FF2B5EF4-FFF2-40B4-BE49-F238E27FC236}">
+                  <a16:creationId xmlns:a16="http://schemas.microsoft.com/office/drawing/2014/main" id="{28084690-DF96-CB91-E8F0-28F3EDD90592}"/>
+                </a:ext>
+              </a:extLst>
+            </p:cNvPr>
+            <p:cNvSpPr/>
+            <p:nvPr/>
+          </p:nvSpPr>
+          <p:spPr>
+            <a:xfrm>
+              <a:off x="2331339" y="1906142"/>
+              <a:ext cx="1590675" cy="368300"/>
+            </a:xfrm>
+            <a:custGeom>
+              <a:avLst/>
+              <a:gdLst/>
+              <a:ahLst/>
+              <a:cxnLst/>
+              <a:rect l="l" t="t" r="r" b="b"/>
+              <a:pathLst>
+                <a:path w="1590675" h="368300">
+                  <a:moveTo>
+                    <a:pt x="1566799" y="0"/>
+                  </a:moveTo>
+                  <a:lnTo>
+                    <a:pt x="23494" y="0"/>
+                  </a:lnTo>
+                  <a:lnTo>
+                    <a:pt x="14358" y="1849"/>
+                  </a:lnTo>
+                  <a:lnTo>
+                    <a:pt x="6889" y="6889"/>
+                  </a:lnTo>
+                  <a:lnTo>
+                    <a:pt x="1849" y="14358"/>
+                  </a:lnTo>
+                  <a:lnTo>
+                    <a:pt x="0" y="23495"/>
+                  </a:lnTo>
+                  <a:lnTo>
+                    <a:pt x="0" y="344551"/>
+                  </a:lnTo>
+                  <a:lnTo>
+                    <a:pt x="1849" y="353687"/>
+                  </a:lnTo>
+                  <a:lnTo>
+                    <a:pt x="6889" y="361156"/>
+                  </a:lnTo>
+                  <a:lnTo>
+                    <a:pt x="14358" y="366196"/>
+                  </a:lnTo>
+                  <a:lnTo>
+                    <a:pt x="23494" y="368046"/>
+                  </a:lnTo>
+                  <a:lnTo>
+                    <a:pt x="1566799" y="368046"/>
+                  </a:lnTo>
+                  <a:lnTo>
+                    <a:pt x="1575935" y="366196"/>
+                  </a:lnTo>
+                  <a:lnTo>
+                    <a:pt x="1583404" y="361156"/>
+                  </a:lnTo>
+                  <a:lnTo>
+                    <a:pt x="1588444" y="353687"/>
+                  </a:lnTo>
+                  <a:lnTo>
+                    <a:pt x="1590294" y="344551"/>
+                  </a:lnTo>
+                  <a:lnTo>
+                    <a:pt x="1590294" y="23495"/>
+                  </a:lnTo>
+                  <a:lnTo>
+                    <a:pt x="1588444" y="14358"/>
+                  </a:lnTo>
+                  <a:lnTo>
+                    <a:pt x="1583404" y="6889"/>
+                  </a:lnTo>
+                  <a:lnTo>
+                    <a:pt x="1575935" y="1849"/>
+                  </a:lnTo>
+                  <a:lnTo>
+                    <a:pt x="1566799" y="0"/>
+                  </a:lnTo>
+                  <a:close/>
+                </a:path>
+              </a:pathLst>
+            </a:custGeom>
+            <a:solidFill>
+              <a:srgbClr val="FFFFFF"/>
+            </a:solidFill>
+          </p:spPr>
+          <p:txBody>
+            <a:bodyPr wrap="square" lIns="0" tIns="0" rIns="0" bIns="0" rtlCol="0"/>
+            <a:lstStyle/>
+            <a:p>
+              <a:endParaRPr/>
+            </a:p>
+          </p:txBody>
+        </p:sp>
+        <p:sp>
+          <p:nvSpPr>
+            <p:cNvPr id="22" name="object 19">
+              <a:extLst>
+                <a:ext uri="{FF2B5EF4-FFF2-40B4-BE49-F238E27FC236}">
+                  <a16:creationId xmlns:a16="http://schemas.microsoft.com/office/drawing/2014/main" id="{80148773-62B0-BFFD-5A53-3E0445290760}"/>
+                </a:ext>
+              </a:extLst>
+            </p:cNvPr>
+            <p:cNvSpPr/>
+            <p:nvPr/>
+          </p:nvSpPr>
+          <p:spPr>
+            <a:xfrm>
+              <a:off x="2331339" y="1906142"/>
+              <a:ext cx="1590675" cy="368300"/>
+            </a:xfrm>
+            <a:custGeom>
+              <a:avLst/>
+              <a:gdLst/>
+              <a:ahLst/>
+              <a:cxnLst/>
+              <a:rect l="l" t="t" r="r" b="b"/>
+              <a:pathLst>
+                <a:path w="1590675" h="368300">
+                  <a:moveTo>
+                    <a:pt x="0" y="23495"/>
+                  </a:moveTo>
+                  <a:lnTo>
+                    <a:pt x="1849" y="14358"/>
+                  </a:lnTo>
+                  <a:lnTo>
+                    <a:pt x="6889" y="6889"/>
+                  </a:lnTo>
+                  <a:lnTo>
+                    <a:pt x="14358" y="1849"/>
+                  </a:lnTo>
+                  <a:lnTo>
+                    <a:pt x="23494" y="0"/>
+                  </a:lnTo>
+                  <a:lnTo>
+                    <a:pt x="1566799" y="0"/>
+                  </a:lnTo>
+                  <a:lnTo>
+                    <a:pt x="1575935" y="1849"/>
+                  </a:lnTo>
+                  <a:lnTo>
+                    <a:pt x="1583404" y="6889"/>
+                  </a:lnTo>
+                  <a:lnTo>
+                    <a:pt x="1588444" y="14358"/>
+                  </a:lnTo>
+                  <a:lnTo>
+                    <a:pt x="1590294" y="23495"/>
+                  </a:lnTo>
+                  <a:lnTo>
+                    <a:pt x="1590294" y="344551"/>
+                  </a:lnTo>
+                  <a:lnTo>
+                    <a:pt x="1588444" y="353687"/>
+                  </a:lnTo>
+                  <a:lnTo>
+                    <a:pt x="1583404" y="361156"/>
+                  </a:lnTo>
+                  <a:lnTo>
+                    <a:pt x="1575935" y="366196"/>
+                  </a:lnTo>
+                  <a:lnTo>
+                    <a:pt x="1566799" y="368046"/>
+                  </a:lnTo>
+                  <a:lnTo>
+                    <a:pt x="23494" y="368046"/>
+                  </a:lnTo>
+                  <a:lnTo>
+                    <a:pt x="14358" y="366196"/>
+                  </a:lnTo>
+                  <a:lnTo>
+                    <a:pt x="6889" y="361156"/>
+                  </a:lnTo>
+                  <a:lnTo>
+                    <a:pt x="1849" y="353687"/>
+                  </a:lnTo>
+                  <a:lnTo>
+                    <a:pt x="0" y="344551"/>
+                  </a:lnTo>
+                  <a:lnTo>
+                    <a:pt x="0" y="23495"/>
+                  </a:lnTo>
+                  <a:close/>
+                </a:path>
+              </a:pathLst>
+            </a:custGeom>
+            <a:ln w="19050">
+              <a:solidFill>
+                <a:srgbClr val="008FD2"/>
+              </a:solidFill>
+            </a:ln>
+          </p:spPr>
+          <p:txBody>
+            <a:bodyPr wrap="square" lIns="0" tIns="0" rIns="0" bIns="0" rtlCol="0"/>
+            <a:lstStyle/>
+            <a:p>
+              <a:endParaRPr/>
+            </a:p>
+          </p:txBody>
+        </p:sp>
+      </p:grpSp>
+      <p:sp>
+        <p:nvSpPr>
+          <p:cNvPr id="23" name="object 20">
+            <a:extLst>
+              <a:ext uri="{FF2B5EF4-FFF2-40B4-BE49-F238E27FC236}">
+                <a16:creationId xmlns:a16="http://schemas.microsoft.com/office/drawing/2014/main" id="{4524E5FF-0002-8913-B990-C51262D15726}"/>
+              </a:ext>
+            </a:extLst>
+          </p:cNvPr>
+          <p:cNvSpPr txBox="1"/>
+          <p:nvPr/>
+        </p:nvSpPr>
+        <p:spPr>
+          <a:xfrm>
+            <a:off x="3861139" y="2353902"/>
+            <a:ext cx="1036955" cy="238760"/>
+          </a:xfrm>
+          <a:prstGeom prst="rect">
+            <a:avLst/>
+          </a:prstGeom>
+        </p:spPr>
+        <p:txBody>
+          <a:bodyPr vert="horz" wrap="square" lIns="0" tIns="12065" rIns="0" bIns="0" rtlCol="0">
+            <a:spAutoFit/>
+          </a:bodyPr>
+          <a:lstStyle/>
+          <a:p>
+            <a:pPr marL="12700">
+              <a:lnSpc>
+                <a:spcPct val="100000"/>
+              </a:lnSpc>
+              <a:spcBef>
+                <a:spcPts val="95"/>
+              </a:spcBef>
+            </a:pPr>
+            <a:r>
+              <a:rPr sz="1400" spc="-10" dirty="0">
+                <a:solidFill>
+                  <a:srgbClr val="008FD2"/>
+                </a:solidFill>
+                <a:latin typeface="Arial"/>
+                <a:cs typeface="Arial"/>
+              </a:rPr>
+              <a:t>CUSTOMER</a:t>
+            </a:r>
+            <a:endParaRPr sz="1400">
+              <a:latin typeface="Arial"/>
+              <a:cs typeface="Arial"/>
+            </a:endParaRPr>
+          </a:p>
+        </p:txBody>
+      </p:sp>
+      <p:sp>
+        <p:nvSpPr>
+          <p:cNvPr id="24" name="object 21">
+            <a:extLst>
+              <a:ext uri="{FF2B5EF4-FFF2-40B4-BE49-F238E27FC236}">
+                <a16:creationId xmlns:a16="http://schemas.microsoft.com/office/drawing/2014/main" id="{EDCA0AB6-BFB3-5E41-6F2D-349B71FE7B0D}"/>
+              </a:ext>
+            </a:extLst>
+          </p:cNvPr>
+          <p:cNvSpPr/>
+          <p:nvPr/>
+        </p:nvSpPr>
+        <p:spPr>
+          <a:xfrm>
+            <a:off x="5174700" y="3184609"/>
+            <a:ext cx="1590675" cy="368300"/>
+          </a:xfrm>
+          <a:custGeom>
+            <a:avLst/>
+            <a:gdLst/>
+            <a:ahLst/>
+            <a:cxnLst/>
+            <a:rect l="l" t="t" r="r" b="b"/>
+            <a:pathLst>
+              <a:path w="1590675" h="368300">
+                <a:moveTo>
+                  <a:pt x="1584070" y="0"/>
+                </a:moveTo>
+                <a:lnTo>
+                  <a:pt x="6222" y="0"/>
+                </a:lnTo>
+                <a:lnTo>
+                  <a:pt x="0" y="6223"/>
+                </a:lnTo>
+                <a:lnTo>
+                  <a:pt x="0" y="13969"/>
+                </a:lnTo>
+                <a:lnTo>
+                  <a:pt x="0" y="361823"/>
+                </a:lnTo>
+                <a:lnTo>
+                  <a:pt x="6222" y="368045"/>
+                </a:lnTo>
+                <a:lnTo>
+                  <a:pt x="1584070" y="368045"/>
+                </a:lnTo>
+                <a:lnTo>
+                  <a:pt x="1590293" y="361823"/>
+                </a:lnTo>
+                <a:lnTo>
+                  <a:pt x="1590293" y="6223"/>
+                </a:lnTo>
+                <a:lnTo>
+                  <a:pt x="1584070" y="0"/>
+                </a:lnTo>
+                <a:close/>
+              </a:path>
+            </a:pathLst>
+          </a:custGeom>
+          <a:solidFill>
+            <a:srgbClr val="FFFFFF"/>
+          </a:solidFill>
+        </p:spPr>
+        <p:txBody>
+          <a:bodyPr wrap="square" lIns="0" tIns="0" rIns="0" bIns="0" rtlCol="0"/>
+          <a:lstStyle/>
+          <a:p>
+            <a:endParaRPr/>
+          </a:p>
+        </p:txBody>
+      </p:sp>
+      <p:sp>
+        <p:nvSpPr>
+          <p:cNvPr id="25" name="object 22">
+            <a:extLst>
+              <a:ext uri="{FF2B5EF4-FFF2-40B4-BE49-F238E27FC236}">
+                <a16:creationId xmlns:a16="http://schemas.microsoft.com/office/drawing/2014/main" id="{5BF9B403-E4B8-5E28-B4FB-9F6532155D0B}"/>
+              </a:ext>
+            </a:extLst>
+          </p:cNvPr>
+          <p:cNvSpPr txBox="1"/>
+          <p:nvPr/>
+        </p:nvSpPr>
+        <p:spPr>
+          <a:xfrm>
+            <a:off x="5174700" y="3184609"/>
+            <a:ext cx="1590675" cy="368300"/>
+          </a:xfrm>
+          <a:prstGeom prst="rect">
+            <a:avLst/>
+          </a:prstGeom>
+          <a:ln w="25273">
+            <a:solidFill>
+              <a:srgbClr val="EFAB00"/>
+            </a:solidFill>
+          </a:ln>
+        </p:spPr>
+        <p:txBody>
+          <a:bodyPr vert="horz" wrap="square" lIns="0" tIns="72390" rIns="0" bIns="0" rtlCol="0">
+            <a:spAutoFit/>
+          </a:bodyPr>
+          <a:lstStyle/>
+          <a:p>
+            <a:pPr marL="379730">
+              <a:lnSpc>
+                <a:spcPct val="100000"/>
+              </a:lnSpc>
+              <a:spcBef>
+                <a:spcPts val="570"/>
+              </a:spcBef>
+            </a:pPr>
+            <a:r>
+              <a:rPr sz="1400" spc="-10" dirty="0">
+                <a:solidFill>
+                  <a:srgbClr val="EFAB00"/>
+                </a:solidFill>
+                <a:latin typeface="Arial"/>
+                <a:cs typeface="Arial"/>
+              </a:rPr>
+              <a:t>BOOKING</a:t>
+            </a:r>
+            <a:endParaRPr sz="1400">
+              <a:latin typeface="Arial"/>
+              <a:cs typeface="Arial"/>
+            </a:endParaRPr>
+          </a:p>
+        </p:txBody>
+      </p:sp>
+      <p:grpSp>
+        <p:nvGrpSpPr>
+          <p:cNvPr id="26" name="object 23">
+            <a:extLst>
+              <a:ext uri="{FF2B5EF4-FFF2-40B4-BE49-F238E27FC236}">
+                <a16:creationId xmlns:a16="http://schemas.microsoft.com/office/drawing/2014/main" id="{DD0A4184-5D17-760A-D38B-57B898266E47}"/>
+              </a:ext>
+            </a:extLst>
+          </p:cNvPr>
+          <p:cNvGrpSpPr/>
+          <p:nvPr/>
+        </p:nvGrpSpPr>
+        <p:grpSpPr>
+          <a:xfrm>
+            <a:off x="2781639" y="2440135"/>
+            <a:ext cx="3228975" cy="3226306"/>
+            <a:chOff x="1528572" y="2052446"/>
+            <a:chExt cx="3228975" cy="3226306"/>
+          </a:xfrm>
+        </p:grpSpPr>
+        <p:sp>
+          <p:nvSpPr>
+            <p:cNvPr id="27" name="object 24">
+              <a:extLst>
+                <a:ext uri="{FF2B5EF4-FFF2-40B4-BE49-F238E27FC236}">
+                  <a16:creationId xmlns:a16="http://schemas.microsoft.com/office/drawing/2014/main" id="{DDCD5FD7-7A5A-9A7B-68D9-96AAB9547B40}"/>
+                </a:ext>
+              </a:extLst>
+            </p:cNvPr>
+            <p:cNvSpPr/>
+            <p:nvPr/>
+          </p:nvSpPr>
+          <p:spPr>
+            <a:xfrm>
+              <a:off x="1528572" y="2052446"/>
+              <a:ext cx="3228975" cy="1635760"/>
+            </a:xfrm>
+            <a:custGeom>
+              <a:avLst/>
+              <a:gdLst/>
+              <a:ahLst/>
+              <a:cxnLst/>
+              <a:rect l="l" t="t" r="r" b="b"/>
+              <a:pathLst>
+                <a:path w="3228975" h="1635760">
+                  <a:moveTo>
+                    <a:pt x="803021" y="38100"/>
+                  </a:moveTo>
+                  <a:lnTo>
+                    <a:pt x="787019" y="30099"/>
+                  </a:lnTo>
+                  <a:lnTo>
+                    <a:pt x="726821" y="0"/>
+                  </a:lnTo>
+                  <a:lnTo>
+                    <a:pt x="726821" y="30099"/>
+                  </a:lnTo>
+                  <a:lnTo>
+                    <a:pt x="3556" y="30099"/>
+                  </a:lnTo>
+                  <a:lnTo>
+                    <a:pt x="0" y="33655"/>
+                  </a:lnTo>
+                  <a:lnTo>
+                    <a:pt x="0" y="748157"/>
+                  </a:lnTo>
+                  <a:lnTo>
+                    <a:pt x="16002" y="748157"/>
+                  </a:lnTo>
+                  <a:lnTo>
+                    <a:pt x="16002" y="46101"/>
+                  </a:lnTo>
+                  <a:lnTo>
+                    <a:pt x="726821" y="46101"/>
+                  </a:lnTo>
+                  <a:lnTo>
+                    <a:pt x="726821" y="76200"/>
+                  </a:lnTo>
+                  <a:lnTo>
+                    <a:pt x="787019" y="46101"/>
+                  </a:lnTo>
+                  <a:lnTo>
+                    <a:pt x="803021" y="38100"/>
+                  </a:lnTo>
+                  <a:close/>
+                </a:path>
+                <a:path w="3228975" h="1635760">
+                  <a:moveTo>
+                    <a:pt x="3196082" y="33655"/>
+                  </a:moveTo>
+                  <a:lnTo>
+                    <a:pt x="3192526" y="30099"/>
+                  </a:lnTo>
+                  <a:lnTo>
+                    <a:pt x="2469261" y="30099"/>
+                  </a:lnTo>
+                  <a:lnTo>
+                    <a:pt x="2469261" y="0"/>
+                  </a:lnTo>
+                  <a:lnTo>
+                    <a:pt x="2393061" y="38100"/>
+                  </a:lnTo>
+                  <a:lnTo>
+                    <a:pt x="2469261" y="76200"/>
+                  </a:lnTo>
+                  <a:lnTo>
+                    <a:pt x="2469261" y="46101"/>
+                  </a:lnTo>
+                  <a:lnTo>
+                    <a:pt x="3180080" y="46101"/>
+                  </a:lnTo>
+                  <a:lnTo>
+                    <a:pt x="3180080" y="744728"/>
+                  </a:lnTo>
+                  <a:lnTo>
+                    <a:pt x="3196082" y="744728"/>
+                  </a:lnTo>
+                  <a:lnTo>
+                    <a:pt x="3196082" y="46101"/>
+                  </a:lnTo>
+                  <a:lnTo>
+                    <a:pt x="3196082" y="38100"/>
+                  </a:lnTo>
+                  <a:lnTo>
+                    <a:pt x="3196082" y="33655"/>
+                  </a:lnTo>
+                  <a:close/>
+                </a:path>
+                <a:path w="3228975" h="1635760">
+                  <a:moveTo>
+                    <a:pt x="3228975" y="1558798"/>
+                  </a:moveTo>
+                  <a:lnTo>
+                    <a:pt x="3198914" y="1559001"/>
+                  </a:lnTo>
+                  <a:lnTo>
+                    <a:pt x="3195828" y="1112520"/>
+                  </a:lnTo>
+                  <a:lnTo>
+                    <a:pt x="3179826" y="1112520"/>
+                  </a:lnTo>
+                  <a:lnTo>
+                    <a:pt x="3182912" y="1559115"/>
+                  </a:lnTo>
+                  <a:lnTo>
+                    <a:pt x="3152775" y="1559306"/>
+                  </a:lnTo>
+                  <a:lnTo>
+                    <a:pt x="3191510" y="1635252"/>
+                  </a:lnTo>
+                  <a:lnTo>
+                    <a:pt x="3222625" y="1571752"/>
+                  </a:lnTo>
+                  <a:lnTo>
+                    <a:pt x="3228975" y="1558798"/>
+                  </a:lnTo>
+                  <a:close/>
+                </a:path>
+              </a:pathLst>
+            </a:custGeom>
+            <a:solidFill>
+              <a:srgbClr val="7E7E7E"/>
+            </a:solidFill>
+          </p:spPr>
+          <p:txBody>
+            <a:bodyPr wrap="square" lIns="0" tIns="0" rIns="0" bIns="0" rtlCol="0"/>
+            <a:lstStyle/>
+            <a:p>
+              <a:endParaRPr/>
+            </a:p>
+          </p:txBody>
+        </p:sp>
+        <p:sp>
+          <p:nvSpPr>
+            <p:cNvPr id="28" name="object 25">
+              <a:extLst>
+                <a:ext uri="{FF2B5EF4-FFF2-40B4-BE49-F238E27FC236}">
+                  <a16:creationId xmlns:a16="http://schemas.microsoft.com/office/drawing/2014/main" id="{E4DAEA1D-4767-7AB4-8325-0BFF4BD7C242}"/>
+                </a:ext>
+              </a:extLst>
+            </p:cNvPr>
+            <p:cNvSpPr/>
+            <p:nvPr/>
+          </p:nvSpPr>
+          <p:spPr>
+            <a:xfrm>
+              <a:off x="2913098" y="2265044"/>
+              <a:ext cx="45719" cy="3013708"/>
+            </a:xfrm>
+            <a:custGeom>
+              <a:avLst/>
+              <a:gdLst/>
+              <a:ahLst/>
+              <a:cxnLst/>
+              <a:rect l="l" t="t" r="r" b="b"/>
+              <a:pathLst>
+                <a:path w="76200" h="2110104">
+                  <a:moveTo>
+                    <a:pt x="30099" y="2033905"/>
+                  </a:moveTo>
+                  <a:lnTo>
+                    <a:pt x="0" y="2033905"/>
+                  </a:lnTo>
+                  <a:lnTo>
+                    <a:pt x="38100" y="2110105"/>
+                  </a:lnTo>
+                  <a:lnTo>
+                    <a:pt x="69850" y="2046605"/>
+                  </a:lnTo>
+                  <a:lnTo>
+                    <a:pt x="30099" y="2046605"/>
+                  </a:lnTo>
+                  <a:lnTo>
+                    <a:pt x="30099" y="2033905"/>
+                  </a:lnTo>
+                  <a:close/>
+                </a:path>
+                <a:path w="76200" h="2110104">
+                  <a:moveTo>
+                    <a:pt x="46101" y="0"/>
+                  </a:moveTo>
+                  <a:lnTo>
+                    <a:pt x="30099" y="0"/>
+                  </a:lnTo>
+                  <a:lnTo>
+                    <a:pt x="30099" y="2046605"/>
+                  </a:lnTo>
+                  <a:lnTo>
+                    <a:pt x="46101" y="2046605"/>
+                  </a:lnTo>
+                  <a:lnTo>
+                    <a:pt x="46101" y="0"/>
+                  </a:lnTo>
+                  <a:close/>
+                </a:path>
+                <a:path w="76200" h="2110104">
+                  <a:moveTo>
+                    <a:pt x="76200" y="2033905"/>
+                  </a:moveTo>
+                  <a:lnTo>
+                    <a:pt x="46101" y="2033905"/>
+                  </a:lnTo>
+                  <a:lnTo>
+                    <a:pt x="46101" y="2046605"/>
+                  </a:lnTo>
+                  <a:lnTo>
+                    <a:pt x="69850" y="2046605"/>
+                  </a:lnTo>
+                  <a:lnTo>
+                    <a:pt x="76200" y="2033905"/>
+                  </a:lnTo>
+                  <a:close/>
+                </a:path>
+              </a:pathLst>
+            </a:custGeom>
+            <a:solidFill>
+              <a:srgbClr val="FF0000"/>
+            </a:solidFill>
+          </p:spPr>
+          <p:txBody>
+            <a:bodyPr wrap="square" lIns="0" tIns="0" rIns="0" bIns="0" rtlCol="0"/>
+            <a:lstStyle/>
+            <a:p>
+              <a:endParaRPr/>
+            </a:p>
+          </p:txBody>
+        </p:sp>
+      </p:grpSp>
+      <p:sp>
+        <p:nvSpPr>
+          <p:cNvPr id="29" name="object 27">
+            <a:extLst>
+              <a:ext uri="{FF2B5EF4-FFF2-40B4-BE49-F238E27FC236}">
+                <a16:creationId xmlns:a16="http://schemas.microsoft.com/office/drawing/2014/main" id="{16143264-D64B-055A-1E16-D3E379742609}"/>
+              </a:ext>
+            </a:extLst>
+          </p:cNvPr>
+          <p:cNvSpPr txBox="1"/>
+          <p:nvPr/>
+        </p:nvSpPr>
+        <p:spPr>
+          <a:xfrm>
+            <a:off x="3485633" y="5225528"/>
+            <a:ext cx="1572895" cy="238760"/>
+          </a:xfrm>
+          <a:prstGeom prst="rect">
+            <a:avLst/>
+          </a:prstGeom>
+        </p:spPr>
+        <p:txBody>
+          <a:bodyPr vert="horz" wrap="square" lIns="0" tIns="12065" rIns="0" bIns="0" rtlCol="0">
+            <a:spAutoFit/>
+          </a:bodyPr>
+          <a:lstStyle/>
+          <a:p>
+            <a:pPr marL="12700">
+              <a:lnSpc>
+                <a:spcPct val="100000"/>
+              </a:lnSpc>
+              <a:spcBef>
+                <a:spcPts val="95"/>
+              </a:spcBef>
+            </a:pPr>
+            <a:r>
+              <a:rPr sz="1400" dirty="0">
+                <a:latin typeface="Arial"/>
+                <a:cs typeface="Arial"/>
+              </a:rPr>
+              <a:t>Remote</a:t>
+            </a:r>
+            <a:r>
+              <a:rPr sz="1400" spc="-25" dirty="0">
+                <a:latin typeface="Arial"/>
+                <a:cs typeface="Arial"/>
+              </a:rPr>
+              <a:t> </a:t>
+            </a:r>
+            <a:r>
+              <a:rPr sz="1400" dirty="0">
+                <a:latin typeface="Arial"/>
+                <a:cs typeface="Arial"/>
+              </a:rPr>
+              <a:t>service</a:t>
+            </a:r>
+            <a:r>
+              <a:rPr sz="1400" spc="-35" dirty="0">
+                <a:latin typeface="Arial"/>
+                <a:cs typeface="Arial"/>
+              </a:rPr>
+              <a:t> </a:t>
+            </a:r>
+            <a:r>
+              <a:rPr sz="1400" spc="-20" dirty="0">
+                <a:latin typeface="Arial"/>
+                <a:cs typeface="Arial"/>
+              </a:rPr>
+              <a:t>call</a:t>
+            </a:r>
+            <a:endParaRPr sz="1400" dirty="0">
+              <a:latin typeface="Arial"/>
+              <a:cs typeface="Arial"/>
+            </a:endParaRPr>
+          </a:p>
+        </p:txBody>
+      </p:sp>
+      <p:pic>
+        <p:nvPicPr>
+          <p:cNvPr id="30" name="object 28">
+            <a:extLst>
+              <a:ext uri="{FF2B5EF4-FFF2-40B4-BE49-F238E27FC236}">
+                <a16:creationId xmlns:a16="http://schemas.microsoft.com/office/drawing/2014/main" id="{424BD9A6-DDEF-9E70-1757-80E3A74D8775}"/>
+              </a:ext>
+            </a:extLst>
+          </p:cNvPr>
+          <p:cNvPicPr/>
+          <p:nvPr/>
+        </p:nvPicPr>
+        <p:blipFill>
+          <a:blip r:embed="rId2" cstate="print"/>
+          <a:stretch>
+            <a:fillRect/>
+          </a:stretch>
+        </p:blipFill>
+        <p:spPr>
+          <a:xfrm>
+            <a:off x="4105966" y="4939678"/>
+            <a:ext cx="166115" cy="165354"/>
+          </a:xfrm>
+          <a:prstGeom prst="rect">
+            <a:avLst/>
+          </a:prstGeom>
+        </p:spPr>
+      </p:pic>
+    </p:spTree>
+    <p:extLst>
+      <p:ext uri="{BB962C8B-B14F-4D97-AF65-F5344CB8AC3E}">
+        <p14:creationId xmlns:p14="http://schemas.microsoft.com/office/powerpoint/2010/main" val="3323908998"/>
+      </p:ext>
+    </p:extLst>
+  </p:cSld>
+  <p:clrMapOvr>
+    <a:masterClrMapping/>
+  </p:clrMapOvr>
+</p:sld>
+</file>
+
+<file path=ppt/slides/slide4.xml><?xml version="1.0" encoding="utf-8"?>
+<p:sld xmlns:a="http://schemas.openxmlformats.org/drawingml/2006/main" xmlns:r="http://schemas.openxmlformats.org/officeDocument/2006/relationships" xmlns:p="http://schemas.openxmlformats.org/presentationml/2006/main">
+  <p:cSld>
+    <p:bg>
+      <p:bgPr>
+        <a:solidFill>
+          <a:schemeClr val="bg1"/>
+        </a:solidFill>
+        <a:effectLst/>
+      </p:bgPr>
+    </p:bg>
+    <p:spTree>
+      <p:nvGrpSpPr>
+        <p:cNvPr id="1" name=""/>
+        <p:cNvGrpSpPr/>
+        <p:nvPr/>
+      </p:nvGrpSpPr>
+      <p:grpSpPr>
+        <a:xfrm>
+          <a:off x="0" y="0"/>
+          <a:ext cx="0" cy="0"/>
+          <a:chOff x="0" y="0"/>
+          <a:chExt cx="0" cy="0"/>
+        </a:xfrm>
+      </p:grpSpPr>
+      <p:sp useBgFill="1">
+        <p:nvSpPr>
           <p:cNvPr id="1031" name="Rectangle 1030">
             <a:extLst>
               <a:ext uri="{FF2B5EF4-FFF2-40B4-BE49-F238E27FC236}">
@@ -9521,7 +15616,7 @@
           <a:lstStyle/>
           <a:p>
             <a:r>
-              <a:rPr lang="en-US" sz="5600" kern="1200">
+              <a:rPr lang="en-US" sz="5600" kern="1200" dirty="0">
                 <a:solidFill>
                   <a:schemeClr val="tx1"/>
                 </a:solidFill>
@@ -9529,7 +15624,7 @@
                 <a:ea typeface="+mj-ea"/>
                 <a:cs typeface="+mj-cs"/>
               </a:rPr>
-              <a:t>Runtime of an unmanaged Query</a:t>
+              <a:t>Runtime of an Unmanaged Query</a:t>
             </a:r>
           </a:p>
         </p:txBody>
@@ -9868,7 +15963,7 @@
 </p:sld>
 </file>
 
-<file path=ppt/slides/slide4.xml><?xml version="1.0" encoding="utf-8"?>
+<file path=ppt/slides/slide5.xml><?xml version="1.0" encoding="utf-8"?>
 <p:sld xmlns:a="http://schemas.openxmlformats.org/drawingml/2006/main" xmlns:r="http://schemas.openxmlformats.org/officeDocument/2006/relationships" xmlns:p="http://schemas.openxmlformats.org/presentationml/2006/main">
   <p:cSld>
     <p:bg>
@@ -10500,7 +16595,7 @@
 </p:sld>
 </file>
 
-<file path=ppt/slides/slide5.xml><?xml version="1.0" encoding="utf-8"?>
+<file path=ppt/slides/slide6.xml><?xml version="1.0" encoding="utf-8"?>
 <p:sld xmlns:a="http://schemas.openxmlformats.org/drawingml/2006/main" xmlns:r="http://schemas.openxmlformats.org/officeDocument/2006/relationships" xmlns:p="http://schemas.openxmlformats.org/presentationml/2006/main">
   <p:cSld>
     <p:bg>
@@ -10917,7 +17012,7 @@
           </p:nvPr>
         </p:nvPicPr>
         <p:blipFill>
-          <a:blip r:embed="rId2"/>
+          <a:blip r:embed="rId3"/>
           <a:stretch>
             <a:fillRect/>
           </a:stretch>
@@ -10945,7 +17040,7 @@
 </p:sld>
 </file>
 
-<file path=ppt/slides/slide6.xml><?xml version="1.0" encoding="utf-8"?>
+<file path=ppt/slides/slide7.xml><?xml version="1.0" encoding="utf-8"?>
 <p:sld xmlns:a="http://schemas.openxmlformats.org/drawingml/2006/main" xmlns:r="http://schemas.openxmlformats.org/officeDocument/2006/relationships" xmlns:p="http://schemas.openxmlformats.org/presentationml/2006/main">
   <p:cSld>
     <p:bg>
@@ -11378,8 +17473,28 @@
               <a:buChar char="•"/>
             </a:pPr>
             <a:r>
-              <a:rPr lang="en-US" sz="2200"/>
-              <a:t>Diese sind möglich für</a:t>
+              <a:rPr lang="en-US" sz="2200" dirty="0" err="1"/>
+              <a:t>Möglich</a:t>
+            </a:r>
+            <a:r>
+              <a:rPr lang="en-US" sz="2200" dirty="0"/>
+              <a:t> für/</a:t>
+            </a:r>
+            <a:r>
+              <a:rPr lang="en-US" sz="2200" dirty="0" err="1"/>
+              <a:t>Unterstützt</a:t>
+            </a:r>
+            <a:r>
+              <a:rPr lang="en-US" sz="2200" dirty="0"/>
+              <a:t> </a:t>
+            </a:r>
+            <a:r>
+              <a:rPr lang="en-US" sz="2200" dirty="0" err="1"/>
+              <a:t>werden</a:t>
+            </a:r>
+            <a:r>
+              <a:rPr lang="en-US" sz="2200" dirty="0"/>
+              <a:t>:</a:t>
             </a:r>
           </a:p>
           <a:p>
@@ -11388,8 +17503,24 @@
               <a:buChar char="•"/>
             </a:pPr>
             <a:r>
-              <a:rPr lang="en-US" sz="2200"/>
-              <a:t>Odata</a:t>
+              <a:rPr lang="en-US" sz="2200" dirty="0"/>
+              <a:t>OData (Nur SAP BTP, </a:t>
+            </a:r>
+            <a:r>
+              <a:rPr lang="en-US" sz="2200" dirty="0" err="1"/>
+              <a:t>Leider</a:t>
+            </a:r>
+            <a:r>
+              <a:rPr lang="en-US" sz="2200" dirty="0"/>
+              <a:t> </a:t>
+            </a:r>
+            <a:r>
+              <a:rPr lang="en-US" sz="2200" dirty="0" err="1"/>
+              <a:t>nicht</a:t>
+            </a:r>
+            <a:r>
+              <a:rPr lang="en-US" sz="2200" dirty="0"/>
+              <a:t> in SAP HANA on premise)</a:t>
             </a:r>
           </a:p>
           <a:p>
@@ -11398,7 +17529,7 @@
               <a:buChar char="•"/>
             </a:pPr>
             <a:r>
-              <a:rPr lang="en-US" sz="2200"/>
+              <a:rPr lang="en-US" sz="2200" dirty="0"/>
               <a:t>Web Services (SOAP)</a:t>
             </a:r>
           </a:p>
@@ -11408,7 +17539,7 @@
               <a:buChar char="•"/>
             </a:pPr>
             <a:r>
-              <a:rPr lang="en-US" sz="2200"/>
+              <a:rPr lang="en-US" sz="2200" dirty="0"/>
               <a:t>RFC.</a:t>
             </a:r>
           </a:p>
@@ -11459,7 +17590,7 @@
 </p:sld>
 </file>
 
-<file path=ppt/slides/slide7.xml><?xml version="1.0" encoding="utf-8"?>
+<file path=ppt/slides/slide8.xml><?xml version="1.0" encoding="utf-8"?>
 <p:sld xmlns:a="http://schemas.openxmlformats.org/drawingml/2006/main" xmlns:r="http://schemas.openxmlformats.org/officeDocument/2006/relationships" xmlns:p="http://schemas.openxmlformats.org/presentationml/2006/main">
   <p:cSld>
     <p:bg>
@@ -11573,8 +17704,8 @@
           <a:lstStyle/>
           <a:p>
             <a:r>
-              <a:rPr lang="de-DE" sz="3000"/>
-              <a:t>Beispiel für die Nutzung eines ODATA</a:t>
+              <a:rPr lang="de-DE" sz="3000" dirty="0"/>
+              <a:t>Beispiel für die Nutzung eines ODATA-Services</a:t>
             </a:r>
           </a:p>
         </p:txBody>
@@ -11896,7 +18027,7 @@
 </p:sld>
 </file>
 
-<file path=ppt/slides/slide8.xml><?xml version="1.0" encoding="utf-8"?>
+<file path=ppt/slides/slide9.xml><?xml version="1.0" encoding="utf-8"?>
 <p:sld xmlns:a="http://schemas.openxmlformats.org/drawingml/2006/main" xmlns:r="http://schemas.openxmlformats.org/officeDocument/2006/relationships" xmlns:p="http://schemas.openxmlformats.org/presentationml/2006/main">
   <p:cSld>
     <p:bg>
@@ -12045,8 +18176,23 @@
           </a:bodyPr>
           <a:lstStyle/>
           <a:p>
-            <a:pPr algn="l"/>
-            <a:endParaRPr lang="de-DE"/>
+            <a:r>
+              <a:rPr lang="de-DE" dirty="0"/>
+              <a:t>Erstelle Service </a:t>
+            </a:r>
+            <a:r>
+              <a:rPr lang="de-DE" dirty="0" err="1"/>
+              <a:t>Consumption</a:t>
+            </a:r>
+            <a:r>
+              <a:rPr lang="de-DE" dirty="0"/>
+              <a:t> Model – </a:t>
+            </a:r>
+            <a:r>
+              <a:rPr lang="de-DE"/>
+              <a:t>Was fällt auf?</a:t>
+            </a:r>
+            <a:endParaRPr lang="de-DE" dirty="0"/>
           </a:p>
         </p:txBody>
       </p:sp>
@@ -12525,484 +18671,6 @@
       <p:bldP spid="2" grpId="0"/>
     </p:bldLst>
   </p:timing>
-</p:sld>
-</file>
-
-<file path=ppt/slides/slide9.xml><?xml version="1.0" encoding="utf-8"?>
-<p:sld xmlns:a="http://schemas.openxmlformats.org/drawingml/2006/main" xmlns:r="http://schemas.openxmlformats.org/officeDocument/2006/relationships" xmlns:p="http://schemas.openxmlformats.org/presentationml/2006/main">
-  <p:cSld>
-    <p:bg>
-      <p:bgPr>
-        <a:solidFill>
-          <a:schemeClr val="bg1"/>
-        </a:solidFill>
-        <a:effectLst/>
-      </p:bgPr>
-    </p:bg>
-    <p:spTree>
-      <p:nvGrpSpPr>
-        <p:cNvPr id="1" name=""/>
-        <p:cNvGrpSpPr/>
-        <p:nvPr/>
-      </p:nvGrpSpPr>
-      <p:grpSpPr>
-        <a:xfrm>
-          <a:off x="0" y="0"/>
-          <a:ext cx="0" cy="0"/>
-          <a:chOff x="0" y="0"/>
-          <a:chExt cx="0" cy="0"/>
-        </a:xfrm>
-      </p:grpSpPr>
-      <p:sp useBgFill="1">
-        <p:nvSpPr>
-          <p:cNvPr id="12" name="Rectangle 11">
-            <a:extLst>
-              <a:ext uri="{FF2B5EF4-FFF2-40B4-BE49-F238E27FC236}">
-                <a16:creationId xmlns:a16="http://schemas.microsoft.com/office/drawing/2014/main" id="{2B97F24A-32CE-4C1C-A50D-3016B394DCFB}"/>
-              </a:ext>
-              <a:ext uri="{C183D7F6-B498-43B3-948B-1728B52AA6E4}">
-                <adec:decorative xmlns:adec="http://schemas.microsoft.com/office/drawing/2017/decorative" val="1"/>
-              </a:ext>
-            </a:extLst>
-          </p:cNvPr>
-          <p:cNvSpPr>
-            <a:spLocks noGrp="1" noRot="1" noChangeAspect="1" noMove="1" noResize="1" noEditPoints="1" noAdjustHandles="1" noChangeArrowheads="1" noChangeShapeType="1" noTextEdit="1"/>
-          </p:cNvSpPr>
-          <p:nvPr>
-            <p:extLst>
-              <p:ext uri="{386F3935-93C4-4BCD-93E2-E3B085C9AB24}">
-                <p16:designElem xmlns:p16="http://schemas.microsoft.com/office/powerpoint/2015/main" val="1"/>
-              </p:ext>
-            </p:extLst>
-          </p:nvPr>
-        </p:nvSpPr>
-        <p:spPr>
-          <a:xfrm>
-            <a:off x="0" y="0"/>
-            <a:ext cx="12192000" cy="6858000"/>
-          </a:xfrm>
-          <a:prstGeom prst="rect">
-            <a:avLst/>
-          </a:prstGeom>
-          <a:ln>
-            <a:noFill/>
-          </a:ln>
-        </p:spPr>
-        <p:style>
-          <a:lnRef idx="2">
-            <a:schemeClr val="accent1">
-              <a:shade val="50000"/>
-            </a:schemeClr>
-          </a:lnRef>
-          <a:fillRef idx="1">
-            <a:schemeClr val="accent1"/>
-          </a:fillRef>
-          <a:effectRef idx="0">
-            <a:schemeClr val="accent1"/>
-          </a:effectRef>
-          <a:fontRef idx="minor">
-            <a:schemeClr val="lt1"/>
-          </a:fontRef>
-        </p:style>
-        <p:txBody>
-          <a:bodyPr rtlCol="0" anchor="ctr"/>
-          <a:lstStyle/>
-          <a:p>
-            <a:pPr algn="ctr"/>
-            <a:endParaRPr lang="en-US"/>
-          </a:p>
-        </p:txBody>
-      </p:sp>
-      <p:sp>
-        <p:nvSpPr>
-          <p:cNvPr id="2" name="Titel 1">
-            <a:extLst>
-              <a:ext uri="{FF2B5EF4-FFF2-40B4-BE49-F238E27FC236}">
-                <a16:creationId xmlns:a16="http://schemas.microsoft.com/office/drawing/2014/main" id="{9144D0FA-97E2-F4E7-C22D-AA6B7BCC1D5E}"/>
-              </a:ext>
-            </a:extLst>
-          </p:cNvPr>
-          <p:cNvSpPr>
-            <a:spLocks noGrp="1"/>
-          </p:cNvSpPr>
-          <p:nvPr>
-            <p:ph type="title"/>
-          </p:nvPr>
-        </p:nvSpPr>
-        <p:spPr>
-          <a:xfrm>
-            <a:off x="630936" y="639520"/>
-            <a:ext cx="3429000" cy="1719072"/>
-          </a:xfrm>
-        </p:spPr>
-        <p:txBody>
-          <a:bodyPr anchor="b">
-            <a:normAutofit/>
-          </a:bodyPr>
-          <a:lstStyle/>
-          <a:p>
-            <a:r>
-              <a:rPr lang="de-DE" sz="3800">
-                <a:latin typeface="Helvetica" pitchFamily="2" charset="0"/>
-              </a:rPr>
-              <a:t>Erstellen einer Query Provider Class</a:t>
-            </a:r>
-          </a:p>
-        </p:txBody>
-      </p:sp>
-      <p:sp>
-        <p:nvSpPr>
-          <p:cNvPr id="14" name="sketch line">
-            <a:extLst>
-              <a:ext uri="{FF2B5EF4-FFF2-40B4-BE49-F238E27FC236}">
-                <a16:creationId xmlns:a16="http://schemas.microsoft.com/office/drawing/2014/main" id="{CD8B4F24-440B-49E9-B85D-733523DC064B}"/>
-              </a:ext>
-              <a:ext uri="{C183D7F6-B498-43B3-948B-1728B52AA6E4}">
-                <adec:decorative xmlns:adec="http://schemas.microsoft.com/office/drawing/2017/decorative" val="1"/>
-              </a:ext>
-            </a:extLst>
-          </p:cNvPr>
-          <p:cNvSpPr>
-            <a:spLocks noGrp="1" noRot="1" noChangeAspect="1" noMove="1" noResize="1" noEditPoints="1" noAdjustHandles="1" noChangeArrowheads="1" noChangeShapeType="1" noTextEdit="1"/>
-          </p:cNvSpPr>
-          <p:nvPr>
-            <p:extLst>
-              <p:ext uri="{386F3935-93C4-4BCD-93E2-E3B085C9AB24}">
-                <p16:designElem xmlns:p16="http://schemas.microsoft.com/office/powerpoint/2015/main" val="1"/>
-              </p:ext>
-            </p:extLst>
-          </p:nvPr>
-        </p:nvSpPr>
-        <p:spPr>
-          <a:xfrm>
-            <a:off x="643278" y="2573756"/>
-            <a:ext cx="3255095" cy="18288"/>
-          </a:xfrm>
-          <a:custGeom>
-            <a:avLst/>
-            <a:gdLst>
-              <a:gd name="connsiteX0" fmla="*/ 0 w 3255095"/>
-              <a:gd name="connsiteY0" fmla="*/ 0 h 18288"/>
-              <a:gd name="connsiteX1" fmla="*/ 618468 w 3255095"/>
-              <a:gd name="connsiteY1" fmla="*/ 0 h 18288"/>
-              <a:gd name="connsiteX2" fmla="*/ 1269487 w 3255095"/>
-              <a:gd name="connsiteY2" fmla="*/ 0 h 18288"/>
-              <a:gd name="connsiteX3" fmla="*/ 1953057 w 3255095"/>
-              <a:gd name="connsiteY3" fmla="*/ 0 h 18288"/>
-              <a:gd name="connsiteX4" fmla="*/ 2636627 w 3255095"/>
-              <a:gd name="connsiteY4" fmla="*/ 0 h 18288"/>
-              <a:gd name="connsiteX5" fmla="*/ 3255095 w 3255095"/>
-              <a:gd name="connsiteY5" fmla="*/ 0 h 18288"/>
-              <a:gd name="connsiteX6" fmla="*/ 3255095 w 3255095"/>
-              <a:gd name="connsiteY6" fmla="*/ 18288 h 18288"/>
-              <a:gd name="connsiteX7" fmla="*/ 2538974 w 3255095"/>
-              <a:gd name="connsiteY7" fmla="*/ 18288 h 18288"/>
-              <a:gd name="connsiteX8" fmla="*/ 1822853 w 3255095"/>
-              <a:gd name="connsiteY8" fmla="*/ 18288 h 18288"/>
-              <a:gd name="connsiteX9" fmla="*/ 1171834 w 3255095"/>
-              <a:gd name="connsiteY9" fmla="*/ 18288 h 18288"/>
-              <a:gd name="connsiteX10" fmla="*/ 0 w 3255095"/>
-              <a:gd name="connsiteY10" fmla="*/ 18288 h 18288"/>
-              <a:gd name="connsiteX11" fmla="*/ 0 w 3255095"/>
-              <a:gd name="connsiteY11" fmla="*/ 0 h 18288"/>
-            </a:gdLst>
-            <a:ahLst/>
-            <a:cxnLst>
-              <a:cxn ang="0">
-                <a:pos x="connsiteX0" y="connsiteY0"/>
-              </a:cxn>
-              <a:cxn ang="0">
-                <a:pos x="connsiteX1" y="connsiteY1"/>
-              </a:cxn>
-              <a:cxn ang="0">
-                <a:pos x="connsiteX2" y="connsiteY2"/>
-              </a:cxn>
-              <a:cxn ang="0">
-                <a:pos x="connsiteX3" y="connsiteY3"/>
-              </a:cxn>
-              <a:cxn ang="0">
-                <a:pos x="connsiteX4" y="connsiteY4"/>
-              </a:cxn>
-              <a:cxn ang="0">
-                <a:pos x="connsiteX5" y="connsiteY5"/>
-              </a:cxn>
-              <a:cxn ang="0">
-                <a:pos x="connsiteX6" y="connsiteY6"/>
-              </a:cxn>
-              <a:cxn ang="0">
-                <a:pos x="connsiteX7" y="connsiteY7"/>
-              </a:cxn>
-              <a:cxn ang="0">
-                <a:pos x="connsiteX8" y="connsiteY8"/>
-              </a:cxn>
-              <a:cxn ang="0">
-                <a:pos x="connsiteX9" y="connsiteY9"/>
-              </a:cxn>
-              <a:cxn ang="0">
-                <a:pos x="connsiteX10" y="connsiteY10"/>
-              </a:cxn>
-              <a:cxn ang="0">
-                <a:pos x="connsiteX11" y="connsiteY11"/>
-              </a:cxn>
-            </a:cxnLst>
-            <a:rect l="l" t="t" r="r" b="b"/>
-            <a:pathLst>
-              <a:path w="3255095" h="18288" fill="none" extrusionOk="0">
-                <a:moveTo>
-                  <a:pt x="0" y="0"/>
-                </a:moveTo>
-                <a:cubicBezTo>
-                  <a:pt x="240201" y="-22123"/>
-                  <a:pt x="462021" y="-19623"/>
-                  <a:pt x="618468" y="0"/>
-                </a:cubicBezTo>
-                <a:cubicBezTo>
-                  <a:pt x="774915" y="19623"/>
-                  <a:pt x="974734" y="2035"/>
-                  <a:pt x="1269487" y="0"/>
-                </a:cubicBezTo>
-                <a:cubicBezTo>
-                  <a:pt x="1564240" y="-2035"/>
-                  <a:pt x="1733579" y="10639"/>
-                  <a:pt x="1953057" y="0"/>
-                </a:cubicBezTo>
-                <a:cubicBezTo>
-                  <a:pt x="2172535" y="-10639"/>
-                  <a:pt x="2453962" y="14018"/>
-                  <a:pt x="2636627" y="0"/>
-                </a:cubicBezTo>
-                <a:cubicBezTo>
-                  <a:pt x="2819292" y="-14018"/>
-                  <a:pt x="3121375" y="5399"/>
-                  <a:pt x="3255095" y="0"/>
-                </a:cubicBezTo>
-                <a:cubicBezTo>
-                  <a:pt x="3254386" y="8157"/>
-                  <a:pt x="3254682" y="12125"/>
-                  <a:pt x="3255095" y="18288"/>
-                </a:cubicBezTo>
-                <a:cubicBezTo>
-                  <a:pt x="3088545" y="23203"/>
-                  <a:pt x="2687475" y="7419"/>
-                  <a:pt x="2538974" y="18288"/>
-                </a:cubicBezTo>
-                <a:cubicBezTo>
-                  <a:pt x="2390473" y="29157"/>
-                  <a:pt x="2137381" y="-8959"/>
-                  <a:pt x="1822853" y="18288"/>
-                </a:cubicBezTo>
-                <a:cubicBezTo>
-                  <a:pt x="1508325" y="45535"/>
-                  <a:pt x="1466437" y="20385"/>
-                  <a:pt x="1171834" y="18288"/>
-                </a:cubicBezTo>
-                <a:cubicBezTo>
-                  <a:pt x="877231" y="16191"/>
-                  <a:pt x="561097" y="37643"/>
-                  <a:pt x="0" y="18288"/>
-                </a:cubicBezTo>
-                <a:cubicBezTo>
-                  <a:pt x="-46" y="12483"/>
-                  <a:pt x="-203" y="6491"/>
-                  <a:pt x="0" y="0"/>
-                </a:cubicBezTo>
-                <a:close/>
-              </a:path>
-              <a:path w="3255095" h="18288" stroke="0" extrusionOk="0">
-                <a:moveTo>
-                  <a:pt x="0" y="0"/>
-                </a:moveTo>
-                <a:cubicBezTo>
-                  <a:pt x="291965" y="19429"/>
-                  <a:pt x="363155" y="8568"/>
-                  <a:pt x="618468" y="0"/>
-                </a:cubicBezTo>
-                <a:cubicBezTo>
-                  <a:pt x="873781" y="-8568"/>
-                  <a:pt x="904459" y="-19505"/>
-                  <a:pt x="1171834" y="0"/>
-                </a:cubicBezTo>
-                <a:cubicBezTo>
-                  <a:pt x="1439209" y="19505"/>
-                  <a:pt x="1744369" y="9790"/>
-                  <a:pt x="1887955" y="0"/>
-                </a:cubicBezTo>
-                <a:cubicBezTo>
-                  <a:pt x="2031541" y="-9790"/>
-                  <a:pt x="2346378" y="21240"/>
-                  <a:pt x="2506423" y="0"/>
-                </a:cubicBezTo>
-                <a:cubicBezTo>
-                  <a:pt x="2666468" y="-21240"/>
-                  <a:pt x="2990257" y="30414"/>
-                  <a:pt x="3255095" y="0"/>
-                </a:cubicBezTo>
-                <a:cubicBezTo>
-                  <a:pt x="3254831" y="4493"/>
-                  <a:pt x="3255479" y="9472"/>
-                  <a:pt x="3255095" y="18288"/>
-                </a:cubicBezTo>
-                <a:cubicBezTo>
-                  <a:pt x="3120743" y="16690"/>
-                  <a:pt x="2759628" y="42462"/>
-                  <a:pt x="2604076" y="18288"/>
-                </a:cubicBezTo>
-                <a:cubicBezTo>
-                  <a:pt x="2448524" y="-5886"/>
-                  <a:pt x="2184336" y="19599"/>
-                  <a:pt x="1887955" y="18288"/>
-                </a:cubicBezTo>
-                <a:cubicBezTo>
-                  <a:pt x="1591574" y="16977"/>
-                  <a:pt x="1548845" y="6870"/>
-                  <a:pt x="1334589" y="18288"/>
-                </a:cubicBezTo>
-                <a:cubicBezTo>
-                  <a:pt x="1120333" y="29706"/>
-                  <a:pt x="996014" y="9662"/>
-                  <a:pt x="683570" y="18288"/>
-                </a:cubicBezTo>
-                <a:cubicBezTo>
-                  <a:pt x="371126" y="26914"/>
-                  <a:pt x="198687" y="16167"/>
-                  <a:pt x="0" y="18288"/>
-                </a:cubicBezTo>
-                <a:cubicBezTo>
-                  <a:pt x="843" y="9577"/>
-                  <a:pt x="371" y="6900"/>
-                  <a:pt x="0" y="0"/>
-                </a:cubicBezTo>
-                <a:close/>
-              </a:path>
-            </a:pathLst>
-          </a:custGeom>
-          <a:solidFill>
-            <a:schemeClr val="accent2"/>
-          </a:solidFill>
-          <a:ln w="38100" cap="rnd">
-            <a:solidFill>
-              <a:schemeClr val="accent2"/>
-            </a:solidFill>
-            <a:round/>
-            <a:extLst>
-              <a:ext uri="{C807C97D-BFC1-408E-A445-0C87EB9F89A2}">
-                <ask:lineSketchStyleProps xmlns:ask="http://schemas.microsoft.com/office/drawing/2018/sketchyshapes" sd="1219033472">
-                  <a:prstGeom prst="rect">
-                    <a:avLst/>
-                  </a:prstGeom>
-                  <ask:type>
-                    <ask:lineSketchFreehand/>
-                  </ask:type>
-                </ask:lineSketchStyleProps>
-              </a:ext>
-            </a:extLst>
-          </a:ln>
-        </p:spPr>
-        <p:style>
-          <a:lnRef idx="2">
-            <a:schemeClr val="accent1">
-              <a:shade val="50000"/>
-            </a:schemeClr>
-          </a:lnRef>
-          <a:fillRef idx="1">
-            <a:schemeClr val="accent1"/>
-          </a:fillRef>
-          <a:effectRef idx="0">
-            <a:schemeClr val="accent1"/>
-          </a:effectRef>
-          <a:fontRef idx="minor">
-            <a:schemeClr val="lt1"/>
-          </a:fontRef>
-        </p:style>
-        <p:txBody>
-          <a:bodyPr rtlCol="0" anchor="ctr"/>
-          <a:lstStyle/>
-          <a:p>
-            <a:pPr algn="ctr"/>
-            <a:endParaRPr lang="en-US"/>
-          </a:p>
-        </p:txBody>
-      </p:sp>
-      <p:sp>
-        <p:nvSpPr>
-          <p:cNvPr id="6" name="Inhaltsplatzhalter 5">
-            <a:extLst>
-              <a:ext uri="{FF2B5EF4-FFF2-40B4-BE49-F238E27FC236}">
-                <a16:creationId xmlns:a16="http://schemas.microsoft.com/office/drawing/2014/main" id="{A8B49D27-81F0-303A-1F8F-44A8D0DA7C2B}"/>
-              </a:ext>
-            </a:extLst>
-          </p:cNvPr>
-          <p:cNvSpPr>
-            <a:spLocks noGrp="1"/>
-          </p:cNvSpPr>
-          <p:nvPr>
-            <p:ph idx="1"/>
-          </p:nvPr>
-        </p:nvSpPr>
-        <p:spPr>
-          <a:xfrm>
-            <a:off x="630936" y="2807208"/>
-            <a:ext cx="3429000" cy="3410712"/>
-          </a:xfrm>
-        </p:spPr>
-        <p:txBody>
-          <a:bodyPr anchor="t">
-            <a:normAutofit/>
-          </a:bodyPr>
-          <a:lstStyle/>
-          <a:p>
-            <a:r>
-              <a:rPr lang="de-DE" sz="2200" i="1">
-                <a:latin typeface="Helvetica" pitchFamily="2" charset="0"/>
-              </a:rPr>
-              <a:t>Interface if_rap_query_provider</a:t>
-            </a:r>
-          </a:p>
-          <a:p>
-            <a:endParaRPr lang="de-DE" sz="2200"/>
-          </a:p>
-        </p:txBody>
-      </p:sp>
-      <p:pic>
-        <p:nvPicPr>
-          <p:cNvPr id="7" name="Grafik 6">
-            <a:extLst>
-              <a:ext uri="{FF2B5EF4-FFF2-40B4-BE49-F238E27FC236}">
-                <a16:creationId xmlns:a16="http://schemas.microsoft.com/office/drawing/2014/main" id="{2EFF65B8-5972-4745-2C3F-23944C46F0E8}"/>
-              </a:ext>
-            </a:extLst>
-          </p:cNvPr>
-          <p:cNvPicPr>
-            <a:picLocks noChangeAspect="1"/>
-          </p:cNvPicPr>
-          <p:nvPr/>
-        </p:nvPicPr>
-        <p:blipFill>
-          <a:blip r:embed="rId2"/>
-          <a:stretch>
-            <a:fillRect/>
-          </a:stretch>
-        </p:blipFill>
-        <p:spPr>
-          <a:xfrm>
-            <a:off x="4786013" y="640080"/>
-            <a:ext cx="6640285" cy="5577840"/>
-          </a:xfrm>
-          <a:prstGeom prst="rect">
-            <a:avLst/>
-          </a:prstGeom>
-        </p:spPr>
-      </p:pic>
-    </p:spTree>
-    <p:extLst>
-      <p:ext uri="{BB962C8B-B14F-4D97-AF65-F5344CB8AC3E}">
-        <p14:creationId xmlns:p14="http://schemas.microsoft.com/office/powerpoint/2010/main" val="1055560850"/>
-      </p:ext>
-    </p:extLst>
-  </p:cSld>
-  <p:clrMapOvr>
-    <a:masterClrMapping/>
-  </p:clrMapOvr>
 </p:sld>
 </file>
 
@@ -13319,4 +18987,319 @@
     </a:ext>
   </a:extLst>
 </a:theme>
+</file>
+
+<file path=ppt/theme/theme2.xml><?xml version="1.0" encoding="utf-8"?>
+<a:theme xmlns:a="http://schemas.openxmlformats.org/drawingml/2006/main" name="Office">
+  <a:themeElements>
+    <a:clrScheme name="Office">
+      <a:dk1>
+        <a:sysClr val="windowText" lastClr="000000"/>
+      </a:dk1>
+      <a:lt1>
+        <a:sysClr val="window" lastClr="FFFFFF"/>
+      </a:lt1>
+      <a:dk2>
+        <a:srgbClr val="0E2841"/>
+      </a:dk2>
+      <a:lt2>
+        <a:srgbClr val="E8E8E8"/>
+      </a:lt2>
+      <a:accent1>
+        <a:srgbClr val="156082"/>
+      </a:accent1>
+      <a:accent2>
+        <a:srgbClr val="E97132"/>
+      </a:accent2>
+      <a:accent3>
+        <a:srgbClr val="196B24"/>
+      </a:accent3>
+      <a:accent4>
+        <a:srgbClr val="0F9ED5"/>
+      </a:accent4>
+      <a:accent5>
+        <a:srgbClr val="A02B93"/>
+      </a:accent5>
+      <a:accent6>
+        <a:srgbClr val="4EA72E"/>
+      </a:accent6>
+      <a:hlink>
+        <a:srgbClr val="467886"/>
+      </a:hlink>
+      <a:folHlink>
+        <a:srgbClr val="96607D"/>
+      </a:folHlink>
+    </a:clrScheme>
+    <a:fontScheme name="Office">
+      <a:majorFont>
+        <a:latin typeface="Aptos Display" panose="02110004020202020204"/>
+        <a:ea typeface=""/>
+        <a:cs typeface=""/>
+        <a:font script="Jpan" typeface="游ゴシック Light"/>
+        <a:font script="Hang" typeface="맑은 고딕"/>
+        <a:font script="Hans" typeface="等线 Light"/>
+        <a:font script="Hant" typeface="新細明體"/>
+        <a:font script="Arab" typeface="Times New Roman"/>
+        <a:font script="Hebr" typeface="Times New Roman"/>
+        <a:font script="Thai" typeface="Angsana New"/>
+        <a:font script="Ethi" typeface="Nyala"/>
+        <a:font script="Beng" typeface="Vrinda"/>
+        <a:font script="Gujr" typeface="Shruti"/>
+        <a:font script="Khmr" typeface="MoolBoran"/>
+        <a:font script="Knda" typeface="Tunga"/>
+        <a:font script="Guru" typeface="Raavi"/>
+        <a:font script="Cans" typeface="Euphemia"/>
+        <a:font script="Cher" typeface="Plantagenet Cherokee"/>
+        <a:font script="Yiii" typeface="Microsoft Yi Baiti"/>
+        <a:font script="Tibt" typeface="Microsoft Himalaya"/>
+        <a:font script="Thaa" typeface="MV Boli"/>
+        <a:font script="Deva" typeface="Mangal"/>
+        <a:font script="Telu" typeface="Gautami"/>
+        <a:font script="Taml" typeface="Latha"/>
+        <a:font script="Syrc" typeface="Estrangelo Edessa"/>
+        <a:font script="Orya" typeface="Kalinga"/>
+        <a:font script="Mlym" typeface="Kartika"/>
+        <a:font script="Laoo" typeface="DokChampa"/>
+        <a:font script="Sinh" typeface="Iskoola Pota"/>
+        <a:font script="Mong" typeface="Mongolian Baiti"/>
+        <a:font script="Viet" typeface="Times New Roman"/>
+        <a:font script="Uigh" typeface="Microsoft Uighur"/>
+        <a:font script="Geor" typeface="Sylfaen"/>
+        <a:font script="Armn" typeface="Arial"/>
+        <a:font script="Bugi" typeface="Leelawadee UI"/>
+        <a:font script="Bopo" typeface="Microsoft JhengHei"/>
+        <a:font script="Java" typeface="Javanese Text"/>
+        <a:font script="Lisu" typeface="Segoe UI"/>
+        <a:font script="Mymr" typeface="Myanmar Text"/>
+        <a:font script="Nkoo" typeface="Ebrima"/>
+        <a:font script="Olck" typeface="Nirmala UI"/>
+        <a:font script="Osma" typeface="Ebrima"/>
+        <a:font script="Phag" typeface="Phagspa"/>
+        <a:font script="Syrn" typeface="Estrangelo Edessa"/>
+        <a:font script="Syrj" typeface="Estrangelo Edessa"/>
+        <a:font script="Syre" typeface="Estrangelo Edessa"/>
+        <a:font script="Sora" typeface="Nirmala UI"/>
+        <a:font script="Tale" typeface="Microsoft Tai Le"/>
+        <a:font script="Talu" typeface="Microsoft New Tai Lue"/>
+        <a:font script="Tfng" typeface="Ebrima"/>
+      </a:majorFont>
+      <a:minorFont>
+        <a:latin typeface="Aptos" panose="02110004020202020204"/>
+        <a:ea typeface=""/>
+        <a:cs typeface=""/>
+        <a:font script="Jpan" typeface="游ゴシック"/>
+        <a:font script="Hang" typeface="맑은 고딕"/>
+        <a:font script="Hans" typeface="等线"/>
+        <a:font script="Hant" typeface="新細明體"/>
+        <a:font script="Arab" typeface="Arial"/>
+        <a:font script="Hebr" typeface="Arial"/>
+        <a:font script="Thai" typeface="Cordia New"/>
+        <a:font script="Ethi" typeface="Nyala"/>
+        <a:font script="Beng" typeface="Vrinda"/>
+        <a:font script="Gujr" typeface="Shruti"/>
+        <a:font script="Khmr" typeface="DaunPenh"/>
+        <a:font script="Knda" typeface="Tunga"/>
+        <a:font script="Guru" typeface="Raavi"/>
+        <a:font script="Cans" typeface="Euphemia"/>
+        <a:font script="Cher" typeface="Plantagenet Cherokee"/>
+        <a:font script="Yiii" typeface="Microsoft Yi Baiti"/>
+        <a:font script="Tibt" typeface="Microsoft Himalaya"/>
+        <a:font script="Thaa" typeface="MV Boli"/>
+        <a:font script="Deva" typeface="Mangal"/>
+        <a:font script="Telu" typeface="Gautami"/>
+        <a:font script="Taml" typeface="Latha"/>
+        <a:font script="Syrc" typeface="Estrangelo Edessa"/>
+        <a:font script="Orya" typeface="Kalinga"/>
+        <a:font script="Mlym" typeface="Kartika"/>
+        <a:font script="Laoo" typeface="DokChampa"/>
+        <a:font script="Sinh" typeface="Iskoola Pota"/>
+        <a:font script="Mong" typeface="Mongolian Baiti"/>
+        <a:font script="Viet" typeface="Arial"/>
+        <a:font script="Uigh" typeface="Microsoft Uighur"/>
+        <a:font script="Geor" typeface="Sylfaen"/>
+        <a:font script="Armn" typeface="Arial"/>
+        <a:font script="Bugi" typeface="Leelawadee UI"/>
+        <a:font script="Bopo" typeface="Microsoft JhengHei"/>
+        <a:font script="Java" typeface="Javanese Text"/>
+        <a:font script="Lisu" typeface="Segoe UI"/>
+        <a:font script="Mymr" typeface="Myanmar Text"/>
+        <a:font script="Nkoo" typeface="Ebrima"/>
+        <a:font script="Olck" typeface="Nirmala UI"/>
+        <a:font script="Osma" typeface="Ebrima"/>
+        <a:font script="Phag" typeface="Phagspa"/>
+        <a:font script="Syrn" typeface="Estrangelo Edessa"/>
+        <a:font script="Syrj" typeface="Estrangelo Edessa"/>
+        <a:font script="Syre" typeface="Estrangelo Edessa"/>
+        <a:font script="Sora" typeface="Nirmala UI"/>
+        <a:font script="Tale" typeface="Microsoft Tai Le"/>
+        <a:font script="Talu" typeface="Microsoft New Tai Lue"/>
+        <a:font script="Tfng" typeface="Ebrima"/>
+      </a:minorFont>
+    </a:fontScheme>
+    <a:fmtScheme name="Office">
+      <a:fillStyleLst>
+        <a:solidFill>
+          <a:schemeClr val="phClr"/>
+        </a:solidFill>
+        <a:gradFill rotWithShape="1">
+          <a:gsLst>
+            <a:gs pos="0">
+              <a:schemeClr val="phClr">
+                <a:lumMod val="110000"/>
+                <a:satMod val="105000"/>
+                <a:tint val="67000"/>
+              </a:schemeClr>
+            </a:gs>
+            <a:gs pos="50000">
+              <a:schemeClr val="phClr">
+                <a:lumMod val="105000"/>
+                <a:satMod val="103000"/>
+                <a:tint val="73000"/>
+              </a:schemeClr>
+            </a:gs>
+            <a:gs pos="100000">
+              <a:schemeClr val="phClr">
+                <a:lumMod val="105000"/>
+                <a:satMod val="109000"/>
+                <a:tint val="81000"/>
+              </a:schemeClr>
+            </a:gs>
+          </a:gsLst>
+          <a:lin ang="5400000" scaled="0"/>
+        </a:gradFill>
+        <a:gradFill rotWithShape="1">
+          <a:gsLst>
+            <a:gs pos="0">
+              <a:schemeClr val="phClr">
+                <a:satMod val="103000"/>
+                <a:lumMod val="102000"/>
+                <a:tint val="94000"/>
+              </a:schemeClr>
+            </a:gs>
+            <a:gs pos="50000">
+              <a:schemeClr val="phClr">
+                <a:satMod val="110000"/>
+                <a:lumMod val="100000"/>
+                <a:shade val="100000"/>
+              </a:schemeClr>
+            </a:gs>
+            <a:gs pos="100000">
+              <a:schemeClr val="phClr">
+                <a:lumMod val="99000"/>
+                <a:satMod val="120000"/>
+                <a:shade val="78000"/>
+              </a:schemeClr>
+            </a:gs>
+          </a:gsLst>
+          <a:lin ang="5400000" scaled="0"/>
+        </a:gradFill>
+      </a:fillStyleLst>
+      <a:lnStyleLst>
+        <a:ln w="12700" cap="flat" cmpd="sng" algn="ctr">
+          <a:solidFill>
+            <a:schemeClr val="phClr"/>
+          </a:solidFill>
+          <a:prstDash val="solid"/>
+          <a:miter lim="800000"/>
+        </a:ln>
+        <a:ln w="19050" cap="flat" cmpd="sng" algn="ctr">
+          <a:solidFill>
+            <a:schemeClr val="phClr"/>
+          </a:solidFill>
+          <a:prstDash val="solid"/>
+          <a:miter lim="800000"/>
+        </a:ln>
+        <a:ln w="25400" cap="flat" cmpd="sng" algn="ctr">
+          <a:solidFill>
+            <a:schemeClr val="phClr"/>
+          </a:solidFill>
+          <a:prstDash val="solid"/>
+          <a:miter lim="800000"/>
+        </a:ln>
+      </a:lnStyleLst>
+      <a:effectStyleLst>
+        <a:effectStyle>
+          <a:effectLst/>
+        </a:effectStyle>
+        <a:effectStyle>
+          <a:effectLst/>
+        </a:effectStyle>
+        <a:effectStyle>
+          <a:effectLst>
+            <a:outerShdw blurRad="57150" dist="19050" dir="5400000" algn="ctr" rotWithShape="0">
+              <a:srgbClr val="000000">
+                <a:alpha val="63000"/>
+              </a:srgbClr>
+            </a:outerShdw>
+          </a:effectLst>
+        </a:effectStyle>
+      </a:effectStyleLst>
+      <a:bgFillStyleLst>
+        <a:solidFill>
+          <a:schemeClr val="phClr"/>
+        </a:solidFill>
+        <a:solidFill>
+          <a:schemeClr val="phClr">
+            <a:tint val="95000"/>
+            <a:satMod val="170000"/>
+          </a:schemeClr>
+        </a:solidFill>
+        <a:gradFill rotWithShape="1">
+          <a:gsLst>
+            <a:gs pos="0">
+              <a:schemeClr val="phClr">
+                <a:tint val="93000"/>
+                <a:satMod val="150000"/>
+                <a:shade val="98000"/>
+                <a:lumMod val="102000"/>
+              </a:schemeClr>
+            </a:gs>
+            <a:gs pos="50000">
+              <a:schemeClr val="phClr">
+                <a:tint val="98000"/>
+                <a:satMod val="130000"/>
+                <a:shade val="90000"/>
+                <a:lumMod val="103000"/>
+              </a:schemeClr>
+            </a:gs>
+            <a:gs pos="100000">
+              <a:schemeClr val="phClr">
+                <a:shade val="63000"/>
+                <a:satMod val="120000"/>
+              </a:schemeClr>
+            </a:gs>
+          </a:gsLst>
+          <a:lin ang="5400000" scaled="0"/>
+        </a:gradFill>
+      </a:bgFillStyleLst>
+    </a:fmtScheme>
+  </a:themeElements>
+  <a:objectDefaults>
+    <a:lnDef>
+      <a:spPr/>
+      <a:bodyPr/>
+      <a:lstStyle/>
+      <a:style>
+        <a:lnRef idx="2">
+          <a:schemeClr val="accent1"/>
+        </a:lnRef>
+        <a:fillRef idx="0">
+          <a:schemeClr val="accent1"/>
+        </a:fillRef>
+        <a:effectRef idx="1">
+          <a:schemeClr val="accent1"/>
+        </a:effectRef>
+        <a:fontRef idx="minor">
+          <a:schemeClr val="tx1"/>
+        </a:fontRef>
+      </a:style>
+    </a:lnDef>
+  </a:objectDefaults>
+  <a:extraClrSchemeLst/>
+  <a:extLst>
+    <a:ext uri="{05A4C25C-085E-4340-85A3-A5531E510DB2}">
+      <thm15:themeFamily xmlns:thm15="http://schemas.microsoft.com/office/thememl/2012/main" name="Office Theme" id="{2E142A2C-CD16-42D6-873A-C26D2A0506FA}" vid="{1BDDFF52-6CD6-40A5-AB3C-68EB2F1E4D0A}"/>
+    </a:ext>
+  </a:extLst>
+</a:theme>
 </file>